--- a/documents/Slide Đồ án tốt nghiệp_Nguyễn Tuấn Anh_REV3.pptx
+++ b/documents/Slide Đồ án tốt nghiệp_Nguyễn Tuấn Anh_REV3.pptx
@@ -5,7 +5,7 @@
     <p:sldMasterId id="2147483648" r:id="rId4"/>
   </p:sldMasterIdLst>
   <p:notesMasterIdLst>
-    <p:notesMasterId r:id="rId30"/>
+    <p:notesMasterId r:id="rId31"/>
   </p:notesMasterIdLst>
   <p:sldIdLst>
     <p:sldId id="256" r:id="rId5"/>
@@ -13,9 +13,9 @@
     <p:sldId id="258" r:id="rId7"/>
     <p:sldId id="259" r:id="rId8"/>
     <p:sldId id="260" r:id="rId9"/>
-    <p:sldId id="267" r:id="rId10"/>
-    <p:sldId id="268" r:id="rId11"/>
-    <p:sldId id="277" r:id="rId12"/>
+    <p:sldId id="277" r:id="rId10"/>
+    <p:sldId id="267" r:id="rId11"/>
+    <p:sldId id="268" r:id="rId12"/>
     <p:sldId id="294" r:id="rId13"/>
     <p:sldId id="273" r:id="rId14"/>
     <p:sldId id="295" r:id="rId15"/>
@@ -25,14 +25,15 @@
     <p:sldId id="272" r:id="rId19"/>
     <p:sldId id="275" r:id="rId20"/>
     <p:sldId id="282" r:id="rId21"/>
-    <p:sldId id="269" r:id="rId22"/>
-    <p:sldId id="276" r:id="rId23"/>
+    <p:sldId id="296" r:id="rId22"/>
+    <p:sldId id="269" r:id="rId23"/>
     <p:sldId id="281" r:id="rId24"/>
-    <p:sldId id="261" r:id="rId25"/>
-    <p:sldId id="274" r:id="rId26"/>
-    <p:sldId id="288" r:id="rId27"/>
-    <p:sldId id="293" r:id="rId28"/>
-    <p:sldId id="264" r:id="rId29"/>
+    <p:sldId id="276" r:id="rId25"/>
+    <p:sldId id="261" r:id="rId26"/>
+    <p:sldId id="274" r:id="rId27"/>
+    <p:sldId id="288" r:id="rId28"/>
+    <p:sldId id="293" r:id="rId29"/>
+    <p:sldId id="264" r:id="rId30"/>
   </p:sldIdLst>
   <p:sldSz cx="12192000" cy="6858000"/>
   <p:notesSz cx="6858000" cy="9144000"/>
@@ -141,9 +142,9 @@
             <p14:sldId id="258"/>
             <p14:sldId id="259"/>
             <p14:sldId id="260"/>
+            <p14:sldId id="277"/>
             <p14:sldId id="267"/>
             <p14:sldId id="268"/>
-            <p14:sldId id="277"/>
             <p14:sldId id="294"/>
             <p14:sldId id="273"/>
             <p14:sldId id="295"/>
@@ -153,9 +154,10 @@
             <p14:sldId id="272"/>
             <p14:sldId id="275"/>
             <p14:sldId id="282"/>
+            <p14:sldId id="296"/>
             <p14:sldId id="269"/>
+            <p14:sldId id="281"/>
             <p14:sldId id="276"/>
-            <p14:sldId id="281"/>
             <p14:sldId id="261"/>
             <p14:sldId id="274"/>
             <p14:sldId id="288"/>
@@ -1123,6 +1125,94 @@
           <a:lstStyle/>
           <a:p>
             <a:r>
+              <a:rPr lang="en-US"/>
+              <a:t>Thêm màn hình cấu hình wifi</a:t>
+            </a:r>
+            <a:endParaRPr lang="vi-VN"/>
+          </a:p>
+        </p:txBody>
+      </p:sp>
+      <p:sp>
+        <p:nvSpPr>
+          <p:cNvPr id="4" name="Slide Number Placeholder 3"/>
+          <p:cNvSpPr>
+            <a:spLocks noGrp="1"/>
+          </p:cNvSpPr>
+          <p:nvPr>
+            <p:ph type="sldNum" sz="quarter" idx="5"/>
+          </p:nvPr>
+        </p:nvSpPr>
+        <p:spPr/>
+        <p:txBody>
+          <a:bodyPr/>
+          <a:lstStyle/>
+          <a:p>
+            <a:fld id="{E2C07920-3A74-449B-970D-FA3232CC8EC0}" type="slidenum">
+              <a:rPr lang="vi-VN" smtClean="0"/>
+              <a:t>18</a:t>
+            </a:fld>
+            <a:endParaRPr lang="vi-VN"/>
+          </a:p>
+        </p:txBody>
+      </p:sp>
+    </p:spTree>
+    <p:extLst>
+      <p:ext uri="{BB962C8B-B14F-4D97-AF65-F5344CB8AC3E}">
+        <p14:creationId xmlns:p14="http://schemas.microsoft.com/office/powerpoint/2010/main" val="3999535955"/>
+      </p:ext>
+    </p:extLst>
+  </p:cSld>
+  <p:clrMapOvr>
+    <a:masterClrMapping/>
+  </p:clrMapOvr>
+</p:notes>
+</file>
+
+<file path=ppt/notesSlides/notesSlide16.xml><?xml version="1.0" encoding="utf-8"?>
+<p:notes xmlns:a="http://schemas.openxmlformats.org/drawingml/2006/main" xmlns:r="http://schemas.openxmlformats.org/officeDocument/2006/relationships" xmlns:p="http://schemas.openxmlformats.org/presentationml/2006/main">
+  <p:cSld>
+    <p:spTree>
+      <p:nvGrpSpPr>
+        <p:cNvPr id="1" name=""/>
+        <p:cNvGrpSpPr/>
+        <p:nvPr/>
+      </p:nvGrpSpPr>
+      <p:grpSpPr>
+        <a:xfrm>
+          <a:off x="0" y="0"/>
+          <a:ext cx="0" cy="0"/>
+          <a:chOff x="0" y="0"/>
+          <a:chExt cx="0" cy="0"/>
+        </a:xfrm>
+      </p:grpSpPr>
+      <p:sp>
+        <p:nvSpPr>
+          <p:cNvPr id="2" name="Slide Image Placeholder 1"/>
+          <p:cNvSpPr>
+            <a:spLocks noGrp="1" noRot="1" noChangeAspect="1"/>
+          </p:cNvSpPr>
+          <p:nvPr>
+            <p:ph type="sldImg"/>
+          </p:nvPr>
+        </p:nvSpPr>
+        <p:spPr/>
+      </p:sp>
+      <p:sp>
+        <p:nvSpPr>
+          <p:cNvPr id="3" name="Notes Placeholder 2"/>
+          <p:cNvSpPr>
+            <a:spLocks noGrp="1"/>
+          </p:cNvSpPr>
+          <p:nvPr>
+            <p:ph type="body" idx="1"/>
+          </p:nvPr>
+        </p:nvSpPr>
+        <p:spPr/>
+        <p:txBody>
+          <a:bodyPr/>
+          <a:lstStyle/>
+          <a:p>
+            <a:r>
               <a:rPr lang="vi-VN" b="0" i="0" dirty="0">
                 <a:solidFill>
                   <a:srgbClr val="E4E6EB"/>
@@ -1153,7 +1243,7 @@
           <a:p>
             <a:fld id="{E2C07920-3A74-449B-970D-FA3232CC8EC0}" type="slidenum">
               <a:rPr lang="vi-VN" smtClean="0"/>
-              <a:t>24</a:t>
+              <a:t>25</a:t>
             </a:fld>
             <a:endParaRPr lang="vi-VN"/>
           </a:p>
@@ -1826,162 +1916,33 @@
           <a:lstStyle/>
           <a:p>
             <a:r>
-              <a:rPr lang="en-US" dirty="0" err="1"/>
-              <a:t>Lựa</a:t>
-            </a:r>
-            <a:r>
-              <a:rPr lang="en-US" dirty="0"/>
-              <a:t> </a:t>
-            </a:r>
-            <a:r>
-              <a:rPr lang="en-US" dirty="0" err="1"/>
-              <a:t>chọn</a:t>
-            </a:r>
-            <a:r>
-              <a:rPr lang="en-US" dirty="0"/>
-              <a:t> </a:t>
-            </a:r>
-            <a:r>
-              <a:rPr lang="en-US" dirty="0" err="1"/>
-              <a:t>mô</a:t>
-            </a:r>
-            <a:r>
-              <a:rPr lang="en-US" dirty="0"/>
-              <a:t> </a:t>
-            </a:r>
-            <a:r>
-              <a:rPr lang="en-US" dirty="0" err="1"/>
-              <a:t>đun</a:t>
-            </a:r>
-            <a:r>
-              <a:rPr lang="en-US" dirty="0"/>
-              <a:t> esp8266 v12 </a:t>
-            </a:r>
-            <a:r>
-              <a:rPr lang="en-US" dirty="0" err="1"/>
-              <a:t>có</a:t>
-            </a:r>
-            <a:r>
-              <a:rPr lang="en-US" dirty="0"/>
-              <a:t> </a:t>
-            </a:r>
-            <a:r>
-              <a:rPr lang="en-US" dirty="0" err="1"/>
-              <a:t>lõi</a:t>
-            </a:r>
-            <a:r>
-              <a:rPr lang="en-US" dirty="0"/>
-              <a:t> </a:t>
-            </a:r>
-            <a:r>
-              <a:rPr lang="en-US" dirty="0" err="1"/>
-              <a:t>là</a:t>
-            </a:r>
-            <a:r>
-              <a:rPr lang="en-US" dirty="0"/>
-              <a:t> </a:t>
-            </a:r>
-            <a:r>
-              <a:rPr lang="en-US" dirty="0" err="1"/>
-              <a:t>vđk</a:t>
-            </a:r>
-            <a:r>
-              <a:rPr lang="en-US" dirty="0"/>
-              <a:t> esp8266ex. </a:t>
-            </a:r>
-            <a:r>
-              <a:rPr lang="en-US" dirty="0" err="1"/>
-              <a:t>Có</a:t>
-            </a:r>
-            <a:r>
-              <a:rPr lang="en-US" dirty="0"/>
-              <a:t> </a:t>
-            </a:r>
-            <a:r>
-              <a:rPr lang="en-US" dirty="0" err="1"/>
-              <a:t>sẵn</a:t>
-            </a:r>
-            <a:r>
-              <a:rPr lang="en-US" dirty="0"/>
-              <a:t> antenna, </a:t>
-            </a:r>
-            <a:r>
-              <a:rPr lang="en-US" dirty="0" err="1"/>
-              <a:t>kết</a:t>
-            </a:r>
-            <a:r>
-              <a:rPr lang="en-US" dirty="0"/>
-              <a:t> </a:t>
-            </a:r>
-            <a:r>
-              <a:rPr lang="en-US" dirty="0" err="1"/>
-              <a:t>nối</a:t>
-            </a:r>
-            <a:r>
-              <a:rPr lang="en-US" dirty="0"/>
-              <a:t> </a:t>
-            </a:r>
-            <a:r>
-              <a:rPr lang="en-US" dirty="0" err="1"/>
-              <a:t>với</a:t>
-            </a:r>
-            <a:r>
-              <a:rPr lang="en-US" dirty="0"/>
-              <a:t> </a:t>
-            </a:r>
-            <a:r>
-              <a:rPr lang="en-US" dirty="0" err="1"/>
-              <a:t>wifi</a:t>
-            </a:r>
-            <a:r>
-              <a:rPr lang="en-US" dirty="0"/>
-              <a:t> 2.4, </a:t>
-            </a:r>
-            <a:r>
-              <a:rPr lang="en-US" dirty="0" err="1"/>
-              <a:t>có</a:t>
-            </a:r>
-            <a:r>
-              <a:rPr lang="en-US" dirty="0"/>
-              <a:t> </a:t>
-            </a:r>
-            <a:r>
-              <a:rPr lang="en-US" dirty="0" err="1"/>
-              <a:t>số</a:t>
-            </a:r>
-            <a:r>
-              <a:rPr lang="en-US" dirty="0"/>
-              <a:t> </a:t>
-            </a:r>
-            <a:r>
-              <a:rPr lang="en-US" dirty="0" err="1"/>
-              <a:t>chân</a:t>
-            </a:r>
-            <a:r>
-              <a:rPr lang="en-US" dirty="0"/>
-              <a:t> </a:t>
-            </a:r>
-            <a:r>
-              <a:rPr lang="en-US" dirty="0" err="1"/>
-              <a:t>gpio</a:t>
-            </a:r>
-            <a:r>
-              <a:rPr lang="en-US" dirty="0"/>
-              <a:t> </a:t>
-            </a:r>
-            <a:r>
-              <a:rPr lang="en-US" dirty="0" err="1"/>
-              <a:t>phù</a:t>
-            </a:r>
-            <a:r>
-              <a:rPr lang="en-US" dirty="0"/>
-              <a:t> </a:t>
-            </a:r>
-            <a:r>
-              <a:rPr lang="en-US" dirty="0" err="1"/>
-              <a:t>hợp</a:t>
-            </a:r>
-            <a:endParaRPr lang="vi-VN" dirty="0"/>
+              <a:rPr lang="en-US"/>
+              <a:t>Để truyền thông giữa thiết bị đóng cắt và thiết bị điều khiển từ xa: dung giao thức mqtt</a:t>
+            </a:r>
+          </a:p>
+          <a:p>
+            <a:r>
+              <a:rPr lang="en-US"/>
+              <a:t>Hoạt động trên mô hình máy chủ và máy khách. Các bản tin sẽ được gửi và nhận thông qua máy chủ</a:t>
+            </a:r>
+          </a:p>
+          <a:p>
+            <a:r>
+              <a:rPr lang="en-US"/>
+              <a:t>Các máy khách nhận bản tin dựa theo topic</a:t>
+            </a:r>
+          </a:p>
+          <a:p>
+            <a:r>
+              <a:rPr lang="en-US"/>
+              <a:t>Để nhận bản tin trong 1 chủ đề, các máy khách sẽ đăng kí chủ đề đó với máy chủ</a:t>
+            </a:r>
+          </a:p>
+          <a:p>
+            <a:r>
+              <a:rPr lang="en-US"/>
+              <a:t>Để gửi bản tin trong 1 chủ đề, các máy khách sẽ xuất bản đến chủ đề đó và máy chủ sẽ phân phối bản tin tới các máy khách đã đăng kí</a:t>
+            </a:r>
           </a:p>
         </p:txBody>
       </p:sp>
@@ -2011,7 +1972,7 @@
     </p:spTree>
     <p:extLst>
       <p:ext uri="{BB962C8B-B14F-4D97-AF65-F5344CB8AC3E}">
-        <p14:creationId xmlns:p14="http://schemas.microsoft.com/office/powerpoint/2010/main" val="1893162986"/>
+        <p14:creationId xmlns:p14="http://schemas.microsoft.com/office/powerpoint/2010/main" val="2617391368"/>
       </p:ext>
     </p:extLst>
   </p:cSld>
@@ -2066,16 +2027,162 @@
           <a:lstStyle/>
           <a:p>
             <a:r>
-              <a:rPr lang="en-US"/>
-              <a:t>Ở phần đóng cắt sử dụng triac: van bán dẫn cho phép dẫn dòng theo cả 2 chiều, đièu khiển thông qua xung dòng điện ở cực cổng</a:t>
-            </a:r>
-          </a:p>
-          <a:p>
-            <a:r>
-              <a:rPr lang="en-US"/>
-              <a:t>Ic lái triac: gồm 1 điốt phát quang và 1 triac với cực cổng nhạy sáng. Cho phép cách ly mạch điều khiển với mạch lực đóng cắt, nâng cao mức độ an toàn cho người sử dụng</a:t>
-            </a:r>
-            <a:endParaRPr lang="vi-VN"/>
+              <a:rPr lang="en-US" dirty="0" err="1"/>
+              <a:t>Lựa</a:t>
+            </a:r>
+            <a:r>
+              <a:rPr lang="en-US" dirty="0"/>
+              <a:t> </a:t>
+            </a:r>
+            <a:r>
+              <a:rPr lang="en-US" dirty="0" err="1"/>
+              <a:t>chọn</a:t>
+            </a:r>
+            <a:r>
+              <a:rPr lang="en-US" dirty="0"/>
+              <a:t> </a:t>
+            </a:r>
+            <a:r>
+              <a:rPr lang="en-US" dirty="0" err="1"/>
+              <a:t>mô</a:t>
+            </a:r>
+            <a:r>
+              <a:rPr lang="en-US" dirty="0"/>
+              <a:t> </a:t>
+            </a:r>
+            <a:r>
+              <a:rPr lang="en-US" dirty="0" err="1"/>
+              <a:t>đun</a:t>
+            </a:r>
+            <a:r>
+              <a:rPr lang="en-US" dirty="0"/>
+              <a:t> esp8266 v12 </a:t>
+            </a:r>
+            <a:r>
+              <a:rPr lang="en-US" dirty="0" err="1"/>
+              <a:t>có</a:t>
+            </a:r>
+            <a:r>
+              <a:rPr lang="en-US" dirty="0"/>
+              <a:t> </a:t>
+            </a:r>
+            <a:r>
+              <a:rPr lang="en-US" dirty="0" err="1"/>
+              <a:t>lõi</a:t>
+            </a:r>
+            <a:r>
+              <a:rPr lang="en-US" dirty="0"/>
+              <a:t> </a:t>
+            </a:r>
+            <a:r>
+              <a:rPr lang="en-US" dirty="0" err="1"/>
+              <a:t>là</a:t>
+            </a:r>
+            <a:r>
+              <a:rPr lang="en-US" dirty="0"/>
+              <a:t> </a:t>
+            </a:r>
+            <a:r>
+              <a:rPr lang="en-US" dirty="0" err="1"/>
+              <a:t>vđk</a:t>
+            </a:r>
+            <a:r>
+              <a:rPr lang="en-US" dirty="0"/>
+              <a:t> esp8266ex. </a:t>
+            </a:r>
+            <a:r>
+              <a:rPr lang="en-US" dirty="0" err="1"/>
+              <a:t>Có</a:t>
+            </a:r>
+            <a:r>
+              <a:rPr lang="en-US" dirty="0"/>
+              <a:t> </a:t>
+            </a:r>
+            <a:r>
+              <a:rPr lang="en-US" dirty="0" err="1"/>
+              <a:t>sẵn</a:t>
+            </a:r>
+            <a:r>
+              <a:rPr lang="en-US" dirty="0"/>
+              <a:t> antenna, </a:t>
+            </a:r>
+            <a:r>
+              <a:rPr lang="en-US" dirty="0" err="1"/>
+              <a:t>kết</a:t>
+            </a:r>
+            <a:r>
+              <a:rPr lang="en-US" dirty="0"/>
+              <a:t> </a:t>
+            </a:r>
+            <a:r>
+              <a:rPr lang="en-US" dirty="0" err="1"/>
+              <a:t>nối</a:t>
+            </a:r>
+            <a:r>
+              <a:rPr lang="en-US" dirty="0"/>
+              <a:t> </a:t>
+            </a:r>
+            <a:r>
+              <a:rPr lang="en-US" dirty="0" err="1"/>
+              <a:t>với</a:t>
+            </a:r>
+            <a:r>
+              <a:rPr lang="en-US" dirty="0"/>
+              <a:t> </a:t>
+            </a:r>
+            <a:r>
+              <a:rPr lang="en-US" dirty="0" err="1"/>
+              <a:t>wifi</a:t>
+            </a:r>
+            <a:r>
+              <a:rPr lang="en-US" dirty="0"/>
+              <a:t> 2.4, </a:t>
+            </a:r>
+            <a:r>
+              <a:rPr lang="en-US" dirty="0" err="1"/>
+              <a:t>có</a:t>
+            </a:r>
+            <a:r>
+              <a:rPr lang="en-US" dirty="0"/>
+              <a:t> </a:t>
+            </a:r>
+            <a:r>
+              <a:rPr lang="en-US" dirty="0" err="1"/>
+              <a:t>số</a:t>
+            </a:r>
+            <a:r>
+              <a:rPr lang="en-US" dirty="0"/>
+              <a:t> </a:t>
+            </a:r>
+            <a:r>
+              <a:rPr lang="en-US" dirty="0" err="1"/>
+              <a:t>chân</a:t>
+            </a:r>
+            <a:r>
+              <a:rPr lang="en-US" dirty="0"/>
+              <a:t> </a:t>
+            </a:r>
+            <a:r>
+              <a:rPr lang="en-US" dirty="0" err="1"/>
+              <a:t>gpio</a:t>
+            </a:r>
+            <a:r>
+              <a:rPr lang="en-US" dirty="0"/>
+              <a:t> </a:t>
+            </a:r>
+            <a:r>
+              <a:rPr lang="en-US" dirty="0" err="1"/>
+              <a:t>phù</a:t>
+            </a:r>
+            <a:r>
+              <a:rPr lang="en-US" dirty="0"/>
+              <a:t> </a:t>
+            </a:r>
+            <a:r>
+              <a:rPr lang="en-US" dirty="0" err="1"/>
+              <a:t>hợp</a:t>
+            </a:r>
+            <a:endParaRPr lang="vi-VN" dirty="0"/>
           </a:p>
         </p:txBody>
       </p:sp>
@@ -2105,7 +2212,7 @@
     </p:spTree>
     <p:extLst>
       <p:ext uri="{BB962C8B-B14F-4D97-AF65-F5344CB8AC3E}">
-        <p14:creationId xmlns:p14="http://schemas.microsoft.com/office/powerpoint/2010/main" val="1355585525"/>
+        <p14:creationId xmlns:p14="http://schemas.microsoft.com/office/powerpoint/2010/main" val="1893162986"/>
       </p:ext>
     </p:extLst>
   </p:cSld>
@@ -2161,32 +2268,15 @@
           <a:p>
             <a:r>
               <a:rPr lang="en-US"/>
-              <a:t>Để truyền thông giữa thiết bị đóng cắt và thiết bị điều khiển từ xa: dung giao thức mqtt</a:t>
+              <a:t>Ở phần đóng cắt sử dụng triac: van bán dẫn cho phép dẫn dòng theo cả 2 chiều, đièu khiển thông qua xung dòng điện ở cực cổng</a:t>
             </a:r>
           </a:p>
           <a:p>
             <a:r>
               <a:rPr lang="en-US"/>
-              <a:t>Hoạt động trên mô hình máy chủ và máy khách. Các bản tin sẽ được gửi và nhận thông qua máy chủ</a:t>
-            </a:r>
-          </a:p>
-          <a:p>
-            <a:r>
-              <a:rPr lang="en-US"/>
-              <a:t>Các máy khách nhận bản tin dựa theo topic</a:t>
-            </a:r>
-          </a:p>
-          <a:p>
-            <a:r>
-              <a:rPr lang="en-US"/>
-              <a:t>Để nhận bản tin trong 1 chủ đề, các máy khách sẽ đăng kí chủ đề đó với máy chủ</a:t>
-            </a:r>
-          </a:p>
-          <a:p>
-            <a:r>
-              <a:rPr lang="en-US"/>
-              <a:t>Để gửi bản tin trong 1 chủ đề, các máy khách sẽ xuất bản đến chủ đề đó và máy chủ sẽ phân phối bản tin tới các máy khách đã đăng kí</a:t>
-            </a:r>
+              <a:t>Ic lái triac: gồm 1 điốt phát quang và 1 triac với cực cổng nhạy sáng. Cho phép cách ly mạch điều khiển với mạch lực đóng cắt, nâng cao mức độ an toàn cho người sử dụng</a:t>
+            </a:r>
+            <a:endParaRPr lang="vi-VN"/>
           </a:p>
         </p:txBody>
       </p:sp>
@@ -2216,7 +2306,7 @@
     </p:spTree>
     <p:extLst>
       <p:ext uri="{BB962C8B-B14F-4D97-AF65-F5344CB8AC3E}">
-        <p14:creationId xmlns:p14="http://schemas.microsoft.com/office/powerpoint/2010/main" val="2617391368"/>
+        <p14:creationId xmlns:p14="http://schemas.microsoft.com/office/powerpoint/2010/main" val="1355585525"/>
       </p:ext>
     </p:extLst>
   </p:cSld>
@@ -4069,16 +4159,68 @@
               <a:buChar char="o"/>
             </a:pPr>
             <a:r>
-              <a:rPr lang="en-US" sz="2800">
-                <a:latin typeface="+mn-lt"/>
-                <a:cs typeface="Times New Roman" panose="02020603050405020304" pitchFamily="18" charset="0"/>
-              </a:rPr>
-              <a:t> Số kênh đóng cắt: 4</a:t>
-            </a:r>
-            <a:endParaRPr lang="en-US" sz="2800" dirty="0">
-              <a:latin typeface="+mn-lt"/>
-              <a:cs typeface="Times New Roman" panose="02020603050405020304" pitchFamily="18" charset="0"/>
-            </a:endParaRPr>
+              <a:rPr lang="en-US" sz="2800" dirty="0">
+                <a:latin typeface="+mn-lt"/>
+                <a:cs typeface="Times New Roman" panose="02020603050405020304" pitchFamily="18" charset="0"/>
+              </a:rPr>
+              <a:t> </a:t>
+            </a:r>
+            <a:r>
+              <a:rPr lang="en-US" sz="2800" dirty="0" err="1">
+                <a:latin typeface="+mn-lt"/>
+                <a:cs typeface="Times New Roman" panose="02020603050405020304" pitchFamily="18" charset="0"/>
+              </a:rPr>
+              <a:t>Số</a:t>
+            </a:r>
+            <a:r>
+              <a:rPr lang="en-US" sz="2800" dirty="0">
+                <a:latin typeface="+mn-lt"/>
+                <a:cs typeface="Times New Roman" panose="02020603050405020304" pitchFamily="18" charset="0"/>
+              </a:rPr>
+              <a:t> </a:t>
+            </a:r>
+            <a:r>
+              <a:rPr lang="en-US" sz="2800" dirty="0" err="1">
+                <a:latin typeface="+mn-lt"/>
+                <a:cs typeface="Times New Roman" panose="02020603050405020304" pitchFamily="18" charset="0"/>
+              </a:rPr>
+              <a:t>kênh</a:t>
+            </a:r>
+            <a:r>
+              <a:rPr lang="en-US" sz="2800" dirty="0">
+                <a:latin typeface="+mn-lt"/>
+                <a:cs typeface="Times New Roman" panose="02020603050405020304" pitchFamily="18" charset="0"/>
+              </a:rPr>
+              <a:t> </a:t>
+            </a:r>
+            <a:r>
+              <a:rPr lang="en-US" sz="2800" dirty="0" err="1">
+                <a:latin typeface="+mn-lt"/>
+                <a:cs typeface="Times New Roman" panose="02020603050405020304" pitchFamily="18" charset="0"/>
+              </a:rPr>
+              <a:t>đóng</a:t>
+            </a:r>
+            <a:r>
+              <a:rPr lang="en-US" sz="2800" dirty="0">
+                <a:latin typeface="+mn-lt"/>
+                <a:cs typeface="Times New Roman" panose="02020603050405020304" pitchFamily="18" charset="0"/>
+              </a:rPr>
+              <a:t> </a:t>
+            </a:r>
+            <a:r>
+              <a:rPr lang="en-US" sz="2800" dirty="0" err="1">
+                <a:latin typeface="+mn-lt"/>
+                <a:cs typeface="Times New Roman" panose="02020603050405020304" pitchFamily="18" charset="0"/>
+              </a:rPr>
+              <a:t>cắt</a:t>
+            </a:r>
+            <a:r>
+              <a:rPr lang="en-US" sz="2800" dirty="0">
+                <a:latin typeface="+mn-lt"/>
+                <a:cs typeface="Times New Roman" panose="02020603050405020304" pitchFamily="18" charset="0"/>
+              </a:rPr>
+              <a:t>: 4</a:t>
+            </a:r>
           </a:p>
           <a:p>
             <a:pPr lvl="1">
@@ -4086,11 +4228,25 @@
               <a:buChar char="o"/>
             </a:pPr>
             <a:r>
-              <a:rPr lang="en-US" sz="2800">
-                <a:latin typeface="+mn-lt"/>
-                <a:cs typeface="Times New Roman" panose="02020603050405020304" pitchFamily="18" charset="0"/>
-              </a:rPr>
-              <a:t> Điện </a:t>
+              <a:rPr lang="en-US" sz="2800" dirty="0">
+                <a:latin typeface="+mn-lt"/>
+                <a:cs typeface="Times New Roman" panose="02020603050405020304" pitchFamily="18" charset="0"/>
+              </a:rPr>
+              <a:t> </a:t>
+            </a:r>
+            <a:r>
+              <a:rPr lang="en-US" sz="2800" dirty="0" err="1">
+                <a:latin typeface="+mn-lt"/>
+                <a:cs typeface="Times New Roman" panose="02020603050405020304" pitchFamily="18" charset="0"/>
+              </a:rPr>
+              <a:t>Điện</a:t>
+            </a:r>
+            <a:r>
+              <a:rPr lang="en-US" sz="2800" dirty="0">
+                <a:latin typeface="+mn-lt"/>
+                <a:cs typeface="Times New Roman" panose="02020603050405020304" pitchFamily="18" charset="0"/>
+              </a:rPr>
+              <a:t> </a:t>
             </a:r>
             <a:r>
               <a:rPr lang="en-US" sz="2800" dirty="0" err="1">
@@ -4169,11 +4325,53 @@
               <a:buChar char="o"/>
             </a:pPr>
             <a:r>
-              <a:rPr lang="en-US" sz="2800">
-                <a:latin typeface="+mn-lt"/>
-                <a:cs typeface="Times New Roman" panose="02020603050405020304" pitchFamily="18" charset="0"/>
-              </a:rPr>
-              <a:t> Dòng điện đóng </a:t>
+              <a:rPr lang="en-US" sz="2800" dirty="0">
+                <a:latin typeface="+mn-lt"/>
+                <a:cs typeface="Times New Roman" panose="02020603050405020304" pitchFamily="18" charset="0"/>
+              </a:rPr>
+              <a:t> </a:t>
+            </a:r>
+            <a:r>
+              <a:rPr lang="en-US" sz="2800" dirty="0" err="1">
+                <a:latin typeface="+mn-lt"/>
+                <a:cs typeface="Times New Roman" panose="02020603050405020304" pitchFamily="18" charset="0"/>
+              </a:rPr>
+              <a:t>Dòng</a:t>
+            </a:r>
+            <a:r>
+              <a:rPr lang="en-US" sz="2800" dirty="0">
+                <a:latin typeface="+mn-lt"/>
+                <a:cs typeface="Times New Roman" panose="02020603050405020304" pitchFamily="18" charset="0"/>
+              </a:rPr>
+              <a:t> </a:t>
+            </a:r>
+            <a:r>
+              <a:rPr lang="en-US" sz="2800" dirty="0" err="1">
+                <a:latin typeface="+mn-lt"/>
+                <a:cs typeface="Times New Roman" panose="02020603050405020304" pitchFamily="18" charset="0"/>
+              </a:rPr>
+              <a:t>điện</a:t>
+            </a:r>
+            <a:r>
+              <a:rPr lang="en-US" sz="2800" dirty="0">
+                <a:latin typeface="+mn-lt"/>
+                <a:cs typeface="Times New Roman" panose="02020603050405020304" pitchFamily="18" charset="0"/>
+              </a:rPr>
+              <a:t> </a:t>
+            </a:r>
+            <a:r>
+              <a:rPr lang="en-US" sz="2800" dirty="0" err="1">
+                <a:latin typeface="+mn-lt"/>
+                <a:cs typeface="Times New Roman" panose="02020603050405020304" pitchFamily="18" charset="0"/>
+              </a:rPr>
+              <a:t>đóng</a:t>
+            </a:r>
+            <a:r>
+              <a:rPr lang="en-US" sz="2800" dirty="0">
+                <a:latin typeface="+mn-lt"/>
+                <a:cs typeface="Times New Roman" panose="02020603050405020304" pitchFamily="18" charset="0"/>
+              </a:rPr>
+              <a:t> </a:t>
             </a:r>
             <a:r>
               <a:rPr lang="en-US" sz="2800" dirty="0" err="1">
@@ -10018,8 +10216,47 @@
                 <a:latin typeface="Times New Roman" panose="02020603050405020304" pitchFamily="18" charset="0"/>
                 <a:cs typeface="Times New Roman" panose="02020603050405020304" pitchFamily="18" charset="0"/>
               </a:rPr>
-              <a:t> setup()</a:t>
-            </a:r>
+              <a:t> </a:t>
+            </a:r>
+            <a:r>
+              <a:rPr lang="en-US" dirty="0" err="1">
+                <a:latin typeface="Times New Roman" panose="02020603050405020304" pitchFamily="18" charset="0"/>
+                <a:cs typeface="Times New Roman" panose="02020603050405020304" pitchFamily="18" charset="0"/>
+              </a:rPr>
+              <a:t>cấu</a:t>
+            </a:r>
+            <a:r>
+              <a:rPr lang="en-US" dirty="0">
+                <a:latin typeface="Times New Roman" panose="02020603050405020304" pitchFamily="18" charset="0"/>
+                <a:cs typeface="Times New Roman" panose="02020603050405020304" pitchFamily="18" charset="0"/>
+              </a:rPr>
+              <a:t> </a:t>
+            </a:r>
+            <a:r>
+              <a:rPr lang="en-US" dirty="0" err="1">
+                <a:latin typeface="Times New Roman" panose="02020603050405020304" pitchFamily="18" charset="0"/>
+                <a:cs typeface="Times New Roman" panose="02020603050405020304" pitchFamily="18" charset="0"/>
+              </a:rPr>
+              <a:t>hình</a:t>
+            </a:r>
+            <a:r>
+              <a:rPr lang="en-US" dirty="0">
+                <a:latin typeface="Times New Roman" panose="02020603050405020304" pitchFamily="18" charset="0"/>
+                <a:cs typeface="Times New Roman" panose="02020603050405020304" pitchFamily="18" charset="0"/>
+              </a:rPr>
+              <a:t> ban </a:t>
+            </a:r>
+            <a:r>
+              <a:rPr lang="en-US" dirty="0" err="1">
+                <a:latin typeface="Times New Roman" panose="02020603050405020304" pitchFamily="18" charset="0"/>
+                <a:cs typeface="Times New Roman" panose="02020603050405020304" pitchFamily="18" charset="0"/>
+              </a:rPr>
+              <a:t>đầu</a:t>
+            </a:r>
+            <a:endParaRPr lang="en-US" dirty="0">
+              <a:latin typeface="Times New Roman" panose="02020603050405020304" pitchFamily="18" charset="0"/>
+              <a:cs typeface="Times New Roman" panose="02020603050405020304" pitchFamily="18" charset="0"/>
+            </a:endParaRPr>
           </a:p>
           <a:p>
             <a:pPr marL="0" indent="0">
@@ -10363,6 +10600,428 @@
             </a:pPr>
             <a:r>
               <a:rPr lang="en-US" dirty="0">
+                <a:latin typeface="Times New Roman" panose="02020603050405020304" pitchFamily="18" charset="0"/>
+                <a:cs typeface="Times New Roman" panose="02020603050405020304" pitchFamily="18" charset="0"/>
+              </a:rPr>
+              <a:t>2.3. </a:t>
+            </a:r>
+            <a:r>
+              <a:rPr lang="en-US" dirty="0" err="1">
+                <a:latin typeface="Times New Roman" panose="02020603050405020304" pitchFamily="18" charset="0"/>
+                <a:cs typeface="Times New Roman" panose="02020603050405020304" pitchFamily="18" charset="0"/>
+              </a:rPr>
+              <a:t>Thiết</a:t>
+            </a:r>
+            <a:r>
+              <a:rPr lang="en-US" dirty="0">
+                <a:latin typeface="Times New Roman" panose="02020603050405020304" pitchFamily="18" charset="0"/>
+                <a:cs typeface="Times New Roman" panose="02020603050405020304" pitchFamily="18" charset="0"/>
+              </a:rPr>
+              <a:t> </a:t>
+            </a:r>
+            <a:r>
+              <a:rPr lang="en-US" dirty="0" err="1">
+                <a:latin typeface="Times New Roman" panose="02020603050405020304" pitchFamily="18" charset="0"/>
+                <a:cs typeface="Times New Roman" panose="02020603050405020304" pitchFamily="18" charset="0"/>
+              </a:rPr>
+              <a:t>kế</a:t>
+            </a:r>
+            <a:r>
+              <a:rPr lang="en-US" dirty="0">
+                <a:latin typeface="Times New Roman" panose="02020603050405020304" pitchFamily="18" charset="0"/>
+                <a:cs typeface="Times New Roman" panose="02020603050405020304" pitchFamily="18" charset="0"/>
+              </a:rPr>
+              <a:t> </a:t>
+            </a:r>
+            <a:r>
+              <a:rPr lang="en-US" dirty="0" err="1">
+                <a:latin typeface="Times New Roman" panose="02020603050405020304" pitchFamily="18" charset="0"/>
+                <a:cs typeface="Times New Roman" panose="02020603050405020304" pitchFamily="18" charset="0"/>
+              </a:rPr>
+              <a:t>chương</a:t>
+            </a:r>
+            <a:r>
+              <a:rPr lang="en-US" dirty="0">
+                <a:latin typeface="Times New Roman" panose="02020603050405020304" pitchFamily="18" charset="0"/>
+                <a:cs typeface="Times New Roman" panose="02020603050405020304" pitchFamily="18" charset="0"/>
+              </a:rPr>
+              <a:t> </a:t>
+            </a:r>
+            <a:r>
+              <a:rPr lang="en-US" dirty="0" err="1">
+                <a:latin typeface="Times New Roman" panose="02020603050405020304" pitchFamily="18" charset="0"/>
+                <a:cs typeface="Times New Roman" panose="02020603050405020304" pitchFamily="18" charset="0"/>
+              </a:rPr>
+              <a:t>trình</a:t>
+            </a:r>
+            <a:r>
+              <a:rPr lang="en-US" dirty="0">
+                <a:latin typeface="Times New Roman" panose="02020603050405020304" pitchFamily="18" charset="0"/>
+                <a:cs typeface="Times New Roman" panose="02020603050405020304" pitchFamily="18" charset="0"/>
+              </a:rPr>
+              <a:t> vi </a:t>
+            </a:r>
+            <a:r>
+              <a:rPr lang="en-US" dirty="0" err="1">
+                <a:latin typeface="Times New Roman" panose="02020603050405020304" pitchFamily="18" charset="0"/>
+                <a:cs typeface="Times New Roman" panose="02020603050405020304" pitchFamily="18" charset="0"/>
+              </a:rPr>
+              <a:t>điều</a:t>
+            </a:r>
+            <a:r>
+              <a:rPr lang="en-US" dirty="0">
+                <a:latin typeface="Times New Roman" panose="02020603050405020304" pitchFamily="18" charset="0"/>
+                <a:cs typeface="Times New Roman" panose="02020603050405020304" pitchFamily="18" charset="0"/>
+              </a:rPr>
+              <a:t> </a:t>
+            </a:r>
+            <a:r>
+              <a:rPr lang="en-US" dirty="0" err="1">
+                <a:latin typeface="Times New Roman" panose="02020603050405020304" pitchFamily="18" charset="0"/>
+                <a:cs typeface="Times New Roman" panose="02020603050405020304" pitchFamily="18" charset="0"/>
+              </a:rPr>
+              <a:t>khiển</a:t>
+            </a:r>
+            <a:endParaRPr lang="en-US" dirty="0">
+              <a:latin typeface="Times New Roman" panose="02020603050405020304" pitchFamily="18" charset="0"/>
+              <a:cs typeface="Times New Roman" panose="02020603050405020304" pitchFamily="18" charset="0"/>
+            </a:endParaRPr>
+          </a:p>
+          <a:p>
+            <a:pPr marL="0" indent="0">
+              <a:buNone/>
+            </a:pPr>
+            <a:endParaRPr lang="vi-VN" dirty="0">
+              <a:latin typeface="Times New Roman" panose="02020603050405020304" pitchFamily="18" charset="0"/>
+              <a:cs typeface="Times New Roman" panose="02020603050405020304" pitchFamily="18" charset="0"/>
+            </a:endParaRPr>
+          </a:p>
+        </p:txBody>
+      </p:sp>
+      <p:sp>
+        <p:nvSpPr>
+          <p:cNvPr id="4" name="Title 3">
+            <a:extLst>
+              <a:ext uri="{FF2B5EF4-FFF2-40B4-BE49-F238E27FC236}">
+                <a16:creationId xmlns:a16="http://schemas.microsoft.com/office/drawing/2014/main" id="{52E18D06-2298-4C20-BF3D-F4536777C955}"/>
+              </a:ext>
+            </a:extLst>
+          </p:cNvPr>
+          <p:cNvSpPr>
+            <a:spLocks noGrp="1"/>
+          </p:cNvSpPr>
+          <p:nvPr>
+            <p:ph type="title"/>
+          </p:nvPr>
+        </p:nvSpPr>
+        <p:spPr/>
+        <p:txBody>
+          <a:bodyPr/>
+          <a:lstStyle/>
+          <a:p>
+            <a:r>
+              <a:rPr lang="en-US">
+                <a:latin typeface="Times New Roman" panose="02020603050405020304" pitchFamily="18" charset="0"/>
+                <a:cs typeface="Times New Roman" panose="02020603050405020304" pitchFamily="18" charset="0"/>
+              </a:rPr>
+              <a:t>2. Phân tích và thiết kế</a:t>
+            </a:r>
+          </a:p>
+        </p:txBody>
+      </p:sp>
+      <p:sp>
+        <p:nvSpPr>
+          <p:cNvPr id="7" name="Text Placeholder 2">
+            <a:extLst>
+              <a:ext uri="{FF2B5EF4-FFF2-40B4-BE49-F238E27FC236}">
+                <a16:creationId xmlns:a16="http://schemas.microsoft.com/office/drawing/2014/main" id="{D2EB9B74-DDA5-4D5A-8A44-2B4389B0A96D}"/>
+              </a:ext>
+            </a:extLst>
+          </p:cNvPr>
+          <p:cNvSpPr txBox="1">
+            <a:spLocks/>
+          </p:cNvSpPr>
+          <p:nvPr/>
+        </p:nvSpPr>
+        <p:spPr>
+          <a:xfrm>
+            <a:off x="11240542" y="5967968"/>
+            <a:ext cx="612722" cy="518470"/>
+          </a:xfrm>
+          <a:prstGeom prst="rect">
+            <a:avLst/>
+          </a:prstGeom>
+        </p:spPr>
+        <p:txBody>
+          <a:bodyPr/>
+          <a:lstStyle>
+            <a:lvl1pPr marL="228600" indent="-228600" algn="l" defTabSz="914400" rtl="0" eaLnBrk="1" latinLnBrk="0" hangingPunct="1">
+              <a:lnSpc>
+                <a:spcPct val="90000"/>
+              </a:lnSpc>
+              <a:spcBef>
+                <a:spcPts val="1000"/>
+              </a:spcBef>
+              <a:buFont typeface="Arial" panose="020B0604020202020204" pitchFamily="34" charset="0"/>
+              <a:buChar char="•"/>
+              <a:defRPr sz="2800" kern="1200">
+                <a:solidFill>
+                  <a:schemeClr val="tx1"/>
+                </a:solidFill>
+                <a:latin typeface="Lato" panose="020F0502020204030203" pitchFamily="34" charset="0"/>
+                <a:ea typeface="Lato" panose="020F0502020204030203" pitchFamily="34" charset="0"/>
+                <a:cs typeface="Lato" panose="020F0502020204030203" pitchFamily="34" charset="0"/>
+              </a:defRPr>
+            </a:lvl1pPr>
+            <a:lvl2pPr marL="685800" indent="-228600" algn="l" defTabSz="914400" rtl="0" eaLnBrk="1" latinLnBrk="0" hangingPunct="1">
+              <a:lnSpc>
+                <a:spcPct val="90000"/>
+              </a:lnSpc>
+              <a:spcBef>
+                <a:spcPts val="500"/>
+              </a:spcBef>
+              <a:buFont typeface="Arial" panose="020B0604020202020204" pitchFamily="34" charset="0"/>
+              <a:buChar char="•"/>
+              <a:defRPr sz="2400" kern="1200">
+                <a:solidFill>
+                  <a:schemeClr val="tx1"/>
+                </a:solidFill>
+                <a:latin typeface="Lato" panose="020F0502020204030203" pitchFamily="34" charset="0"/>
+                <a:ea typeface="Lato" panose="020F0502020204030203" pitchFamily="34" charset="0"/>
+                <a:cs typeface="Lato" panose="020F0502020204030203" pitchFamily="34" charset="0"/>
+              </a:defRPr>
+            </a:lvl2pPr>
+            <a:lvl3pPr marL="1143000" indent="-228600" algn="l" defTabSz="914400" rtl="0" eaLnBrk="1" latinLnBrk="0" hangingPunct="1">
+              <a:lnSpc>
+                <a:spcPct val="90000"/>
+              </a:lnSpc>
+              <a:spcBef>
+                <a:spcPts val="500"/>
+              </a:spcBef>
+              <a:buFont typeface="Arial" panose="020B0604020202020204" pitchFamily="34" charset="0"/>
+              <a:buChar char="•"/>
+              <a:defRPr sz="2000" kern="1200">
+                <a:solidFill>
+                  <a:schemeClr val="tx1"/>
+                </a:solidFill>
+                <a:latin typeface="Lato" panose="020F0502020204030203" pitchFamily="34" charset="0"/>
+                <a:ea typeface="Lato" panose="020F0502020204030203" pitchFamily="34" charset="0"/>
+                <a:cs typeface="Lato" panose="020F0502020204030203" pitchFamily="34" charset="0"/>
+              </a:defRPr>
+            </a:lvl3pPr>
+            <a:lvl4pPr marL="1600200" indent="-228600" algn="l" defTabSz="914400" rtl="0" eaLnBrk="1" latinLnBrk="0" hangingPunct="1">
+              <a:lnSpc>
+                <a:spcPct val="90000"/>
+              </a:lnSpc>
+              <a:spcBef>
+                <a:spcPts val="500"/>
+              </a:spcBef>
+              <a:buFont typeface="Arial" panose="020B0604020202020204" pitchFamily="34" charset="0"/>
+              <a:buChar char="•"/>
+              <a:defRPr sz="1800" kern="1200">
+                <a:solidFill>
+                  <a:schemeClr val="tx1"/>
+                </a:solidFill>
+                <a:latin typeface="Lato" panose="020F0502020204030203" pitchFamily="34" charset="0"/>
+                <a:ea typeface="Lato" panose="020F0502020204030203" pitchFamily="34" charset="0"/>
+                <a:cs typeface="Lato" panose="020F0502020204030203" pitchFamily="34" charset="0"/>
+              </a:defRPr>
+            </a:lvl4pPr>
+            <a:lvl5pPr marL="2057400" indent="-228600" algn="l" defTabSz="914400" rtl="0" eaLnBrk="1" latinLnBrk="0" hangingPunct="1">
+              <a:lnSpc>
+                <a:spcPct val="90000"/>
+              </a:lnSpc>
+              <a:spcBef>
+                <a:spcPts val="500"/>
+              </a:spcBef>
+              <a:buFont typeface="Arial" panose="020B0604020202020204" pitchFamily="34" charset="0"/>
+              <a:buChar char="•"/>
+              <a:defRPr sz="1800" kern="1200">
+                <a:solidFill>
+                  <a:schemeClr val="tx1"/>
+                </a:solidFill>
+                <a:latin typeface="Lato" panose="020F0502020204030203" pitchFamily="34" charset="0"/>
+                <a:ea typeface="Lato" panose="020F0502020204030203" pitchFamily="34" charset="0"/>
+                <a:cs typeface="Lato" panose="020F0502020204030203" pitchFamily="34" charset="0"/>
+              </a:defRPr>
+            </a:lvl5pPr>
+            <a:lvl6pPr marL="2514600" indent="-228600" algn="l" defTabSz="914400" rtl="0" eaLnBrk="1" latinLnBrk="0" hangingPunct="1">
+              <a:lnSpc>
+                <a:spcPct val="90000"/>
+              </a:lnSpc>
+              <a:spcBef>
+                <a:spcPts val="500"/>
+              </a:spcBef>
+              <a:buFont typeface="Arial" panose="020B0604020202020204" pitchFamily="34" charset="0"/>
+              <a:buChar char="•"/>
+              <a:defRPr sz="1800" kern="1200">
+                <a:solidFill>
+                  <a:schemeClr val="tx1"/>
+                </a:solidFill>
+                <a:latin typeface="+mn-lt"/>
+                <a:ea typeface="+mn-ea"/>
+                <a:cs typeface="+mn-cs"/>
+              </a:defRPr>
+            </a:lvl6pPr>
+            <a:lvl7pPr marL="2971800" indent="-228600" algn="l" defTabSz="914400" rtl="0" eaLnBrk="1" latinLnBrk="0" hangingPunct="1">
+              <a:lnSpc>
+                <a:spcPct val="90000"/>
+              </a:lnSpc>
+              <a:spcBef>
+                <a:spcPts val="500"/>
+              </a:spcBef>
+              <a:buFont typeface="Arial" panose="020B0604020202020204" pitchFamily="34" charset="0"/>
+              <a:buChar char="•"/>
+              <a:defRPr sz="1800" kern="1200">
+                <a:solidFill>
+                  <a:schemeClr val="tx1"/>
+                </a:solidFill>
+                <a:latin typeface="+mn-lt"/>
+                <a:ea typeface="+mn-ea"/>
+                <a:cs typeface="+mn-cs"/>
+              </a:defRPr>
+            </a:lvl7pPr>
+            <a:lvl8pPr marL="3429000" indent="-228600" algn="l" defTabSz="914400" rtl="0" eaLnBrk="1" latinLnBrk="0" hangingPunct="1">
+              <a:lnSpc>
+                <a:spcPct val="90000"/>
+              </a:lnSpc>
+              <a:spcBef>
+                <a:spcPts val="500"/>
+              </a:spcBef>
+              <a:buFont typeface="Arial" panose="020B0604020202020204" pitchFamily="34" charset="0"/>
+              <a:buChar char="•"/>
+              <a:defRPr sz="1800" kern="1200">
+                <a:solidFill>
+                  <a:schemeClr val="tx1"/>
+                </a:solidFill>
+                <a:latin typeface="+mn-lt"/>
+                <a:ea typeface="+mn-ea"/>
+                <a:cs typeface="+mn-cs"/>
+              </a:defRPr>
+            </a:lvl8pPr>
+            <a:lvl9pPr marL="3886200" indent="-228600" algn="l" defTabSz="914400" rtl="0" eaLnBrk="1" latinLnBrk="0" hangingPunct="1">
+              <a:lnSpc>
+                <a:spcPct val="90000"/>
+              </a:lnSpc>
+              <a:spcBef>
+                <a:spcPts val="500"/>
+              </a:spcBef>
+              <a:buFont typeface="Arial" panose="020B0604020202020204" pitchFamily="34" charset="0"/>
+              <a:buChar char="•"/>
+              <a:defRPr sz="1800" kern="1200">
+                <a:solidFill>
+                  <a:schemeClr val="tx1"/>
+                </a:solidFill>
+                <a:latin typeface="+mn-lt"/>
+                <a:ea typeface="+mn-ea"/>
+                <a:cs typeface="+mn-cs"/>
+              </a:defRPr>
+            </a:lvl9pPr>
+          </a:lstStyle>
+          <a:p>
+            <a:pPr marL="0" indent="0" algn="ctr">
+              <a:buFont typeface="Arial" panose="020B0604020202020204" pitchFamily="34" charset="0"/>
+              <a:buNone/>
+            </a:pPr>
+            <a:r>
+              <a:rPr lang="en-US" dirty="0">
+                <a:latin typeface="Times New Roman" panose="02020603050405020304" pitchFamily="18" charset="0"/>
+                <a:cs typeface="Times New Roman" panose="02020603050405020304" pitchFamily="18" charset="0"/>
+              </a:rPr>
+              <a:t>14</a:t>
+            </a:r>
+            <a:endParaRPr lang="vi-VN" dirty="0">
+              <a:latin typeface="Times New Roman" panose="02020603050405020304" pitchFamily="18" charset="0"/>
+              <a:cs typeface="Times New Roman" panose="02020603050405020304" pitchFamily="18" charset="0"/>
+            </a:endParaRPr>
+          </a:p>
+        </p:txBody>
+      </p:sp>
+      <p:pic>
+        <p:nvPicPr>
+          <p:cNvPr id="9" name="Picture 8">
+            <a:extLst>
+              <a:ext uri="{FF2B5EF4-FFF2-40B4-BE49-F238E27FC236}">
+                <a16:creationId xmlns:a16="http://schemas.microsoft.com/office/drawing/2014/main" id="{7D5B540C-0D12-4CAE-B4B5-EF4A7CBE484E}"/>
+              </a:ext>
+            </a:extLst>
+          </p:cNvPr>
+          <p:cNvPicPr>
+            <a:picLocks noChangeAspect="1"/>
+          </p:cNvPicPr>
+          <p:nvPr/>
+        </p:nvPicPr>
+        <p:blipFill rotWithShape="1">
+          <a:blip r:embed="rId3"/>
+          <a:srcRect r="38607"/>
+          <a:stretch/>
+        </p:blipFill>
+        <p:spPr>
+          <a:xfrm>
+            <a:off x="3016999" y="1510748"/>
+            <a:ext cx="6158001" cy="4457220"/>
+          </a:xfrm>
+          <a:prstGeom prst="rect">
+            <a:avLst/>
+          </a:prstGeom>
+        </p:spPr>
+      </p:pic>
+    </p:spTree>
+    <p:extLst>
+      <p:ext uri="{BB962C8B-B14F-4D97-AF65-F5344CB8AC3E}">
+        <p14:creationId xmlns:p14="http://schemas.microsoft.com/office/powerpoint/2010/main" val="4153758966"/>
+      </p:ext>
+    </p:extLst>
+  </p:cSld>
+  <p:clrMapOvr>
+    <a:masterClrMapping/>
+  </p:clrMapOvr>
+</p:sld>
+</file>
+
+<file path=ppt/slides/slide19.xml><?xml version="1.0" encoding="utf-8"?>
+<p:sld xmlns:a="http://schemas.openxmlformats.org/drawingml/2006/main" xmlns:r="http://schemas.openxmlformats.org/officeDocument/2006/relationships" xmlns:p="http://schemas.openxmlformats.org/presentationml/2006/main">
+  <p:cSld>
+    <p:spTree>
+      <p:nvGrpSpPr>
+        <p:cNvPr id="1" name=""/>
+        <p:cNvGrpSpPr/>
+        <p:nvPr/>
+      </p:nvGrpSpPr>
+      <p:grpSpPr>
+        <a:xfrm>
+          <a:off x="0" y="0"/>
+          <a:ext cx="0" cy="0"/>
+          <a:chOff x="0" y="0"/>
+          <a:chExt cx="0" cy="0"/>
+        </a:xfrm>
+      </p:grpSpPr>
+      <p:sp>
+        <p:nvSpPr>
+          <p:cNvPr id="5" name="Content Placeholder 4">
+            <a:extLst>
+              <a:ext uri="{FF2B5EF4-FFF2-40B4-BE49-F238E27FC236}">
+                <a16:creationId xmlns:a16="http://schemas.microsoft.com/office/drawing/2014/main" id="{82AD3B8F-023F-4D30-80AA-BE5F44F41593}"/>
+              </a:ext>
+            </a:extLst>
+          </p:cNvPr>
+          <p:cNvSpPr>
+            <a:spLocks noGrp="1"/>
+          </p:cNvSpPr>
+          <p:nvPr>
+            <p:ph sz="quarter" idx="10"/>
+          </p:nvPr>
+        </p:nvSpPr>
+        <p:spPr/>
+        <p:txBody>
+          <a:bodyPr/>
+          <a:lstStyle/>
+          <a:p>
+            <a:pPr marL="0" indent="0">
+              <a:buNone/>
+            </a:pPr>
+            <a:r>
+              <a:rPr lang="en-US" dirty="0">
                 <a:latin typeface="+mn-lt"/>
                 <a:cs typeface="Times New Roman" panose="02020603050405020304" pitchFamily="18" charset="0"/>
               </a:rPr>
@@ -10521,24 +11180,52 @@
               <a:t> </a:t>
             </a:r>
             <a:r>
-              <a:rPr lang="en-US" sz="2800" err="1">
+              <a:rPr lang="en-US" sz="2800" dirty="0" err="1">
                 <a:latin typeface="+mn-lt"/>
                 <a:cs typeface="Times New Roman" panose="02020603050405020304" pitchFamily="18" charset="0"/>
               </a:rPr>
               <a:t>Nhận</a:t>
             </a:r>
             <a:r>
-              <a:rPr lang="en-US" sz="2800">
-                <a:latin typeface="+mn-lt"/>
-                <a:cs typeface="Times New Roman" panose="02020603050405020304" pitchFamily="18" charset="0"/>
-              </a:rPr>
-              <a:t> bản tin và </a:t>
+              <a:rPr lang="en-US" sz="2800" dirty="0">
+                <a:latin typeface="+mn-lt"/>
+                <a:cs typeface="Times New Roman" panose="02020603050405020304" pitchFamily="18" charset="0"/>
+              </a:rPr>
+              <a:t> </a:t>
             </a:r>
             <a:r>
               <a:rPr lang="en-US" sz="2800" dirty="0" err="1">
                 <a:latin typeface="+mn-lt"/>
                 <a:cs typeface="Times New Roman" panose="02020603050405020304" pitchFamily="18" charset="0"/>
               </a:rPr>
+              <a:t>bản</a:t>
+            </a:r>
+            <a:r>
+              <a:rPr lang="en-US" sz="2800" dirty="0">
+                <a:latin typeface="+mn-lt"/>
+                <a:cs typeface="Times New Roman" panose="02020603050405020304" pitchFamily="18" charset="0"/>
+              </a:rPr>
+              <a:t> tin </a:t>
+            </a:r>
+            <a:r>
+              <a:rPr lang="en-US" sz="2800" dirty="0" err="1">
+                <a:latin typeface="+mn-lt"/>
+                <a:cs typeface="Times New Roman" panose="02020603050405020304" pitchFamily="18" charset="0"/>
+              </a:rPr>
+              <a:t>và</a:t>
+            </a:r>
+            <a:r>
+              <a:rPr lang="en-US" sz="2800" dirty="0">
+                <a:latin typeface="+mn-lt"/>
+                <a:cs typeface="Times New Roman" panose="02020603050405020304" pitchFamily="18" charset="0"/>
+              </a:rPr>
+              <a:t> </a:t>
+            </a:r>
+            <a:r>
+              <a:rPr lang="en-US" sz="2800" dirty="0" err="1">
+                <a:latin typeface="+mn-lt"/>
+                <a:cs typeface="Times New Roman" panose="02020603050405020304" pitchFamily="18" charset="0"/>
+              </a:rPr>
               <a:t>hiển</a:t>
             </a:r>
             <a:r>
@@ -10605,18 +11292,39 @@
               <a:t> </a:t>
             </a:r>
             <a:r>
-              <a:rPr lang="en-US" sz="2800" err="1">
+              <a:rPr lang="en-US" sz="2800" dirty="0" err="1">
                 <a:latin typeface="+mn-lt"/>
                 <a:cs typeface="Times New Roman" panose="02020603050405020304" pitchFamily="18" charset="0"/>
               </a:rPr>
               <a:t>cắt</a:t>
             </a:r>
             <a:r>
-              <a:rPr lang="en-US" sz="2800">
-                <a:latin typeface="+mn-lt"/>
-                <a:cs typeface="Times New Roman" panose="02020603050405020304" pitchFamily="18" charset="0"/>
-              </a:rPr>
-              <a:t> của 4 kênh</a:t>
+              <a:rPr lang="en-US" sz="2800" dirty="0">
+                <a:latin typeface="+mn-lt"/>
+                <a:cs typeface="Times New Roman" panose="02020603050405020304" pitchFamily="18" charset="0"/>
+              </a:rPr>
+              <a:t> </a:t>
+            </a:r>
+            <a:r>
+              <a:rPr lang="en-US" sz="2800" dirty="0" err="1">
+                <a:latin typeface="+mn-lt"/>
+                <a:cs typeface="Times New Roman" panose="02020603050405020304" pitchFamily="18" charset="0"/>
+              </a:rPr>
+              <a:t>của</a:t>
+            </a:r>
+            <a:r>
+              <a:rPr lang="en-US" sz="2800" dirty="0">
+                <a:latin typeface="+mn-lt"/>
+                <a:cs typeface="Times New Roman" panose="02020603050405020304" pitchFamily="18" charset="0"/>
+              </a:rPr>
+              <a:t> 4 </a:t>
+            </a:r>
+            <a:r>
+              <a:rPr lang="en-US" sz="2800" dirty="0" err="1">
+                <a:latin typeface="+mn-lt"/>
+                <a:cs typeface="Times New Roman" panose="02020603050405020304" pitchFamily="18" charset="0"/>
+              </a:rPr>
+              <a:t>kênh</a:t>
             </a:r>
             <a:endParaRPr lang="en-US" sz="2800" dirty="0">
               <a:latin typeface="+mn-lt"/>
@@ -11236,859 +11944,6 @@
     <p:extLst>
       <p:ext uri="{BB962C8B-B14F-4D97-AF65-F5344CB8AC3E}">
         <p14:creationId xmlns:p14="http://schemas.microsoft.com/office/powerpoint/2010/main" val="1680069254"/>
-      </p:ext>
-    </p:extLst>
-  </p:cSld>
-  <p:clrMapOvr>
-    <a:masterClrMapping/>
-  </p:clrMapOvr>
-</p:sld>
-</file>
-
-<file path=ppt/slides/slide19.xml><?xml version="1.0" encoding="utf-8"?>
-<p:sld xmlns:a="http://schemas.openxmlformats.org/drawingml/2006/main" xmlns:r="http://schemas.openxmlformats.org/officeDocument/2006/relationships" xmlns:p="http://schemas.openxmlformats.org/presentationml/2006/main">
-  <p:cSld>
-    <p:spTree>
-      <p:nvGrpSpPr>
-        <p:cNvPr id="1" name=""/>
-        <p:cNvGrpSpPr/>
-        <p:nvPr/>
-      </p:nvGrpSpPr>
-      <p:grpSpPr>
-        <a:xfrm>
-          <a:off x="0" y="0"/>
-          <a:ext cx="0" cy="0"/>
-          <a:chOff x="0" y="0"/>
-          <a:chExt cx="0" cy="0"/>
-        </a:xfrm>
-      </p:grpSpPr>
-      <p:sp>
-        <p:nvSpPr>
-          <p:cNvPr id="5" name="Content Placeholder 4">
-            <a:extLst>
-              <a:ext uri="{FF2B5EF4-FFF2-40B4-BE49-F238E27FC236}">
-                <a16:creationId xmlns:a16="http://schemas.microsoft.com/office/drawing/2014/main" id="{82AD3B8F-023F-4D30-80AA-BE5F44F41593}"/>
-              </a:ext>
-            </a:extLst>
-          </p:cNvPr>
-          <p:cNvSpPr>
-            <a:spLocks noGrp="1"/>
-          </p:cNvSpPr>
-          <p:nvPr>
-            <p:ph sz="quarter" idx="10"/>
-          </p:nvPr>
-        </p:nvSpPr>
-        <p:spPr>
-          <a:xfrm>
-            <a:off x="338736" y="1058844"/>
-            <a:ext cx="7009515" cy="4909124"/>
-          </a:xfrm>
-        </p:spPr>
-        <p:txBody>
-          <a:bodyPr/>
-          <a:lstStyle/>
-          <a:p>
-            <a:pPr marL="0" indent="0">
-              <a:buNone/>
-            </a:pPr>
-            <a:r>
-              <a:rPr lang="en-US" dirty="0">
-                <a:latin typeface="+mn-lt"/>
-                <a:cs typeface="Times New Roman" panose="02020603050405020304" pitchFamily="18" charset="0"/>
-              </a:rPr>
-              <a:t>2.4. </a:t>
-            </a:r>
-            <a:r>
-              <a:rPr lang="en-US" dirty="0" err="1">
-                <a:latin typeface="+mn-lt"/>
-                <a:cs typeface="Times New Roman" panose="02020603050405020304" pitchFamily="18" charset="0"/>
-              </a:rPr>
-              <a:t>Thiết</a:t>
-            </a:r>
-            <a:r>
-              <a:rPr lang="en-US" dirty="0">
-                <a:latin typeface="+mn-lt"/>
-                <a:cs typeface="Times New Roman" panose="02020603050405020304" pitchFamily="18" charset="0"/>
-              </a:rPr>
-              <a:t> </a:t>
-            </a:r>
-            <a:r>
-              <a:rPr lang="en-US" dirty="0" err="1">
-                <a:latin typeface="+mn-lt"/>
-                <a:cs typeface="Times New Roman" panose="02020603050405020304" pitchFamily="18" charset="0"/>
-              </a:rPr>
-              <a:t>kế</a:t>
-            </a:r>
-            <a:r>
-              <a:rPr lang="en-US" dirty="0">
-                <a:latin typeface="+mn-lt"/>
-                <a:cs typeface="Times New Roman" panose="02020603050405020304" pitchFamily="18" charset="0"/>
-              </a:rPr>
-              <a:t> </a:t>
-            </a:r>
-            <a:r>
-              <a:rPr lang="en-US" dirty="0" err="1">
-                <a:latin typeface="+mn-lt"/>
-                <a:cs typeface="Times New Roman" panose="02020603050405020304" pitchFamily="18" charset="0"/>
-              </a:rPr>
-              <a:t>chương</a:t>
-            </a:r>
-            <a:r>
-              <a:rPr lang="en-US" dirty="0">
-                <a:latin typeface="+mn-lt"/>
-                <a:cs typeface="Times New Roman" panose="02020603050405020304" pitchFamily="18" charset="0"/>
-              </a:rPr>
-              <a:t> </a:t>
-            </a:r>
-            <a:r>
-              <a:rPr lang="en-US" dirty="0" err="1">
-                <a:latin typeface="+mn-lt"/>
-                <a:cs typeface="Times New Roman" panose="02020603050405020304" pitchFamily="18" charset="0"/>
-              </a:rPr>
-              <a:t>trình</a:t>
-            </a:r>
-            <a:r>
-              <a:rPr lang="en-US" dirty="0">
-                <a:latin typeface="+mn-lt"/>
-                <a:cs typeface="Times New Roman" panose="02020603050405020304" pitchFamily="18" charset="0"/>
-              </a:rPr>
-              <a:t> </a:t>
-            </a:r>
-            <a:r>
-              <a:rPr lang="en-US" dirty="0" err="1">
-                <a:latin typeface="+mn-lt"/>
-                <a:cs typeface="Times New Roman" panose="02020603050405020304" pitchFamily="18" charset="0"/>
-              </a:rPr>
-              <a:t>ứng</a:t>
-            </a:r>
-            <a:r>
-              <a:rPr lang="en-US" dirty="0">
-                <a:latin typeface="+mn-lt"/>
-                <a:cs typeface="Times New Roman" panose="02020603050405020304" pitchFamily="18" charset="0"/>
-              </a:rPr>
-              <a:t> </a:t>
-            </a:r>
-            <a:r>
-              <a:rPr lang="en-US" dirty="0" err="1">
-                <a:latin typeface="+mn-lt"/>
-                <a:cs typeface="Times New Roman" panose="02020603050405020304" pitchFamily="18" charset="0"/>
-              </a:rPr>
-              <a:t>dụng</a:t>
-            </a:r>
-            <a:r>
-              <a:rPr lang="en-US" dirty="0">
-                <a:latin typeface="+mn-lt"/>
-                <a:cs typeface="Times New Roman" panose="02020603050405020304" pitchFamily="18" charset="0"/>
-              </a:rPr>
-              <a:t> </a:t>
-            </a:r>
-            <a:r>
-              <a:rPr lang="en-US" dirty="0" err="1">
-                <a:latin typeface="+mn-lt"/>
-                <a:cs typeface="Times New Roman" panose="02020603050405020304" pitchFamily="18" charset="0"/>
-              </a:rPr>
-              <a:t>điều</a:t>
-            </a:r>
-            <a:r>
-              <a:rPr lang="en-US" dirty="0">
-                <a:latin typeface="+mn-lt"/>
-                <a:cs typeface="Times New Roman" panose="02020603050405020304" pitchFamily="18" charset="0"/>
-              </a:rPr>
-              <a:t> </a:t>
-            </a:r>
-            <a:r>
-              <a:rPr lang="en-US" dirty="0" err="1">
-                <a:latin typeface="+mn-lt"/>
-                <a:cs typeface="Times New Roman" panose="02020603050405020304" pitchFamily="18" charset="0"/>
-              </a:rPr>
-              <a:t>khiển</a:t>
-            </a:r>
-            <a:endParaRPr lang="en-US" dirty="0">
-              <a:latin typeface="+mn-lt"/>
-              <a:cs typeface="Times New Roman" panose="02020603050405020304" pitchFamily="18" charset="0"/>
-            </a:endParaRPr>
-          </a:p>
-          <a:p>
-            <a:pPr>
-              <a:buFontTx/>
-              <a:buChar char="-"/>
-            </a:pPr>
-            <a:r>
-              <a:rPr lang="en-US" dirty="0" err="1">
-                <a:latin typeface="+mn-lt"/>
-                <a:cs typeface="Times New Roman" panose="02020603050405020304" pitchFamily="18" charset="0"/>
-              </a:rPr>
-              <a:t>Lưu</a:t>
-            </a:r>
-            <a:r>
-              <a:rPr lang="en-US" dirty="0">
-                <a:latin typeface="+mn-lt"/>
-                <a:cs typeface="Times New Roman" panose="02020603050405020304" pitchFamily="18" charset="0"/>
-              </a:rPr>
-              <a:t> </a:t>
-            </a:r>
-            <a:r>
-              <a:rPr lang="en-US" dirty="0" err="1">
-                <a:latin typeface="+mn-lt"/>
-                <a:cs typeface="Times New Roman" panose="02020603050405020304" pitchFamily="18" charset="0"/>
-              </a:rPr>
-              <a:t>đồ</a:t>
-            </a:r>
-            <a:r>
-              <a:rPr lang="en-US" dirty="0">
-                <a:latin typeface="+mn-lt"/>
-                <a:cs typeface="Times New Roman" panose="02020603050405020304" pitchFamily="18" charset="0"/>
-              </a:rPr>
-              <a:t> </a:t>
-            </a:r>
-            <a:r>
-              <a:rPr lang="en-US" dirty="0" err="1">
-                <a:latin typeface="+mn-lt"/>
-                <a:cs typeface="Times New Roman" panose="02020603050405020304" pitchFamily="18" charset="0"/>
-              </a:rPr>
-              <a:t>thuật</a:t>
-            </a:r>
-            <a:r>
-              <a:rPr lang="en-US" dirty="0">
-                <a:latin typeface="+mn-lt"/>
-                <a:cs typeface="Times New Roman" panose="02020603050405020304" pitchFamily="18" charset="0"/>
-              </a:rPr>
-              <a:t> </a:t>
-            </a:r>
-            <a:r>
-              <a:rPr lang="en-US" dirty="0" err="1">
-                <a:latin typeface="+mn-lt"/>
-                <a:cs typeface="Times New Roman" panose="02020603050405020304" pitchFamily="18" charset="0"/>
-              </a:rPr>
-              <a:t>toán</a:t>
-            </a:r>
-            <a:r>
-              <a:rPr lang="en-US" dirty="0">
-                <a:latin typeface="+mn-lt"/>
-                <a:cs typeface="Times New Roman" panose="02020603050405020304" pitchFamily="18" charset="0"/>
-              </a:rPr>
-              <a:t>:</a:t>
-            </a:r>
-          </a:p>
-          <a:p>
-            <a:pPr>
-              <a:buFontTx/>
-              <a:buChar char="-"/>
-            </a:pPr>
-            <a:r>
-              <a:rPr lang="en-US" dirty="0" err="1">
-                <a:latin typeface="+mn-lt"/>
-                <a:cs typeface="Times New Roman" panose="02020603050405020304" pitchFamily="18" charset="0"/>
-              </a:rPr>
-              <a:t>Các</a:t>
-            </a:r>
-            <a:r>
-              <a:rPr lang="en-US" dirty="0">
-                <a:latin typeface="+mn-lt"/>
-                <a:cs typeface="Times New Roman" panose="02020603050405020304" pitchFamily="18" charset="0"/>
-              </a:rPr>
-              <a:t> </a:t>
-            </a:r>
-            <a:r>
-              <a:rPr lang="en-US" dirty="0" err="1">
-                <a:latin typeface="+mn-lt"/>
-                <a:cs typeface="Times New Roman" panose="02020603050405020304" pitchFamily="18" charset="0"/>
-              </a:rPr>
-              <a:t>lớp</a:t>
-            </a:r>
-            <a:r>
-              <a:rPr lang="en-US" dirty="0">
-                <a:latin typeface="+mn-lt"/>
-                <a:cs typeface="Times New Roman" panose="02020603050405020304" pitchFamily="18" charset="0"/>
-              </a:rPr>
-              <a:t> </a:t>
-            </a:r>
-            <a:r>
-              <a:rPr lang="en-US" dirty="0" err="1">
-                <a:latin typeface="+mn-lt"/>
-                <a:cs typeface="Times New Roman" panose="02020603050405020304" pitchFamily="18" charset="0"/>
-              </a:rPr>
-              <a:t>của</a:t>
-            </a:r>
-            <a:r>
-              <a:rPr lang="en-US" dirty="0">
-                <a:latin typeface="+mn-lt"/>
-                <a:cs typeface="Times New Roman" panose="02020603050405020304" pitchFamily="18" charset="0"/>
-              </a:rPr>
-              <a:t> </a:t>
-            </a:r>
-            <a:r>
-              <a:rPr lang="en-US" dirty="0" err="1">
-                <a:latin typeface="+mn-lt"/>
-                <a:cs typeface="Times New Roman" panose="02020603050405020304" pitchFamily="18" charset="0"/>
-              </a:rPr>
-              <a:t>ứng</a:t>
-            </a:r>
-            <a:r>
-              <a:rPr lang="en-US" dirty="0">
-                <a:latin typeface="+mn-lt"/>
-                <a:cs typeface="Times New Roman" panose="02020603050405020304" pitchFamily="18" charset="0"/>
-              </a:rPr>
-              <a:t> </a:t>
-            </a:r>
-            <a:r>
-              <a:rPr lang="en-US" dirty="0" err="1">
-                <a:latin typeface="+mn-lt"/>
-                <a:cs typeface="Times New Roman" panose="02020603050405020304" pitchFamily="18" charset="0"/>
-              </a:rPr>
-              <a:t>dụng</a:t>
-            </a:r>
-            <a:r>
-              <a:rPr lang="en-US" dirty="0">
-                <a:latin typeface="+mn-lt"/>
-                <a:cs typeface="Times New Roman" panose="02020603050405020304" pitchFamily="18" charset="0"/>
-              </a:rPr>
-              <a:t> </a:t>
-            </a:r>
-            <a:r>
-              <a:rPr lang="en-US" dirty="0" err="1">
-                <a:latin typeface="+mn-lt"/>
-                <a:cs typeface="Times New Roman" panose="02020603050405020304" pitchFamily="18" charset="0"/>
-              </a:rPr>
-              <a:t>điều</a:t>
-            </a:r>
-            <a:r>
-              <a:rPr lang="en-US" dirty="0">
-                <a:latin typeface="+mn-lt"/>
-                <a:cs typeface="Times New Roman" panose="02020603050405020304" pitchFamily="18" charset="0"/>
-              </a:rPr>
-              <a:t> </a:t>
-            </a:r>
-            <a:r>
-              <a:rPr lang="en-US" dirty="0" err="1">
-                <a:latin typeface="+mn-lt"/>
-                <a:cs typeface="Times New Roman" panose="02020603050405020304" pitchFamily="18" charset="0"/>
-              </a:rPr>
-              <a:t>khiển</a:t>
-            </a:r>
-            <a:r>
-              <a:rPr lang="en-US" dirty="0">
-                <a:latin typeface="+mn-lt"/>
-                <a:cs typeface="Times New Roman" panose="02020603050405020304" pitchFamily="18" charset="0"/>
-              </a:rPr>
-              <a:t>:</a:t>
-            </a:r>
-          </a:p>
-          <a:p>
-            <a:r>
-              <a:rPr lang="en-US" dirty="0" err="1">
-                <a:latin typeface="+mn-lt"/>
-                <a:cs typeface="Times New Roman" panose="02020603050405020304" pitchFamily="18" charset="0"/>
-              </a:rPr>
-              <a:t>Lớp</a:t>
-            </a:r>
-            <a:r>
-              <a:rPr lang="en-US" dirty="0">
-                <a:latin typeface="+mn-lt"/>
-                <a:cs typeface="Times New Roman" panose="02020603050405020304" pitchFamily="18" charset="0"/>
-              </a:rPr>
-              <a:t> logic </a:t>
-            </a:r>
-            <a:r>
-              <a:rPr lang="en-US" dirty="0" err="1">
-                <a:latin typeface="+mn-lt"/>
-                <a:cs typeface="Times New Roman" panose="02020603050405020304" pitchFamily="18" charset="0"/>
-              </a:rPr>
-              <a:t>chính</a:t>
-            </a:r>
-            <a:r>
-              <a:rPr lang="en-US" dirty="0">
-                <a:latin typeface="+mn-lt"/>
-                <a:cs typeface="Times New Roman" panose="02020603050405020304" pitchFamily="18" charset="0"/>
-              </a:rPr>
-              <a:t> </a:t>
-            </a:r>
-            <a:r>
-              <a:rPr lang="en-US" dirty="0" err="1">
-                <a:latin typeface="+mn-lt"/>
-                <a:cs typeface="Times New Roman" panose="02020603050405020304" pitchFamily="18" charset="0"/>
-              </a:rPr>
-              <a:t>của</a:t>
-            </a:r>
-            <a:r>
-              <a:rPr lang="en-US" dirty="0">
-                <a:latin typeface="+mn-lt"/>
-                <a:cs typeface="Times New Roman" panose="02020603050405020304" pitchFamily="18" charset="0"/>
-              </a:rPr>
-              <a:t> </a:t>
-            </a:r>
-            <a:r>
-              <a:rPr lang="en-US" dirty="0" err="1">
-                <a:latin typeface="+mn-lt"/>
-                <a:cs typeface="Times New Roman" panose="02020603050405020304" pitchFamily="18" charset="0"/>
-              </a:rPr>
-              <a:t>ứng</a:t>
-            </a:r>
-            <a:r>
-              <a:rPr lang="en-US" dirty="0">
-                <a:latin typeface="+mn-lt"/>
-                <a:cs typeface="Times New Roman" panose="02020603050405020304" pitchFamily="18" charset="0"/>
-              </a:rPr>
-              <a:t> </a:t>
-            </a:r>
-            <a:r>
-              <a:rPr lang="en-US" dirty="0" err="1">
-                <a:latin typeface="+mn-lt"/>
-                <a:cs typeface="Times New Roman" panose="02020603050405020304" pitchFamily="18" charset="0"/>
-              </a:rPr>
-              <a:t>dụng</a:t>
-            </a:r>
-            <a:endParaRPr lang="en-US" dirty="0">
-              <a:latin typeface="+mn-lt"/>
-              <a:cs typeface="Times New Roman" panose="02020603050405020304" pitchFamily="18" charset="0"/>
-            </a:endParaRPr>
-          </a:p>
-          <a:p>
-            <a:r>
-              <a:rPr lang="en-US" dirty="0" err="1">
-                <a:latin typeface="+mn-lt"/>
-                <a:cs typeface="Times New Roman" panose="02020603050405020304" pitchFamily="18" charset="0"/>
-              </a:rPr>
-              <a:t>Lớp</a:t>
-            </a:r>
-            <a:r>
-              <a:rPr lang="en-US" dirty="0">
-                <a:latin typeface="+mn-lt"/>
-                <a:cs typeface="Times New Roman" panose="02020603050405020304" pitchFamily="18" charset="0"/>
-              </a:rPr>
-              <a:t> </a:t>
-            </a:r>
-            <a:r>
-              <a:rPr lang="en-US" dirty="0" err="1">
-                <a:latin typeface="+mn-lt"/>
-                <a:cs typeface="Times New Roman" panose="02020603050405020304" pitchFamily="18" charset="0"/>
-              </a:rPr>
-              <a:t>giao</a:t>
-            </a:r>
-            <a:r>
-              <a:rPr lang="en-US" dirty="0">
-                <a:latin typeface="+mn-lt"/>
-                <a:cs typeface="Times New Roman" panose="02020603050405020304" pitchFamily="18" charset="0"/>
-              </a:rPr>
-              <a:t> </a:t>
-            </a:r>
-            <a:r>
-              <a:rPr lang="en-US" dirty="0" err="1">
-                <a:latin typeface="+mn-lt"/>
-                <a:cs typeface="Times New Roman" panose="02020603050405020304" pitchFamily="18" charset="0"/>
-              </a:rPr>
-              <a:t>diện</a:t>
-            </a:r>
-            <a:r>
-              <a:rPr lang="en-US" dirty="0">
-                <a:latin typeface="+mn-lt"/>
-                <a:cs typeface="Times New Roman" panose="02020603050405020304" pitchFamily="18" charset="0"/>
-              </a:rPr>
-              <a:t> </a:t>
-            </a:r>
-            <a:r>
-              <a:rPr lang="en-US" dirty="0" err="1">
-                <a:latin typeface="+mn-lt"/>
-                <a:cs typeface="Times New Roman" panose="02020603050405020304" pitchFamily="18" charset="0"/>
-              </a:rPr>
-              <a:t>dạng</a:t>
-            </a:r>
-            <a:r>
-              <a:rPr lang="en-US" dirty="0">
-                <a:latin typeface="+mn-lt"/>
-                <a:cs typeface="Times New Roman" panose="02020603050405020304" pitchFamily="18" charset="0"/>
-              </a:rPr>
-              <a:t> </a:t>
-            </a:r>
-            <a:r>
-              <a:rPr lang="en-US" dirty="0" err="1">
-                <a:latin typeface="+mn-lt"/>
-                <a:cs typeface="Times New Roman" panose="02020603050405020304" pitchFamily="18" charset="0"/>
-              </a:rPr>
-              <a:t>lưới</a:t>
-            </a:r>
-            <a:endParaRPr lang="en-US" dirty="0">
-              <a:latin typeface="+mn-lt"/>
-              <a:cs typeface="Times New Roman" panose="02020603050405020304" pitchFamily="18" charset="0"/>
-            </a:endParaRPr>
-          </a:p>
-          <a:p>
-            <a:r>
-              <a:rPr lang="en-US" dirty="0" err="1">
-                <a:latin typeface="+mn-lt"/>
-                <a:cs typeface="Times New Roman" panose="02020603050405020304" pitchFamily="18" charset="0"/>
-              </a:rPr>
-              <a:t>Lớp</a:t>
-            </a:r>
-            <a:r>
-              <a:rPr lang="en-US" dirty="0">
-                <a:latin typeface="+mn-lt"/>
-                <a:cs typeface="Times New Roman" panose="02020603050405020304" pitchFamily="18" charset="0"/>
-              </a:rPr>
-              <a:t> </a:t>
-            </a:r>
-            <a:r>
-              <a:rPr lang="en-US" dirty="0" err="1">
-                <a:latin typeface="+mn-lt"/>
-                <a:cs typeface="Times New Roman" panose="02020603050405020304" pitchFamily="18" charset="0"/>
-              </a:rPr>
-              <a:t>giao</a:t>
-            </a:r>
-            <a:r>
-              <a:rPr lang="en-US" dirty="0">
-                <a:latin typeface="+mn-lt"/>
-                <a:cs typeface="Times New Roman" panose="02020603050405020304" pitchFamily="18" charset="0"/>
-              </a:rPr>
-              <a:t> </a:t>
-            </a:r>
-            <a:r>
-              <a:rPr lang="en-US" dirty="0" err="1">
-                <a:latin typeface="+mn-lt"/>
-                <a:cs typeface="Times New Roman" panose="02020603050405020304" pitchFamily="18" charset="0"/>
-              </a:rPr>
-              <a:t>diện</a:t>
-            </a:r>
-            <a:r>
-              <a:rPr lang="en-US" dirty="0">
-                <a:latin typeface="+mn-lt"/>
-                <a:cs typeface="Times New Roman" panose="02020603050405020304" pitchFamily="18" charset="0"/>
-              </a:rPr>
-              <a:t> </a:t>
-            </a:r>
-            <a:r>
-              <a:rPr lang="en-US" dirty="0" err="1">
-                <a:latin typeface="+mn-lt"/>
-                <a:cs typeface="Times New Roman" panose="02020603050405020304" pitchFamily="18" charset="0"/>
-              </a:rPr>
-              <a:t>cửa</a:t>
-            </a:r>
-            <a:r>
-              <a:rPr lang="en-US" dirty="0">
-                <a:latin typeface="+mn-lt"/>
-                <a:cs typeface="Times New Roman" panose="02020603050405020304" pitchFamily="18" charset="0"/>
-              </a:rPr>
-              <a:t> </a:t>
-            </a:r>
-            <a:r>
-              <a:rPr lang="en-US" dirty="0" err="1">
-                <a:latin typeface="+mn-lt"/>
-                <a:cs typeface="Times New Roman" panose="02020603050405020304" pitchFamily="18" charset="0"/>
-              </a:rPr>
-              <a:t>sổ</a:t>
-            </a:r>
-            <a:r>
-              <a:rPr lang="en-US" dirty="0">
-                <a:latin typeface="+mn-lt"/>
-                <a:cs typeface="Times New Roman" panose="02020603050405020304" pitchFamily="18" charset="0"/>
-              </a:rPr>
-              <a:t> </a:t>
-            </a:r>
-            <a:r>
-              <a:rPr lang="en-US" dirty="0" err="1">
-                <a:latin typeface="+mn-lt"/>
-                <a:cs typeface="Times New Roman" panose="02020603050405020304" pitchFamily="18" charset="0"/>
-              </a:rPr>
-              <a:t>thông</a:t>
-            </a:r>
-            <a:r>
-              <a:rPr lang="en-US" dirty="0">
-                <a:latin typeface="+mn-lt"/>
-                <a:cs typeface="Times New Roman" panose="02020603050405020304" pitchFamily="18" charset="0"/>
-              </a:rPr>
-              <a:t> </a:t>
-            </a:r>
-            <a:r>
-              <a:rPr lang="en-US" dirty="0" err="1">
-                <a:latin typeface="+mn-lt"/>
-                <a:cs typeface="Times New Roman" panose="02020603050405020304" pitchFamily="18" charset="0"/>
-              </a:rPr>
-              <a:t>báo</a:t>
-            </a:r>
-            <a:endParaRPr lang="en-US" dirty="0">
-              <a:latin typeface="+mn-lt"/>
-              <a:cs typeface="Times New Roman" panose="02020603050405020304" pitchFamily="18" charset="0"/>
-            </a:endParaRPr>
-          </a:p>
-        </p:txBody>
-      </p:sp>
-      <p:sp>
-        <p:nvSpPr>
-          <p:cNvPr id="4" name="Title 3">
-            <a:extLst>
-              <a:ext uri="{FF2B5EF4-FFF2-40B4-BE49-F238E27FC236}">
-                <a16:creationId xmlns:a16="http://schemas.microsoft.com/office/drawing/2014/main" id="{52E18D06-2298-4C20-BF3D-F4536777C955}"/>
-              </a:ext>
-            </a:extLst>
-          </p:cNvPr>
-          <p:cNvSpPr>
-            <a:spLocks noGrp="1"/>
-          </p:cNvSpPr>
-          <p:nvPr>
-            <p:ph type="title"/>
-          </p:nvPr>
-        </p:nvSpPr>
-        <p:spPr>
-          <a:xfrm>
-            <a:off x="338736" y="88019"/>
-            <a:ext cx="11514528" cy="436098"/>
-          </a:xfrm>
-        </p:spPr>
-        <p:txBody>
-          <a:bodyPr/>
-          <a:lstStyle/>
-          <a:p>
-            <a:r>
-              <a:rPr lang="en-US">
-                <a:latin typeface="+mn-lt"/>
-                <a:cs typeface="Times New Roman" panose="02020603050405020304" pitchFamily="18" charset="0"/>
-              </a:rPr>
-              <a:t>2. Phân tích và thiết kế</a:t>
-            </a:r>
-          </a:p>
-        </p:txBody>
-      </p:sp>
-      <p:sp>
-        <p:nvSpPr>
-          <p:cNvPr id="7" name="Text Placeholder 2">
-            <a:extLst>
-              <a:ext uri="{FF2B5EF4-FFF2-40B4-BE49-F238E27FC236}">
-                <a16:creationId xmlns:a16="http://schemas.microsoft.com/office/drawing/2014/main" id="{FF2F013D-91F6-42A2-AAB8-4B8971D12DF1}"/>
-              </a:ext>
-            </a:extLst>
-          </p:cNvPr>
-          <p:cNvSpPr txBox="1">
-            <a:spLocks/>
-          </p:cNvSpPr>
-          <p:nvPr/>
-        </p:nvSpPr>
-        <p:spPr>
-          <a:xfrm>
-            <a:off x="11240542" y="5967968"/>
-            <a:ext cx="612722" cy="436098"/>
-          </a:xfrm>
-          <a:prstGeom prst="rect">
-            <a:avLst/>
-          </a:prstGeom>
-        </p:spPr>
-        <p:txBody>
-          <a:bodyPr/>
-          <a:lstStyle>
-            <a:lvl1pPr marL="228600" indent="-228600" algn="l" defTabSz="914400" rtl="0" eaLnBrk="1" latinLnBrk="0" hangingPunct="1">
-              <a:lnSpc>
-                <a:spcPct val="90000"/>
-              </a:lnSpc>
-              <a:spcBef>
-                <a:spcPts val="1000"/>
-              </a:spcBef>
-              <a:buFont typeface="Arial" panose="020B0604020202020204" pitchFamily="34" charset="0"/>
-              <a:buChar char="•"/>
-              <a:defRPr sz="2800" kern="1200">
-                <a:solidFill>
-                  <a:schemeClr val="tx1"/>
-                </a:solidFill>
-                <a:latin typeface="Lato" panose="020F0502020204030203" pitchFamily="34" charset="0"/>
-                <a:ea typeface="Lato" panose="020F0502020204030203" pitchFamily="34" charset="0"/>
-                <a:cs typeface="Lato" panose="020F0502020204030203" pitchFamily="34" charset="0"/>
-              </a:defRPr>
-            </a:lvl1pPr>
-            <a:lvl2pPr marL="685800" indent="-228600" algn="l" defTabSz="914400" rtl="0" eaLnBrk="1" latinLnBrk="0" hangingPunct="1">
-              <a:lnSpc>
-                <a:spcPct val="90000"/>
-              </a:lnSpc>
-              <a:spcBef>
-                <a:spcPts val="500"/>
-              </a:spcBef>
-              <a:buFont typeface="Arial" panose="020B0604020202020204" pitchFamily="34" charset="0"/>
-              <a:buChar char="•"/>
-              <a:defRPr sz="2400" kern="1200">
-                <a:solidFill>
-                  <a:schemeClr val="tx1"/>
-                </a:solidFill>
-                <a:latin typeface="Lato" panose="020F0502020204030203" pitchFamily="34" charset="0"/>
-                <a:ea typeface="Lato" panose="020F0502020204030203" pitchFamily="34" charset="0"/>
-                <a:cs typeface="Lato" panose="020F0502020204030203" pitchFamily="34" charset="0"/>
-              </a:defRPr>
-            </a:lvl2pPr>
-            <a:lvl3pPr marL="1143000" indent="-228600" algn="l" defTabSz="914400" rtl="0" eaLnBrk="1" latinLnBrk="0" hangingPunct="1">
-              <a:lnSpc>
-                <a:spcPct val="90000"/>
-              </a:lnSpc>
-              <a:spcBef>
-                <a:spcPts val="500"/>
-              </a:spcBef>
-              <a:buFont typeface="Arial" panose="020B0604020202020204" pitchFamily="34" charset="0"/>
-              <a:buChar char="•"/>
-              <a:defRPr sz="2000" kern="1200">
-                <a:solidFill>
-                  <a:schemeClr val="tx1"/>
-                </a:solidFill>
-                <a:latin typeface="Lato" panose="020F0502020204030203" pitchFamily="34" charset="0"/>
-                <a:ea typeface="Lato" panose="020F0502020204030203" pitchFamily="34" charset="0"/>
-                <a:cs typeface="Lato" panose="020F0502020204030203" pitchFamily="34" charset="0"/>
-              </a:defRPr>
-            </a:lvl3pPr>
-            <a:lvl4pPr marL="1600200" indent="-228600" algn="l" defTabSz="914400" rtl="0" eaLnBrk="1" latinLnBrk="0" hangingPunct="1">
-              <a:lnSpc>
-                <a:spcPct val="90000"/>
-              </a:lnSpc>
-              <a:spcBef>
-                <a:spcPts val="500"/>
-              </a:spcBef>
-              <a:buFont typeface="Arial" panose="020B0604020202020204" pitchFamily="34" charset="0"/>
-              <a:buChar char="•"/>
-              <a:defRPr sz="1800" kern="1200">
-                <a:solidFill>
-                  <a:schemeClr val="tx1"/>
-                </a:solidFill>
-                <a:latin typeface="Lato" panose="020F0502020204030203" pitchFamily="34" charset="0"/>
-                <a:ea typeface="Lato" panose="020F0502020204030203" pitchFamily="34" charset="0"/>
-                <a:cs typeface="Lato" panose="020F0502020204030203" pitchFamily="34" charset="0"/>
-              </a:defRPr>
-            </a:lvl4pPr>
-            <a:lvl5pPr marL="2057400" indent="-228600" algn="l" defTabSz="914400" rtl="0" eaLnBrk="1" latinLnBrk="0" hangingPunct="1">
-              <a:lnSpc>
-                <a:spcPct val="90000"/>
-              </a:lnSpc>
-              <a:spcBef>
-                <a:spcPts val="500"/>
-              </a:spcBef>
-              <a:buFont typeface="Arial" panose="020B0604020202020204" pitchFamily="34" charset="0"/>
-              <a:buChar char="•"/>
-              <a:defRPr sz="1800" kern="1200">
-                <a:solidFill>
-                  <a:schemeClr val="tx1"/>
-                </a:solidFill>
-                <a:latin typeface="Lato" panose="020F0502020204030203" pitchFamily="34" charset="0"/>
-                <a:ea typeface="Lato" panose="020F0502020204030203" pitchFamily="34" charset="0"/>
-                <a:cs typeface="Lato" panose="020F0502020204030203" pitchFamily="34" charset="0"/>
-              </a:defRPr>
-            </a:lvl5pPr>
-            <a:lvl6pPr marL="2514600" indent="-228600" algn="l" defTabSz="914400" rtl="0" eaLnBrk="1" latinLnBrk="0" hangingPunct="1">
-              <a:lnSpc>
-                <a:spcPct val="90000"/>
-              </a:lnSpc>
-              <a:spcBef>
-                <a:spcPts val="500"/>
-              </a:spcBef>
-              <a:buFont typeface="Arial" panose="020B0604020202020204" pitchFamily="34" charset="0"/>
-              <a:buChar char="•"/>
-              <a:defRPr sz="1800" kern="1200">
-                <a:solidFill>
-                  <a:schemeClr val="tx1"/>
-                </a:solidFill>
-                <a:latin typeface="+mn-lt"/>
-                <a:ea typeface="+mn-ea"/>
-                <a:cs typeface="+mn-cs"/>
-              </a:defRPr>
-            </a:lvl6pPr>
-            <a:lvl7pPr marL="2971800" indent="-228600" algn="l" defTabSz="914400" rtl="0" eaLnBrk="1" latinLnBrk="0" hangingPunct="1">
-              <a:lnSpc>
-                <a:spcPct val="90000"/>
-              </a:lnSpc>
-              <a:spcBef>
-                <a:spcPts val="500"/>
-              </a:spcBef>
-              <a:buFont typeface="Arial" panose="020B0604020202020204" pitchFamily="34" charset="0"/>
-              <a:buChar char="•"/>
-              <a:defRPr sz="1800" kern="1200">
-                <a:solidFill>
-                  <a:schemeClr val="tx1"/>
-                </a:solidFill>
-                <a:latin typeface="+mn-lt"/>
-                <a:ea typeface="+mn-ea"/>
-                <a:cs typeface="+mn-cs"/>
-              </a:defRPr>
-            </a:lvl7pPr>
-            <a:lvl8pPr marL="3429000" indent="-228600" algn="l" defTabSz="914400" rtl="0" eaLnBrk="1" latinLnBrk="0" hangingPunct="1">
-              <a:lnSpc>
-                <a:spcPct val="90000"/>
-              </a:lnSpc>
-              <a:spcBef>
-                <a:spcPts val="500"/>
-              </a:spcBef>
-              <a:buFont typeface="Arial" panose="020B0604020202020204" pitchFamily="34" charset="0"/>
-              <a:buChar char="•"/>
-              <a:defRPr sz="1800" kern="1200">
-                <a:solidFill>
-                  <a:schemeClr val="tx1"/>
-                </a:solidFill>
-                <a:latin typeface="+mn-lt"/>
-                <a:ea typeface="+mn-ea"/>
-                <a:cs typeface="+mn-cs"/>
-              </a:defRPr>
-            </a:lvl8pPr>
-            <a:lvl9pPr marL="3886200" indent="-228600" algn="l" defTabSz="914400" rtl="0" eaLnBrk="1" latinLnBrk="0" hangingPunct="1">
-              <a:lnSpc>
-                <a:spcPct val="90000"/>
-              </a:lnSpc>
-              <a:spcBef>
-                <a:spcPts val="500"/>
-              </a:spcBef>
-              <a:buFont typeface="Arial" panose="020B0604020202020204" pitchFamily="34" charset="0"/>
-              <a:buChar char="•"/>
-              <a:defRPr sz="1800" kern="1200">
-                <a:solidFill>
-                  <a:schemeClr val="tx1"/>
-                </a:solidFill>
-                <a:latin typeface="+mn-lt"/>
-                <a:ea typeface="+mn-ea"/>
-                <a:cs typeface="+mn-cs"/>
-              </a:defRPr>
-            </a:lvl9pPr>
-          </a:lstStyle>
-          <a:p>
-            <a:pPr marL="0" indent="0" algn="ctr">
-              <a:buFont typeface="Arial" panose="020B0604020202020204" pitchFamily="34" charset="0"/>
-              <a:buNone/>
-            </a:pPr>
-            <a:r>
-              <a:rPr lang="en-US" dirty="0">
-                <a:latin typeface="Times New Roman" panose="02020603050405020304" pitchFamily="18" charset="0"/>
-                <a:cs typeface="Times New Roman" panose="02020603050405020304" pitchFamily="18" charset="0"/>
-              </a:rPr>
-              <a:t>19</a:t>
-            </a:r>
-            <a:endParaRPr lang="vi-VN" dirty="0">
-              <a:latin typeface="Times New Roman" panose="02020603050405020304" pitchFamily="18" charset="0"/>
-              <a:cs typeface="Times New Roman" panose="02020603050405020304" pitchFamily="18" charset="0"/>
-            </a:endParaRPr>
-          </a:p>
-        </p:txBody>
-      </p:sp>
-      <p:pic>
-        <p:nvPicPr>
-          <p:cNvPr id="3" name="Picture 2">
-            <a:extLst>
-              <a:ext uri="{FF2B5EF4-FFF2-40B4-BE49-F238E27FC236}">
-                <a16:creationId xmlns:a16="http://schemas.microsoft.com/office/drawing/2014/main" id="{8DE048DD-BFFD-463A-B8EC-E0FFD2D37B44}"/>
-              </a:ext>
-            </a:extLst>
-          </p:cNvPr>
-          <p:cNvPicPr>
-            <a:picLocks noChangeAspect="1"/>
-          </p:cNvPicPr>
-          <p:nvPr/>
-        </p:nvPicPr>
-        <p:blipFill>
-          <a:blip r:embed="rId2"/>
-          <a:stretch>
-            <a:fillRect/>
-          </a:stretch>
-        </p:blipFill>
-        <p:spPr>
-          <a:xfrm>
-            <a:off x="6327248" y="1494942"/>
-            <a:ext cx="4594011" cy="4909124"/>
-          </a:xfrm>
-          <a:prstGeom prst="rect">
-            <a:avLst/>
-          </a:prstGeom>
-        </p:spPr>
-      </p:pic>
-    </p:spTree>
-    <p:extLst>
-      <p:ext uri="{BB962C8B-B14F-4D97-AF65-F5344CB8AC3E}">
-        <p14:creationId xmlns:p14="http://schemas.microsoft.com/office/powerpoint/2010/main" val="1150083193"/>
       </p:ext>
     </p:extLst>
   </p:cSld>
@@ -14636,6 +14491,859 @@
       </p:grpSpPr>
       <p:sp>
         <p:nvSpPr>
+          <p:cNvPr id="5" name="Content Placeholder 4">
+            <a:extLst>
+              <a:ext uri="{FF2B5EF4-FFF2-40B4-BE49-F238E27FC236}">
+                <a16:creationId xmlns:a16="http://schemas.microsoft.com/office/drawing/2014/main" id="{82AD3B8F-023F-4D30-80AA-BE5F44F41593}"/>
+              </a:ext>
+            </a:extLst>
+          </p:cNvPr>
+          <p:cNvSpPr>
+            <a:spLocks noGrp="1"/>
+          </p:cNvSpPr>
+          <p:nvPr>
+            <p:ph sz="quarter" idx="10"/>
+          </p:nvPr>
+        </p:nvSpPr>
+        <p:spPr>
+          <a:xfrm>
+            <a:off x="338736" y="1058844"/>
+            <a:ext cx="7009515" cy="4909124"/>
+          </a:xfrm>
+        </p:spPr>
+        <p:txBody>
+          <a:bodyPr/>
+          <a:lstStyle/>
+          <a:p>
+            <a:pPr marL="0" indent="0">
+              <a:buNone/>
+            </a:pPr>
+            <a:r>
+              <a:rPr lang="en-US" dirty="0">
+                <a:latin typeface="+mn-lt"/>
+                <a:cs typeface="Times New Roman" panose="02020603050405020304" pitchFamily="18" charset="0"/>
+              </a:rPr>
+              <a:t>2.4. </a:t>
+            </a:r>
+            <a:r>
+              <a:rPr lang="en-US" dirty="0" err="1">
+                <a:latin typeface="+mn-lt"/>
+                <a:cs typeface="Times New Roman" panose="02020603050405020304" pitchFamily="18" charset="0"/>
+              </a:rPr>
+              <a:t>Thiết</a:t>
+            </a:r>
+            <a:r>
+              <a:rPr lang="en-US" dirty="0">
+                <a:latin typeface="+mn-lt"/>
+                <a:cs typeface="Times New Roman" panose="02020603050405020304" pitchFamily="18" charset="0"/>
+              </a:rPr>
+              <a:t> </a:t>
+            </a:r>
+            <a:r>
+              <a:rPr lang="en-US" dirty="0" err="1">
+                <a:latin typeface="+mn-lt"/>
+                <a:cs typeface="Times New Roman" panose="02020603050405020304" pitchFamily="18" charset="0"/>
+              </a:rPr>
+              <a:t>kế</a:t>
+            </a:r>
+            <a:r>
+              <a:rPr lang="en-US" dirty="0">
+                <a:latin typeface="+mn-lt"/>
+                <a:cs typeface="Times New Roman" panose="02020603050405020304" pitchFamily="18" charset="0"/>
+              </a:rPr>
+              <a:t> </a:t>
+            </a:r>
+            <a:r>
+              <a:rPr lang="en-US" dirty="0" err="1">
+                <a:latin typeface="+mn-lt"/>
+                <a:cs typeface="Times New Roman" panose="02020603050405020304" pitchFamily="18" charset="0"/>
+              </a:rPr>
+              <a:t>chương</a:t>
+            </a:r>
+            <a:r>
+              <a:rPr lang="en-US" dirty="0">
+                <a:latin typeface="+mn-lt"/>
+                <a:cs typeface="Times New Roman" panose="02020603050405020304" pitchFamily="18" charset="0"/>
+              </a:rPr>
+              <a:t> </a:t>
+            </a:r>
+            <a:r>
+              <a:rPr lang="en-US" dirty="0" err="1">
+                <a:latin typeface="+mn-lt"/>
+                <a:cs typeface="Times New Roman" panose="02020603050405020304" pitchFamily="18" charset="0"/>
+              </a:rPr>
+              <a:t>trình</a:t>
+            </a:r>
+            <a:r>
+              <a:rPr lang="en-US" dirty="0">
+                <a:latin typeface="+mn-lt"/>
+                <a:cs typeface="Times New Roman" panose="02020603050405020304" pitchFamily="18" charset="0"/>
+              </a:rPr>
+              <a:t> </a:t>
+            </a:r>
+            <a:r>
+              <a:rPr lang="en-US" dirty="0" err="1">
+                <a:latin typeface="+mn-lt"/>
+                <a:cs typeface="Times New Roman" panose="02020603050405020304" pitchFamily="18" charset="0"/>
+              </a:rPr>
+              <a:t>ứng</a:t>
+            </a:r>
+            <a:r>
+              <a:rPr lang="en-US" dirty="0">
+                <a:latin typeface="+mn-lt"/>
+                <a:cs typeface="Times New Roman" panose="02020603050405020304" pitchFamily="18" charset="0"/>
+              </a:rPr>
+              <a:t> </a:t>
+            </a:r>
+            <a:r>
+              <a:rPr lang="en-US" dirty="0" err="1">
+                <a:latin typeface="+mn-lt"/>
+                <a:cs typeface="Times New Roman" panose="02020603050405020304" pitchFamily="18" charset="0"/>
+              </a:rPr>
+              <a:t>dụng</a:t>
+            </a:r>
+            <a:r>
+              <a:rPr lang="en-US" dirty="0">
+                <a:latin typeface="+mn-lt"/>
+                <a:cs typeface="Times New Roman" panose="02020603050405020304" pitchFamily="18" charset="0"/>
+              </a:rPr>
+              <a:t> </a:t>
+            </a:r>
+            <a:r>
+              <a:rPr lang="en-US" dirty="0" err="1">
+                <a:latin typeface="+mn-lt"/>
+                <a:cs typeface="Times New Roman" panose="02020603050405020304" pitchFamily="18" charset="0"/>
+              </a:rPr>
+              <a:t>điều</a:t>
+            </a:r>
+            <a:r>
+              <a:rPr lang="en-US" dirty="0">
+                <a:latin typeface="+mn-lt"/>
+                <a:cs typeface="Times New Roman" panose="02020603050405020304" pitchFamily="18" charset="0"/>
+              </a:rPr>
+              <a:t> </a:t>
+            </a:r>
+            <a:r>
+              <a:rPr lang="en-US" dirty="0" err="1">
+                <a:latin typeface="+mn-lt"/>
+                <a:cs typeface="Times New Roman" panose="02020603050405020304" pitchFamily="18" charset="0"/>
+              </a:rPr>
+              <a:t>khiển</a:t>
+            </a:r>
+            <a:endParaRPr lang="en-US" dirty="0">
+              <a:latin typeface="+mn-lt"/>
+              <a:cs typeface="Times New Roman" panose="02020603050405020304" pitchFamily="18" charset="0"/>
+            </a:endParaRPr>
+          </a:p>
+          <a:p>
+            <a:pPr>
+              <a:buFontTx/>
+              <a:buChar char="-"/>
+            </a:pPr>
+            <a:r>
+              <a:rPr lang="en-US" dirty="0" err="1">
+                <a:latin typeface="+mn-lt"/>
+                <a:cs typeface="Times New Roman" panose="02020603050405020304" pitchFamily="18" charset="0"/>
+              </a:rPr>
+              <a:t>Lưu</a:t>
+            </a:r>
+            <a:r>
+              <a:rPr lang="en-US" dirty="0">
+                <a:latin typeface="+mn-lt"/>
+                <a:cs typeface="Times New Roman" panose="02020603050405020304" pitchFamily="18" charset="0"/>
+              </a:rPr>
+              <a:t> </a:t>
+            </a:r>
+            <a:r>
+              <a:rPr lang="en-US" dirty="0" err="1">
+                <a:latin typeface="+mn-lt"/>
+                <a:cs typeface="Times New Roman" panose="02020603050405020304" pitchFamily="18" charset="0"/>
+              </a:rPr>
+              <a:t>đồ</a:t>
+            </a:r>
+            <a:r>
+              <a:rPr lang="en-US" dirty="0">
+                <a:latin typeface="+mn-lt"/>
+                <a:cs typeface="Times New Roman" panose="02020603050405020304" pitchFamily="18" charset="0"/>
+              </a:rPr>
+              <a:t> </a:t>
+            </a:r>
+            <a:r>
+              <a:rPr lang="en-US" dirty="0" err="1">
+                <a:latin typeface="+mn-lt"/>
+                <a:cs typeface="Times New Roman" panose="02020603050405020304" pitchFamily="18" charset="0"/>
+              </a:rPr>
+              <a:t>thuật</a:t>
+            </a:r>
+            <a:r>
+              <a:rPr lang="en-US" dirty="0">
+                <a:latin typeface="+mn-lt"/>
+                <a:cs typeface="Times New Roman" panose="02020603050405020304" pitchFamily="18" charset="0"/>
+              </a:rPr>
+              <a:t> </a:t>
+            </a:r>
+            <a:r>
+              <a:rPr lang="en-US" dirty="0" err="1">
+                <a:latin typeface="+mn-lt"/>
+                <a:cs typeface="Times New Roman" panose="02020603050405020304" pitchFamily="18" charset="0"/>
+              </a:rPr>
+              <a:t>toán</a:t>
+            </a:r>
+            <a:r>
+              <a:rPr lang="en-US" dirty="0">
+                <a:latin typeface="+mn-lt"/>
+                <a:cs typeface="Times New Roman" panose="02020603050405020304" pitchFamily="18" charset="0"/>
+              </a:rPr>
+              <a:t>:</a:t>
+            </a:r>
+          </a:p>
+          <a:p>
+            <a:pPr>
+              <a:buFontTx/>
+              <a:buChar char="-"/>
+            </a:pPr>
+            <a:r>
+              <a:rPr lang="en-US" dirty="0" err="1">
+                <a:latin typeface="+mn-lt"/>
+                <a:cs typeface="Times New Roman" panose="02020603050405020304" pitchFamily="18" charset="0"/>
+              </a:rPr>
+              <a:t>Các</a:t>
+            </a:r>
+            <a:r>
+              <a:rPr lang="en-US" dirty="0">
+                <a:latin typeface="+mn-lt"/>
+                <a:cs typeface="Times New Roman" panose="02020603050405020304" pitchFamily="18" charset="0"/>
+              </a:rPr>
+              <a:t> </a:t>
+            </a:r>
+            <a:r>
+              <a:rPr lang="en-US" dirty="0" err="1">
+                <a:latin typeface="+mn-lt"/>
+                <a:cs typeface="Times New Roman" panose="02020603050405020304" pitchFamily="18" charset="0"/>
+              </a:rPr>
+              <a:t>lớp</a:t>
+            </a:r>
+            <a:r>
+              <a:rPr lang="en-US" dirty="0">
+                <a:latin typeface="+mn-lt"/>
+                <a:cs typeface="Times New Roman" panose="02020603050405020304" pitchFamily="18" charset="0"/>
+              </a:rPr>
+              <a:t> </a:t>
+            </a:r>
+            <a:r>
+              <a:rPr lang="en-US" dirty="0" err="1">
+                <a:latin typeface="+mn-lt"/>
+                <a:cs typeface="Times New Roman" panose="02020603050405020304" pitchFamily="18" charset="0"/>
+              </a:rPr>
+              <a:t>của</a:t>
+            </a:r>
+            <a:r>
+              <a:rPr lang="en-US" dirty="0">
+                <a:latin typeface="+mn-lt"/>
+                <a:cs typeface="Times New Roman" panose="02020603050405020304" pitchFamily="18" charset="0"/>
+              </a:rPr>
+              <a:t> </a:t>
+            </a:r>
+            <a:r>
+              <a:rPr lang="en-US" dirty="0" err="1">
+                <a:latin typeface="+mn-lt"/>
+                <a:cs typeface="Times New Roman" panose="02020603050405020304" pitchFamily="18" charset="0"/>
+              </a:rPr>
+              <a:t>ứng</a:t>
+            </a:r>
+            <a:r>
+              <a:rPr lang="en-US" dirty="0">
+                <a:latin typeface="+mn-lt"/>
+                <a:cs typeface="Times New Roman" panose="02020603050405020304" pitchFamily="18" charset="0"/>
+              </a:rPr>
+              <a:t> </a:t>
+            </a:r>
+            <a:r>
+              <a:rPr lang="en-US" dirty="0" err="1">
+                <a:latin typeface="+mn-lt"/>
+                <a:cs typeface="Times New Roman" panose="02020603050405020304" pitchFamily="18" charset="0"/>
+              </a:rPr>
+              <a:t>dụng</a:t>
+            </a:r>
+            <a:r>
+              <a:rPr lang="en-US" dirty="0">
+                <a:latin typeface="+mn-lt"/>
+                <a:cs typeface="Times New Roman" panose="02020603050405020304" pitchFamily="18" charset="0"/>
+              </a:rPr>
+              <a:t> </a:t>
+            </a:r>
+            <a:r>
+              <a:rPr lang="en-US" dirty="0" err="1">
+                <a:latin typeface="+mn-lt"/>
+                <a:cs typeface="Times New Roman" panose="02020603050405020304" pitchFamily="18" charset="0"/>
+              </a:rPr>
+              <a:t>điều</a:t>
+            </a:r>
+            <a:r>
+              <a:rPr lang="en-US" dirty="0">
+                <a:latin typeface="+mn-lt"/>
+                <a:cs typeface="Times New Roman" panose="02020603050405020304" pitchFamily="18" charset="0"/>
+              </a:rPr>
+              <a:t> </a:t>
+            </a:r>
+            <a:r>
+              <a:rPr lang="en-US" dirty="0" err="1">
+                <a:latin typeface="+mn-lt"/>
+                <a:cs typeface="Times New Roman" panose="02020603050405020304" pitchFamily="18" charset="0"/>
+              </a:rPr>
+              <a:t>khiển</a:t>
+            </a:r>
+            <a:r>
+              <a:rPr lang="en-US" dirty="0">
+                <a:latin typeface="+mn-lt"/>
+                <a:cs typeface="Times New Roman" panose="02020603050405020304" pitchFamily="18" charset="0"/>
+              </a:rPr>
+              <a:t>:</a:t>
+            </a:r>
+          </a:p>
+          <a:p>
+            <a:r>
+              <a:rPr lang="en-US" dirty="0" err="1">
+                <a:latin typeface="+mn-lt"/>
+                <a:cs typeface="Times New Roman" panose="02020603050405020304" pitchFamily="18" charset="0"/>
+              </a:rPr>
+              <a:t>Lớp</a:t>
+            </a:r>
+            <a:r>
+              <a:rPr lang="en-US" dirty="0">
+                <a:latin typeface="+mn-lt"/>
+                <a:cs typeface="Times New Roman" panose="02020603050405020304" pitchFamily="18" charset="0"/>
+              </a:rPr>
+              <a:t> logic </a:t>
+            </a:r>
+            <a:r>
+              <a:rPr lang="en-US" dirty="0" err="1">
+                <a:latin typeface="+mn-lt"/>
+                <a:cs typeface="Times New Roman" panose="02020603050405020304" pitchFamily="18" charset="0"/>
+              </a:rPr>
+              <a:t>chính</a:t>
+            </a:r>
+            <a:r>
+              <a:rPr lang="en-US" dirty="0">
+                <a:latin typeface="+mn-lt"/>
+                <a:cs typeface="Times New Roman" panose="02020603050405020304" pitchFamily="18" charset="0"/>
+              </a:rPr>
+              <a:t> </a:t>
+            </a:r>
+            <a:r>
+              <a:rPr lang="en-US" dirty="0" err="1">
+                <a:latin typeface="+mn-lt"/>
+                <a:cs typeface="Times New Roman" panose="02020603050405020304" pitchFamily="18" charset="0"/>
+              </a:rPr>
+              <a:t>của</a:t>
+            </a:r>
+            <a:r>
+              <a:rPr lang="en-US" dirty="0">
+                <a:latin typeface="+mn-lt"/>
+                <a:cs typeface="Times New Roman" panose="02020603050405020304" pitchFamily="18" charset="0"/>
+              </a:rPr>
+              <a:t> </a:t>
+            </a:r>
+            <a:r>
+              <a:rPr lang="en-US" dirty="0" err="1">
+                <a:latin typeface="+mn-lt"/>
+                <a:cs typeface="Times New Roman" panose="02020603050405020304" pitchFamily="18" charset="0"/>
+              </a:rPr>
+              <a:t>ứng</a:t>
+            </a:r>
+            <a:r>
+              <a:rPr lang="en-US" dirty="0">
+                <a:latin typeface="+mn-lt"/>
+                <a:cs typeface="Times New Roman" panose="02020603050405020304" pitchFamily="18" charset="0"/>
+              </a:rPr>
+              <a:t> </a:t>
+            </a:r>
+            <a:r>
+              <a:rPr lang="en-US" dirty="0" err="1">
+                <a:latin typeface="+mn-lt"/>
+                <a:cs typeface="Times New Roman" panose="02020603050405020304" pitchFamily="18" charset="0"/>
+              </a:rPr>
+              <a:t>dụng</a:t>
+            </a:r>
+            <a:endParaRPr lang="en-US" dirty="0">
+              <a:latin typeface="+mn-lt"/>
+              <a:cs typeface="Times New Roman" panose="02020603050405020304" pitchFamily="18" charset="0"/>
+            </a:endParaRPr>
+          </a:p>
+          <a:p>
+            <a:r>
+              <a:rPr lang="en-US" dirty="0" err="1">
+                <a:latin typeface="+mn-lt"/>
+                <a:cs typeface="Times New Roman" panose="02020603050405020304" pitchFamily="18" charset="0"/>
+              </a:rPr>
+              <a:t>Lớp</a:t>
+            </a:r>
+            <a:r>
+              <a:rPr lang="en-US" dirty="0">
+                <a:latin typeface="+mn-lt"/>
+                <a:cs typeface="Times New Roman" panose="02020603050405020304" pitchFamily="18" charset="0"/>
+              </a:rPr>
+              <a:t> </a:t>
+            </a:r>
+            <a:r>
+              <a:rPr lang="en-US" dirty="0" err="1">
+                <a:latin typeface="+mn-lt"/>
+                <a:cs typeface="Times New Roman" panose="02020603050405020304" pitchFamily="18" charset="0"/>
+              </a:rPr>
+              <a:t>giao</a:t>
+            </a:r>
+            <a:r>
+              <a:rPr lang="en-US" dirty="0">
+                <a:latin typeface="+mn-lt"/>
+                <a:cs typeface="Times New Roman" panose="02020603050405020304" pitchFamily="18" charset="0"/>
+              </a:rPr>
+              <a:t> </a:t>
+            </a:r>
+            <a:r>
+              <a:rPr lang="en-US" dirty="0" err="1">
+                <a:latin typeface="+mn-lt"/>
+                <a:cs typeface="Times New Roman" panose="02020603050405020304" pitchFamily="18" charset="0"/>
+              </a:rPr>
+              <a:t>diện</a:t>
+            </a:r>
+            <a:r>
+              <a:rPr lang="en-US" dirty="0">
+                <a:latin typeface="+mn-lt"/>
+                <a:cs typeface="Times New Roman" panose="02020603050405020304" pitchFamily="18" charset="0"/>
+              </a:rPr>
+              <a:t> </a:t>
+            </a:r>
+            <a:r>
+              <a:rPr lang="en-US" dirty="0" err="1">
+                <a:latin typeface="+mn-lt"/>
+                <a:cs typeface="Times New Roman" panose="02020603050405020304" pitchFamily="18" charset="0"/>
+              </a:rPr>
+              <a:t>dạng</a:t>
+            </a:r>
+            <a:r>
+              <a:rPr lang="en-US" dirty="0">
+                <a:latin typeface="+mn-lt"/>
+                <a:cs typeface="Times New Roman" panose="02020603050405020304" pitchFamily="18" charset="0"/>
+              </a:rPr>
+              <a:t> </a:t>
+            </a:r>
+            <a:r>
+              <a:rPr lang="en-US" dirty="0" err="1">
+                <a:latin typeface="+mn-lt"/>
+                <a:cs typeface="Times New Roman" panose="02020603050405020304" pitchFamily="18" charset="0"/>
+              </a:rPr>
+              <a:t>lưới</a:t>
+            </a:r>
+            <a:endParaRPr lang="en-US" dirty="0">
+              <a:latin typeface="+mn-lt"/>
+              <a:cs typeface="Times New Roman" panose="02020603050405020304" pitchFamily="18" charset="0"/>
+            </a:endParaRPr>
+          </a:p>
+          <a:p>
+            <a:r>
+              <a:rPr lang="en-US" dirty="0" err="1">
+                <a:latin typeface="+mn-lt"/>
+                <a:cs typeface="Times New Roman" panose="02020603050405020304" pitchFamily="18" charset="0"/>
+              </a:rPr>
+              <a:t>Lớp</a:t>
+            </a:r>
+            <a:r>
+              <a:rPr lang="en-US" dirty="0">
+                <a:latin typeface="+mn-lt"/>
+                <a:cs typeface="Times New Roman" panose="02020603050405020304" pitchFamily="18" charset="0"/>
+              </a:rPr>
+              <a:t> </a:t>
+            </a:r>
+            <a:r>
+              <a:rPr lang="en-US" dirty="0" err="1">
+                <a:latin typeface="+mn-lt"/>
+                <a:cs typeface="Times New Roman" panose="02020603050405020304" pitchFamily="18" charset="0"/>
+              </a:rPr>
+              <a:t>giao</a:t>
+            </a:r>
+            <a:r>
+              <a:rPr lang="en-US" dirty="0">
+                <a:latin typeface="+mn-lt"/>
+                <a:cs typeface="Times New Roman" panose="02020603050405020304" pitchFamily="18" charset="0"/>
+              </a:rPr>
+              <a:t> </a:t>
+            </a:r>
+            <a:r>
+              <a:rPr lang="en-US" dirty="0" err="1">
+                <a:latin typeface="+mn-lt"/>
+                <a:cs typeface="Times New Roman" panose="02020603050405020304" pitchFamily="18" charset="0"/>
+              </a:rPr>
+              <a:t>diện</a:t>
+            </a:r>
+            <a:r>
+              <a:rPr lang="en-US" dirty="0">
+                <a:latin typeface="+mn-lt"/>
+                <a:cs typeface="Times New Roman" panose="02020603050405020304" pitchFamily="18" charset="0"/>
+              </a:rPr>
+              <a:t> </a:t>
+            </a:r>
+            <a:r>
+              <a:rPr lang="en-US" dirty="0" err="1">
+                <a:latin typeface="+mn-lt"/>
+                <a:cs typeface="Times New Roman" panose="02020603050405020304" pitchFamily="18" charset="0"/>
+              </a:rPr>
+              <a:t>cửa</a:t>
+            </a:r>
+            <a:r>
+              <a:rPr lang="en-US" dirty="0">
+                <a:latin typeface="+mn-lt"/>
+                <a:cs typeface="Times New Roman" panose="02020603050405020304" pitchFamily="18" charset="0"/>
+              </a:rPr>
+              <a:t> </a:t>
+            </a:r>
+            <a:r>
+              <a:rPr lang="en-US" dirty="0" err="1">
+                <a:latin typeface="+mn-lt"/>
+                <a:cs typeface="Times New Roman" panose="02020603050405020304" pitchFamily="18" charset="0"/>
+              </a:rPr>
+              <a:t>sổ</a:t>
+            </a:r>
+            <a:r>
+              <a:rPr lang="en-US" dirty="0">
+                <a:latin typeface="+mn-lt"/>
+                <a:cs typeface="Times New Roman" panose="02020603050405020304" pitchFamily="18" charset="0"/>
+              </a:rPr>
+              <a:t> </a:t>
+            </a:r>
+            <a:r>
+              <a:rPr lang="en-US" dirty="0" err="1">
+                <a:latin typeface="+mn-lt"/>
+                <a:cs typeface="Times New Roman" panose="02020603050405020304" pitchFamily="18" charset="0"/>
+              </a:rPr>
+              <a:t>thông</a:t>
+            </a:r>
+            <a:r>
+              <a:rPr lang="en-US" dirty="0">
+                <a:latin typeface="+mn-lt"/>
+                <a:cs typeface="Times New Roman" panose="02020603050405020304" pitchFamily="18" charset="0"/>
+              </a:rPr>
+              <a:t> </a:t>
+            </a:r>
+            <a:r>
+              <a:rPr lang="en-US" dirty="0" err="1">
+                <a:latin typeface="+mn-lt"/>
+                <a:cs typeface="Times New Roman" panose="02020603050405020304" pitchFamily="18" charset="0"/>
+              </a:rPr>
+              <a:t>báo</a:t>
+            </a:r>
+            <a:endParaRPr lang="en-US" dirty="0">
+              <a:latin typeface="+mn-lt"/>
+              <a:cs typeface="Times New Roman" panose="02020603050405020304" pitchFamily="18" charset="0"/>
+            </a:endParaRPr>
+          </a:p>
+        </p:txBody>
+      </p:sp>
+      <p:sp>
+        <p:nvSpPr>
+          <p:cNvPr id="4" name="Title 3">
+            <a:extLst>
+              <a:ext uri="{FF2B5EF4-FFF2-40B4-BE49-F238E27FC236}">
+                <a16:creationId xmlns:a16="http://schemas.microsoft.com/office/drawing/2014/main" id="{52E18D06-2298-4C20-BF3D-F4536777C955}"/>
+              </a:ext>
+            </a:extLst>
+          </p:cNvPr>
+          <p:cNvSpPr>
+            <a:spLocks noGrp="1"/>
+          </p:cNvSpPr>
+          <p:nvPr>
+            <p:ph type="title"/>
+          </p:nvPr>
+        </p:nvSpPr>
+        <p:spPr>
+          <a:xfrm>
+            <a:off x="338736" y="88019"/>
+            <a:ext cx="11514528" cy="436098"/>
+          </a:xfrm>
+        </p:spPr>
+        <p:txBody>
+          <a:bodyPr/>
+          <a:lstStyle/>
+          <a:p>
+            <a:r>
+              <a:rPr lang="en-US">
+                <a:latin typeface="+mn-lt"/>
+                <a:cs typeface="Times New Roman" panose="02020603050405020304" pitchFamily="18" charset="0"/>
+              </a:rPr>
+              <a:t>2. Phân tích và thiết kế</a:t>
+            </a:r>
+          </a:p>
+        </p:txBody>
+      </p:sp>
+      <p:sp>
+        <p:nvSpPr>
+          <p:cNvPr id="7" name="Text Placeholder 2">
+            <a:extLst>
+              <a:ext uri="{FF2B5EF4-FFF2-40B4-BE49-F238E27FC236}">
+                <a16:creationId xmlns:a16="http://schemas.microsoft.com/office/drawing/2014/main" id="{FF2F013D-91F6-42A2-AAB8-4B8971D12DF1}"/>
+              </a:ext>
+            </a:extLst>
+          </p:cNvPr>
+          <p:cNvSpPr txBox="1">
+            <a:spLocks/>
+          </p:cNvSpPr>
+          <p:nvPr/>
+        </p:nvSpPr>
+        <p:spPr>
+          <a:xfrm>
+            <a:off x="11240542" y="5967968"/>
+            <a:ext cx="612722" cy="436098"/>
+          </a:xfrm>
+          <a:prstGeom prst="rect">
+            <a:avLst/>
+          </a:prstGeom>
+        </p:spPr>
+        <p:txBody>
+          <a:bodyPr/>
+          <a:lstStyle>
+            <a:lvl1pPr marL="228600" indent="-228600" algn="l" defTabSz="914400" rtl="0" eaLnBrk="1" latinLnBrk="0" hangingPunct="1">
+              <a:lnSpc>
+                <a:spcPct val="90000"/>
+              </a:lnSpc>
+              <a:spcBef>
+                <a:spcPts val="1000"/>
+              </a:spcBef>
+              <a:buFont typeface="Arial" panose="020B0604020202020204" pitchFamily="34" charset="0"/>
+              <a:buChar char="•"/>
+              <a:defRPr sz="2800" kern="1200">
+                <a:solidFill>
+                  <a:schemeClr val="tx1"/>
+                </a:solidFill>
+                <a:latin typeface="Lato" panose="020F0502020204030203" pitchFamily="34" charset="0"/>
+                <a:ea typeface="Lato" panose="020F0502020204030203" pitchFamily="34" charset="0"/>
+                <a:cs typeface="Lato" panose="020F0502020204030203" pitchFamily="34" charset="0"/>
+              </a:defRPr>
+            </a:lvl1pPr>
+            <a:lvl2pPr marL="685800" indent="-228600" algn="l" defTabSz="914400" rtl="0" eaLnBrk="1" latinLnBrk="0" hangingPunct="1">
+              <a:lnSpc>
+                <a:spcPct val="90000"/>
+              </a:lnSpc>
+              <a:spcBef>
+                <a:spcPts val="500"/>
+              </a:spcBef>
+              <a:buFont typeface="Arial" panose="020B0604020202020204" pitchFamily="34" charset="0"/>
+              <a:buChar char="•"/>
+              <a:defRPr sz="2400" kern="1200">
+                <a:solidFill>
+                  <a:schemeClr val="tx1"/>
+                </a:solidFill>
+                <a:latin typeface="Lato" panose="020F0502020204030203" pitchFamily="34" charset="0"/>
+                <a:ea typeface="Lato" panose="020F0502020204030203" pitchFamily="34" charset="0"/>
+                <a:cs typeface="Lato" panose="020F0502020204030203" pitchFamily="34" charset="0"/>
+              </a:defRPr>
+            </a:lvl2pPr>
+            <a:lvl3pPr marL="1143000" indent="-228600" algn="l" defTabSz="914400" rtl="0" eaLnBrk="1" latinLnBrk="0" hangingPunct="1">
+              <a:lnSpc>
+                <a:spcPct val="90000"/>
+              </a:lnSpc>
+              <a:spcBef>
+                <a:spcPts val="500"/>
+              </a:spcBef>
+              <a:buFont typeface="Arial" panose="020B0604020202020204" pitchFamily="34" charset="0"/>
+              <a:buChar char="•"/>
+              <a:defRPr sz="2000" kern="1200">
+                <a:solidFill>
+                  <a:schemeClr val="tx1"/>
+                </a:solidFill>
+                <a:latin typeface="Lato" panose="020F0502020204030203" pitchFamily="34" charset="0"/>
+                <a:ea typeface="Lato" panose="020F0502020204030203" pitchFamily="34" charset="0"/>
+                <a:cs typeface="Lato" panose="020F0502020204030203" pitchFamily="34" charset="0"/>
+              </a:defRPr>
+            </a:lvl3pPr>
+            <a:lvl4pPr marL="1600200" indent="-228600" algn="l" defTabSz="914400" rtl="0" eaLnBrk="1" latinLnBrk="0" hangingPunct="1">
+              <a:lnSpc>
+                <a:spcPct val="90000"/>
+              </a:lnSpc>
+              <a:spcBef>
+                <a:spcPts val="500"/>
+              </a:spcBef>
+              <a:buFont typeface="Arial" panose="020B0604020202020204" pitchFamily="34" charset="0"/>
+              <a:buChar char="•"/>
+              <a:defRPr sz="1800" kern="1200">
+                <a:solidFill>
+                  <a:schemeClr val="tx1"/>
+                </a:solidFill>
+                <a:latin typeface="Lato" panose="020F0502020204030203" pitchFamily="34" charset="0"/>
+                <a:ea typeface="Lato" panose="020F0502020204030203" pitchFamily="34" charset="0"/>
+                <a:cs typeface="Lato" panose="020F0502020204030203" pitchFamily="34" charset="0"/>
+              </a:defRPr>
+            </a:lvl4pPr>
+            <a:lvl5pPr marL="2057400" indent="-228600" algn="l" defTabSz="914400" rtl="0" eaLnBrk="1" latinLnBrk="0" hangingPunct="1">
+              <a:lnSpc>
+                <a:spcPct val="90000"/>
+              </a:lnSpc>
+              <a:spcBef>
+                <a:spcPts val="500"/>
+              </a:spcBef>
+              <a:buFont typeface="Arial" panose="020B0604020202020204" pitchFamily="34" charset="0"/>
+              <a:buChar char="•"/>
+              <a:defRPr sz="1800" kern="1200">
+                <a:solidFill>
+                  <a:schemeClr val="tx1"/>
+                </a:solidFill>
+                <a:latin typeface="Lato" panose="020F0502020204030203" pitchFamily="34" charset="0"/>
+                <a:ea typeface="Lato" panose="020F0502020204030203" pitchFamily="34" charset="0"/>
+                <a:cs typeface="Lato" panose="020F0502020204030203" pitchFamily="34" charset="0"/>
+              </a:defRPr>
+            </a:lvl5pPr>
+            <a:lvl6pPr marL="2514600" indent="-228600" algn="l" defTabSz="914400" rtl="0" eaLnBrk="1" latinLnBrk="0" hangingPunct="1">
+              <a:lnSpc>
+                <a:spcPct val="90000"/>
+              </a:lnSpc>
+              <a:spcBef>
+                <a:spcPts val="500"/>
+              </a:spcBef>
+              <a:buFont typeface="Arial" panose="020B0604020202020204" pitchFamily="34" charset="0"/>
+              <a:buChar char="•"/>
+              <a:defRPr sz="1800" kern="1200">
+                <a:solidFill>
+                  <a:schemeClr val="tx1"/>
+                </a:solidFill>
+                <a:latin typeface="+mn-lt"/>
+                <a:ea typeface="+mn-ea"/>
+                <a:cs typeface="+mn-cs"/>
+              </a:defRPr>
+            </a:lvl6pPr>
+            <a:lvl7pPr marL="2971800" indent="-228600" algn="l" defTabSz="914400" rtl="0" eaLnBrk="1" latinLnBrk="0" hangingPunct="1">
+              <a:lnSpc>
+                <a:spcPct val="90000"/>
+              </a:lnSpc>
+              <a:spcBef>
+                <a:spcPts val="500"/>
+              </a:spcBef>
+              <a:buFont typeface="Arial" panose="020B0604020202020204" pitchFamily="34" charset="0"/>
+              <a:buChar char="•"/>
+              <a:defRPr sz="1800" kern="1200">
+                <a:solidFill>
+                  <a:schemeClr val="tx1"/>
+                </a:solidFill>
+                <a:latin typeface="+mn-lt"/>
+                <a:ea typeface="+mn-ea"/>
+                <a:cs typeface="+mn-cs"/>
+              </a:defRPr>
+            </a:lvl7pPr>
+            <a:lvl8pPr marL="3429000" indent="-228600" algn="l" defTabSz="914400" rtl="0" eaLnBrk="1" latinLnBrk="0" hangingPunct="1">
+              <a:lnSpc>
+                <a:spcPct val="90000"/>
+              </a:lnSpc>
+              <a:spcBef>
+                <a:spcPts val="500"/>
+              </a:spcBef>
+              <a:buFont typeface="Arial" panose="020B0604020202020204" pitchFamily="34" charset="0"/>
+              <a:buChar char="•"/>
+              <a:defRPr sz="1800" kern="1200">
+                <a:solidFill>
+                  <a:schemeClr val="tx1"/>
+                </a:solidFill>
+                <a:latin typeface="+mn-lt"/>
+                <a:ea typeface="+mn-ea"/>
+                <a:cs typeface="+mn-cs"/>
+              </a:defRPr>
+            </a:lvl8pPr>
+            <a:lvl9pPr marL="3886200" indent="-228600" algn="l" defTabSz="914400" rtl="0" eaLnBrk="1" latinLnBrk="0" hangingPunct="1">
+              <a:lnSpc>
+                <a:spcPct val="90000"/>
+              </a:lnSpc>
+              <a:spcBef>
+                <a:spcPts val="500"/>
+              </a:spcBef>
+              <a:buFont typeface="Arial" panose="020B0604020202020204" pitchFamily="34" charset="0"/>
+              <a:buChar char="•"/>
+              <a:defRPr sz="1800" kern="1200">
+                <a:solidFill>
+                  <a:schemeClr val="tx1"/>
+                </a:solidFill>
+                <a:latin typeface="+mn-lt"/>
+                <a:ea typeface="+mn-ea"/>
+                <a:cs typeface="+mn-cs"/>
+              </a:defRPr>
+            </a:lvl9pPr>
+          </a:lstStyle>
+          <a:p>
+            <a:pPr marL="0" indent="0" algn="ctr">
+              <a:buFont typeface="Arial" panose="020B0604020202020204" pitchFamily="34" charset="0"/>
+              <a:buNone/>
+            </a:pPr>
+            <a:r>
+              <a:rPr lang="en-US" dirty="0">
+                <a:latin typeface="Times New Roman" panose="02020603050405020304" pitchFamily="18" charset="0"/>
+                <a:cs typeface="Times New Roman" panose="02020603050405020304" pitchFamily="18" charset="0"/>
+              </a:rPr>
+              <a:t>19</a:t>
+            </a:r>
+            <a:endParaRPr lang="vi-VN" dirty="0">
+              <a:latin typeface="Times New Roman" panose="02020603050405020304" pitchFamily="18" charset="0"/>
+              <a:cs typeface="Times New Roman" panose="02020603050405020304" pitchFamily="18" charset="0"/>
+            </a:endParaRPr>
+          </a:p>
+        </p:txBody>
+      </p:sp>
+      <p:pic>
+        <p:nvPicPr>
+          <p:cNvPr id="6" name="Picture 5">
+            <a:extLst>
+              <a:ext uri="{FF2B5EF4-FFF2-40B4-BE49-F238E27FC236}">
+                <a16:creationId xmlns:a16="http://schemas.microsoft.com/office/drawing/2014/main" id="{F68BD703-6FD0-48C8-831A-2EBA55D33B9B}"/>
+              </a:ext>
+            </a:extLst>
+          </p:cNvPr>
+          <p:cNvPicPr>
+            <a:picLocks noChangeAspect="1"/>
+          </p:cNvPicPr>
+          <p:nvPr/>
+        </p:nvPicPr>
+        <p:blipFill>
+          <a:blip r:embed="rId2"/>
+          <a:stretch>
+            <a:fillRect/>
+          </a:stretch>
+        </p:blipFill>
+        <p:spPr>
+          <a:xfrm>
+            <a:off x="6096000" y="1527990"/>
+            <a:ext cx="4717774" cy="4762282"/>
+          </a:xfrm>
+          <a:prstGeom prst="rect">
+            <a:avLst/>
+          </a:prstGeom>
+        </p:spPr>
+      </p:pic>
+    </p:spTree>
+    <p:extLst>
+      <p:ext uri="{BB962C8B-B14F-4D97-AF65-F5344CB8AC3E}">
+        <p14:creationId xmlns:p14="http://schemas.microsoft.com/office/powerpoint/2010/main" val="1150083193"/>
+      </p:ext>
+    </p:extLst>
+  </p:cSld>
+  <p:clrMapOvr>
+    <a:masterClrMapping/>
+  </p:clrMapOvr>
+</p:sld>
+</file>
+
+<file path=ppt/slides/slide22.xml><?xml version="1.0" encoding="utf-8"?>
+<p:sld xmlns:a="http://schemas.openxmlformats.org/drawingml/2006/main" xmlns:r="http://schemas.openxmlformats.org/officeDocument/2006/relationships" xmlns:p="http://schemas.openxmlformats.org/presentationml/2006/main">
+  <p:cSld>
+    <p:spTree>
+      <p:nvGrpSpPr>
+        <p:cNvPr id="1" name=""/>
+        <p:cNvGrpSpPr/>
+        <p:nvPr/>
+      </p:nvGrpSpPr>
+      <p:grpSpPr>
+        <a:xfrm>
+          <a:off x="0" y="0"/>
+          <a:ext cx="0" cy="0"/>
+          <a:chOff x="0" y="0"/>
+          <a:chExt cx="0" cy="0"/>
+        </a:xfrm>
+      </p:grpSpPr>
+      <p:sp>
+        <p:nvSpPr>
           <p:cNvPr id="2" name="Title 1">
             <a:extLst>
               <a:ext uri="{FF2B5EF4-FFF2-40B4-BE49-F238E27FC236}">
@@ -15327,7 +16035,7 @@
 </p:sld>
 </file>
 
-<file path=ppt/slides/slide22.xml><?xml version="1.0" encoding="utf-8"?>
+<file path=ppt/slides/slide23.xml><?xml version="1.0" encoding="utf-8"?>
 <p:sld xmlns:a="http://schemas.openxmlformats.org/drawingml/2006/main" xmlns:r="http://schemas.openxmlformats.org/officeDocument/2006/relationships" xmlns:p="http://schemas.openxmlformats.org/presentationml/2006/main">
   <p:cSld>
     <p:spTree>
@@ -15702,7 +16410,7 @@
 </p:sld>
 </file>
 
-<file path=ppt/slides/slide23.xml><?xml version="1.0" encoding="utf-8"?>
+<file path=ppt/slides/slide24.xml><?xml version="1.0" encoding="utf-8"?>
 <p:sld xmlns:a="http://schemas.openxmlformats.org/drawingml/2006/main" xmlns:r="http://schemas.openxmlformats.org/officeDocument/2006/relationships" xmlns:p="http://schemas.openxmlformats.org/presentationml/2006/main">
   <p:cSld>
     <p:spTree>
@@ -19219,7 +19927,7 @@
                         </a:spcAft>
                       </a:pPr>
                       <a:r>
-                        <a:rPr lang="en-US" sz="1800">
+                        <a:rPr lang="en-US" sz="1800" dirty="0">
                           <a:solidFill>
                             <a:schemeClr val="tx1"/>
                           </a:solidFill>
@@ -19229,7 +19937,7 @@
                         </a:rPr>
                         <a:t>0,95</a:t>
                       </a:r>
-                      <a:endParaRPr lang="en-US" sz="1600">
+                      <a:endParaRPr lang="en-US" sz="1600" dirty="0">
                         <a:solidFill>
                           <a:schemeClr val="tx1"/>
                         </a:solidFill>
@@ -20152,7 +20860,7 @@
 </p:sld>
 </file>
 
-<file path=ppt/slides/slide24.xml><?xml version="1.0" encoding="utf-8"?>
+<file path=ppt/slides/slide25.xml><?xml version="1.0" encoding="utf-8"?>
 <p:sld xmlns:a="http://schemas.openxmlformats.org/drawingml/2006/main" xmlns:r="http://schemas.openxmlformats.org/officeDocument/2006/relationships" xmlns:p="http://schemas.openxmlformats.org/presentationml/2006/main">
   <p:cSld>
     <p:spTree>
@@ -20192,104 +20900,34 @@
           <a:p>
             <a:r>
               <a:rPr lang="en-US" dirty="0">
-                <a:latin typeface="Times New Roman" panose="02020603050405020304" pitchFamily="18" charset="0"/>
+                <a:latin typeface="+mn-lt"/>
                 <a:cs typeface="Times New Roman" panose="02020603050405020304" pitchFamily="18" charset="0"/>
               </a:rPr>
               <a:t>3. </a:t>
             </a:r>
             <a:r>
               <a:rPr lang="en-US" dirty="0" err="1">
-                <a:latin typeface="Times New Roman" panose="02020603050405020304" pitchFamily="18" charset="0"/>
-                <a:cs typeface="Times New Roman" panose="02020603050405020304" pitchFamily="18" charset="0"/>
-              </a:rPr>
-              <a:t>Mô</a:t>
-            </a:r>
-            <a:r>
-              <a:rPr lang="en-US" dirty="0">
-                <a:latin typeface="Times New Roman" panose="02020603050405020304" pitchFamily="18" charset="0"/>
-                <a:cs typeface="Times New Roman" panose="02020603050405020304" pitchFamily="18" charset="0"/>
-              </a:rPr>
-              <a:t> </a:t>
-            </a:r>
-            <a:r>
-              <a:rPr lang="en-US" dirty="0" err="1">
-                <a:latin typeface="Times New Roman" panose="02020603050405020304" pitchFamily="18" charset="0"/>
-                <a:cs typeface="Times New Roman" panose="02020603050405020304" pitchFamily="18" charset="0"/>
-              </a:rPr>
-              <a:t>hình</a:t>
-            </a:r>
-            <a:r>
-              <a:rPr lang="en-US" dirty="0">
-                <a:latin typeface="Times New Roman" panose="02020603050405020304" pitchFamily="18" charset="0"/>
-                <a:cs typeface="Times New Roman" panose="02020603050405020304" pitchFamily="18" charset="0"/>
-              </a:rPr>
-              <a:t> </a:t>
-            </a:r>
-            <a:r>
-              <a:rPr lang="en-US" dirty="0" err="1">
-                <a:latin typeface="Times New Roman" panose="02020603050405020304" pitchFamily="18" charset="0"/>
-                <a:cs typeface="Times New Roman" panose="02020603050405020304" pitchFamily="18" charset="0"/>
-              </a:rPr>
-              <a:t>và</a:t>
-            </a:r>
-            <a:r>
-              <a:rPr lang="en-US" dirty="0">
-                <a:latin typeface="Times New Roman" panose="02020603050405020304" pitchFamily="18" charset="0"/>
-                <a:cs typeface="Times New Roman" panose="02020603050405020304" pitchFamily="18" charset="0"/>
-              </a:rPr>
-              <a:t> </a:t>
-            </a:r>
-            <a:r>
-              <a:rPr lang="en-US" dirty="0" err="1">
-                <a:latin typeface="Times New Roman" panose="02020603050405020304" pitchFamily="18" charset="0"/>
+                <a:latin typeface="+mn-lt"/>
+                <a:cs typeface="Times New Roman" panose="02020603050405020304" pitchFamily="18" charset="0"/>
+              </a:rPr>
+              <a:t>Tổng</a:t>
+            </a:r>
+            <a:r>
+              <a:rPr lang="en-US" dirty="0">
+                <a:latin typeface="+mn-lt"/>
+                <a:cs typeface="Times New Roman" panose="02020603050405020304" pitchFamily="18" charset="0"/>
+              </a:rPr>
+              <a:t> </a:t>
+            </a:r>
+            <a:r>
+              <a:rPr lang="en-US" dirty="0" err="1">
+                <a:latin typeface="+mn-lt"/>
                 <a:cs typeface="Times New Roman" panose="02020603050405020304" pitchFamily="18" charset="0"/>
               </a:rPr>
               <a:t>kết</a:t>
             </a:r>
-            <a:r>
-              <a:rPr lang="en-US" dirty="0">
-                <a:latin typeface="Times New Roman" panose="02020603050405020304" pitchFamily="18" charset="0"/>
-                <a:cs typeface="Times New Roman" panose="02020603050405020304" pitchFamily="18" charset="0"/>
-              </a:rPr>
-              <a:t> </a:t>
-            </a:r>
-            <a:r>
-              <a:rPr lang="en-US" dirty="0" err="1">
-                <a:latin typeface="Times New Roman" panose="02020603050405020304" pitchFamily="18" charset="0"/>
-                <a:cs typeface="Times New Roman" panose="02020603050405020304" pitchFamily="18" charset="0"/>
-              </a:rPr>
-              <a:t>quả</a:t>
-            </a:r>
-            <a:r>
-              <a:rPr lang="en-US" dirty="0">
-                <a:latin typeface="Times New Roman" panose="02020603050405020304" pitchFamily="18" charset="0"/>
-                <a:cs typeface="Times New Roman" panose="02020603050405020304" pitchFamily="18" charset="0"/>
-              </a:rPr>
-              <a:t> </a:t>
-            </a:r>
-            <a:r>
-              <a:rPr lang="en-US" dirty="0" err="1">
-                <a:latin typeface="Times New Roman" panose="02020603050405020304" pitchFamily="18" charset="0"/>
-                <a:cs typeface="Times New Roman" panose="02020603050405020304" pitchFamily="18" charset="0"/>
-              </a:rPr>
-              <a:t>thu</a:t>
-            </a:r>
-            <a:r>
-              <a:rPr lang="en-US" dirty="0">
-                <a:latin typeface="Times New Roman" panose="02020603050405020304" pitchFamily="18" charset="0"/>
-                <a:cs typeface="Times New Roman" panose="02020603050405020304" pitchFamily="18" charset="0"/>
-              </a:rPr>
-              <a:t> </a:t>
-            </a:r>
-            <a:r>
-              <a:rPr lang="en-US" dirty="0" err="1">
-                <a:latin typeface="Times New Roman" panose="02020603050405020304" pitchFamily="18" charset="0"/>
-                <a:cs typeface="Times New Roman" panose="02020603050405020304" pitchFamily="18" charset="0"/>
-              </a:rPr>
-              <a:t>được</a:t>
-            </a:r>
             <a:endParaRPr lang="en-US" dirty="0">
-              <a:latin typeface="Times New Roman" panose="02020603050405020304" pitchFamily="18" charset="0"/>
+              <a:latin typeface="+mn-lt"/>
               <a:cs typeface="Times New Roman" panose="02020603050405020304" pitchFamily="18" charset="0"/>
             </a:endParaRPr>
           </a:p>
@@ -21812,7 +22450,7 @@
 </p:sld>
 </file>
 
-<file path=ppt/slides/slide25.xml><?xml version="1.0" encoding="utf-8"?>
+<file path=ppt/slides/slide26.xml><?xml version="1.0" encoding="utf-8"?>
 <p:sld xmlns:a="http://schemas.openxmlformats.org/drawingml/2006/main" xmlns:r="http://schemas.openxmlformats.org/officeDocument/2006/relationships" xmlns:p="http://schemas.openxmlformats.org/presentationml/2006/main">
   <p:cSld>
     <p:spTree>
@@ -23117,11 +23755,144 @@
               <a:buChar char="o"/>
             </a:pPr>
             <a:r>
-              <a:rPr lang="en-US">
-                <a:latin typeface="+mn-lt"/>
-                <a:cs typeface="Times New Roman" panose="02020603050405020304" pitchFamily="18" charset="0"/>
-              </a:rPr>
-              <a:t>Nhu cầu điều khiển từ xa các thiết bị điện</a:t>
+              <a:rPr lang="en-US" dirty="0">
+                <a:latin typeface="+mn-lt"/>
+                <a:cs typeface="Times New Roman" panose="02020603050405020304" pitchFamily="18" charset="0"/>
+              </a:rPr>
+              <a:t> </a:t>
+            </a:r>
+            <a:r>
+              <a:rPr lang="en-US" dirty="0" err="1">
+                <a:latin typeface="+mn-lt"/>
+                <a:cs typeface="Times New Roman" panose="02020603050405020304" pitchFamily="18" charset="0"/>
+              </a:rPr>
+              <a:t>Nhu</a:t>
+            </a:r>
+            <a:r>
+              <a:rPr lang="en-US" dirty="0">
+                <a:latin typeface="+mn-lt"/>
+                <a:cs typeface="Times New Roman" panose="02020603050405020304" pitchFamily="18" charset="0"/>
+              </a:rPr>
+              <a:t> </a:t>
+            </a:r>
+            <a:r>
+              <a:rPr lang="en-US" dirty="0" err="1">
+                <a:latin typeface="+mn-lt"/>
+                <a:cs typeface="Times New Roman" panose="02020603050405020304" pitchFamily="18" charset="0"/>
+              </a:rPr>
+              <a:t>cầu</a:t>
+            </a:r>
+            <a:r>
+              <a:rPr lang="en-US" dirty="0">
+                <a:latin typeface="+mn-lt"/>
+                <a:cs typeface="Times New Roman" panose="02020603050405020304" pitchFamily="18" charset="0"/>
+              </a:rPr>
+              <a:t> </a:t>
+            </a:r>
+            <a:r>
+              <a:rPr lang="en-US" dirty="0" err="1">
+                <a:latin typeface="+mn-lt"/>
+                <a:cs typeface="Times New Roman" panose="02020603050405020304" pitchFamily="18" charset="0"/>
+              </a:rPr>
+              <a:t>điều</a:t>
+            </a:r>
+            <a:r>
+              <a:rPr lang="en-US" dirty="0">
+                <a:latin typeface="+mn-lt"/>
+                <a:cs typeface="Times New Roman" panose="02020603050405020304" pitchFamily="18" charset="0"/>
+              </a:rPr>
+              <a:t> </a:t>
+            </a:r>
+            <a:r>
+              <a:rPr lang="en-US" dirty="0" err="1">
+                <a:latin typeface="+mn-lt"/>
+                <a:cs typeface="Times New Roman" panose="02020603050405020304" pitchFamily="18" charset="0"/>
+              </a:rPr>
+              <a:t>khiển</a:t>
+            </a:r>
+            <a:r>
+              <a:rPr lang="en-US" dirty="0">
+                <a:latin typeface="+mn-lt"/>
+                <a:cs typeface="Times New Roman" panose="02020603050405020304" pitchFamily="18" charset="0"/>
+              </a:rPr>
+              <a:t> </a:t>
+            </a:r>
+            <a:r>
+              <a:rPr lang="en-US" dirty="0" err="1">
+                <a:latin typeface="+mn-lt"/>
+                <a:cs typeface="Times New Roman" panose="02020603050405020304" pitchFamily="18" charset="0"/>
+              </a:rPr>
+              <a:t>từ</a:t>
+            </a:r>
+            <a:r>
+              <a:rPr lang="en-US" dirty="0">
+                <a:latin typeface="+mn-lt"/>
+                <a:cs typeface="Times New Roman" panose="02020603050405020304" pitchFamily="18" charset="0"/>
+              </a:rPr>
+              <a:t> </a:t>
+            </a:r>
+            <a:r>
+              <a:rPr lang="en-US" dirty="0" err="1">
+                <a:latin typeface="+mn-lt"/>
+                <a:cs typeface="Times New Roman" panose="02020603050405020304" pitchFamily="18" charset="0"/>
+              </a:rPr>
+              <a:t>xa</a:t>
+            </a:r>
+            <a:r>
+              <a:rPr lang="en-US" dirty="0">
+                <a:latin typeface="+mn-lt"/>
+                <a:cs typeface="Times New Roman" panose="02020603050405020304" pitchFamily="18" charset="0"/>
+              </a:rPr>
+              <a:t> </a:t>
+            </a:r>
+            <a:r>
+              <a:rPr lang="en-US" dirty="0" err="1">
+                <a:latin typeface="+mn-lt"/>
+                <a:cs typeface="Times New Roman" panose="02020603050405020304" pitchFamily="18" charset="0"/>
+              </a:rPr>
+              <a:t>các</a:t>
+            </a:r>
+            <a:r>
+              <a:rPr lang="en-US" dirty="0">
+                <a:latin typeface="+mn-lt"/>
+                <a:cs typeface="Times New Roman" panose="02020603050405020304" pitchFamily="18" charset="0"/>
+              </a:rPr>
+              <a:t> </a:t>
+            </a:r>
+            <a:r>
+              <a:rPr lang="en-US" dirty="0" err="1">
+                <a:latin typeface="+mn-lt"/>
+                <a:cs typeface="Times New Roman" panose="02020603050405020304" pitchFamily="18" charset="0"/>
+              </a:rPr>
+              <a:t>thiết</a:t>
+            </a:r>
+            <a:r>
+              <a:rPr lang="en-US" dirty="0">
+                <a:latin typeface="+mn-lt"/>
+                <a:cs typeface="Times New Roman" panose="02020603050405020304" pitchFamily="18" charset="0"/>
+              </a:rPr>
+              <a:t> </a:t>
+            </a:r>
+            <a:r>
+              <a:rPr lang="en-US" dirty="0" err="1">
+                <a:latin typeface="+mn-lt"/>
+                <a:cs typeface="Times New Roman" panose="02020603050405020304" pitchFamily="18" charset="0"/>
+              </a:rPr>
+              <a:t>bị</a:t>
+            </a:r>
+            <a:r>
+              <a:rPr lang="en-US" dirty="0">
+                <a:latin typeface="+mn-lt"/>
+                <a:cs typeface="Times New Roman" panose="02020603050405020304" pitchFamily="18" charset="0"/>
+              </a:rPr>
+              <a:t> </a:t>
+            </a:r>
+            <a:r>
+              <a:rPr lang="en-US" dirty="0" err="1">
+                <a:latin typeface="+mn-lt"/>
+                <a:cs typeface="Times New Roman" panose="02020603050405020304" pitchFamily="18" charset="0"/>
+              </a:rPr>
+              <a:t>điện</a:t>
             </a:r>
             <a:endParaRPr lang="en-US" dirty="0">
               <a:latin typeface="+mn-lt"/>
@@ -23134,18 +23905,39 @@
               <a:buChar char="o"/>
             </a:pPr>
             <a:r>
-              <a:rPr lang="en-US">
-                <a:latin typeface="+mn-lt"/>
-                <a:cs typeface="Times New Roman" panose="02020603050405020304" pitchFamily="18" charset="0"/>
-              </a:rPr>
-              <a:t>Công nghệ </a:t>
-            </a:r>
-            <a:r>
-              <a:rPr lang="en-US" dirty="0">
-                <a:latin typeface="+mn-lt"/>
-                <a:cs typeface="Times New Roman" panose="02020603050405020304" pitchFamily="18" charset="0"/>
-              </a:rPr>
-              <a:t>Internet </a:t>
+              <a:rPr lang="en-US" dirty="0">
+                <a:latin typeface="+mn-lt"/>
+                <a:cs typeface="Times New Roman" panose="02020603050405020304" pitchFamily="18" charset="0"/>
+              </a:rPr>
+              <a:t> </a:t>
+            </a:r>
+            <a:r>
+              <a:rPr lang="en-US" dirty="0" err="1">
+                <a:latin typeface="+mn-lt"/>
+                <a:cs typeface="Times New Roman" panose="02020603050405020304" pitchFamily="18" charset="0"/>
+              </a:rPr>
+              <a:t>Công</a:t>
+            </a:r>
+            <a:r>
+              <a:rPr lang="en-US" dirty="0">
+                <a:latin typeface="+mn-lt"/>
+                <a:cs typeface="Times New Roman" panose="02020603050405020304" pitchFamily="18" charset="0"/>
+              </a:rPr>
+              <a:t> </a:t>
+            </a:r>
+            <a:r>
+              <a:rPr lang="en-US" dirty="0" err="1">
+                <a:latin typeface="+mn-lt"/>
+                <a:cs typeface="Times New Roman" panose="02020603050405020304" pitchFamily="18" charset="0"/>
+              </a:rPr>
+              <a:t>nghệ</a:t>
+            </a:r>
+            <a:r>
+              <a:rPr lang="en-US" dirty="0">
+                <a:latin typeface="+mn-lt"/>
+                <a:cs typeface="Times New Roman" panose="02020603050405020304" pitchFamily="18" charset="0"/>
+              </a:rPr>
+              <a:t> Internet </a:t>
             </a:r>
             <a:r>
               <a:rPr lang="en-US" dirty="0" err="1">
@@ -23178,11 +23970,25 @@
           </a:p>
           <a:p>
             <a:r>
-              <a:rPr lang="en-US" sz="2400">
-                <a:latin typeface="+mn-lt"/>
-                <a:cs typeface="Times New Roman" panose="02020603050405020304" pitchFamily="18" charset="0"/>
-              </a:rPr>
-              <a:t>Chức năng</a:t>
+              <a:rPr lang="en-US" sz="2400" dirty="0" err="1">
+                <a:latin typeface="+mn-lt"/>
+                <a:cs typeface="Times New Roman" panose="02020603050405020304" pitchFamily="18" charset="0"/>
+              </a:rPr>
+              <a:t>Chức</a:t>
+            </a:r>
+            <a:r>
+              <a:rPr lang="en-US" sz="2400" dirty="0">
+                <a:latin typeface="+mn-lt"/>
+                <a:cs typeface="Times New Roman" panose="02020603050405020304" pitchFamily="18" charset="0"/>
+              </a:rPr>
+              <a:t> </a:t>
+            </a:r>
+            <a:r>
+              <a:rPr lang="en-US" sz="2400" dirty="0" err="1">
+                <a:latin typeface="+mn-lt"/>
+                <a:cs typeface="Times New Roman" panose="02020603050405020304" pitchFamily="18" charset="0"/>
+              </a:rPr>
+              <a:t>năng</a:t>
             </a:r>
             <a:endParaRPr lang="en-US" sz="2400" dirty="0">
               <a:latin typeface="+mn-lt"/>
@@ -23195,37 +24001,25 @@
               <a:buChar char="o"/>
             </a:pPr>
             <a:r>
-              <a:rPr lang="en-US">
-                <a:latin typeface="+mn-lt"/>
-                <a:cs typeface="Times New Roman" panose="02020603050405020304" pitchFamily="18" charset="0"/>
-              </a:rPr>
-              <a:t>Đóng cắt điện áp xoay chiều</a:t>
-            </a:r>
-          </a:p>
-          <a:p>
-            <a:pPr lvl="1">
-              <a:buFont typeface="Courier New" panose="02070309020205020404" pitchFamily="49" charset="0"/>
-              <a:buChar char="o"/>
-            </a:pPr>
-            <a:r>
-              <a:rPr lang="en-US">
-                <a:latin typeface="+mn-lt"/>
-                <a:cs typeface="Times New Roman" panose="02020603050405020304" pitchFamily="18" charset="0"/>
-              </a:rPr>
-              <a:t>4 kênh đóng cắt</a:t>
-            </a:r>
-          </a:p>
-          <a:p>
-            <a:pPr lvl="1">
-              <a:buFont typeface="Courier New" panose="02070309020205020404" pitchFamily="49" charset="0"/>
-              <a:buChar char="o"/>
-            </a:pPr>
-            <a:r>
-              <a:rPr lang="en-US">
-                <a:latin typeface="+mn-lt"/>
-                <a:cs typeface="Times New Roman" panose="02020603050405020304" pitchFamily="18" charset="0"/>
-              </a:rPr>
-              <a:t>Đóng </a:t>
+              <a:rPr lang="en-US" dirty="0">
+                <a:latin typeface="+mn-lt"/>
+                <a:cs typeface="Times New Roman" panose="02020603050405020304" pitchFamily="18" charset="0"/>
+              </a:rPr>
+              <a:t> </a:t>
+            </a:r>
+            <a:r>
+              <a:rPr lang="en-US" dirty="0" err="1">
+                <a:latin typeface="+mn-lt"/>
+                <a:cs typeface="Times New Roman" panose="02020603050405020304" pitchFamily="18" charset="0"/>
+              </a:rPr>
+              <a:t>Đóng</a:t>
+            </a:r>
+            <a:r>
+              <a:rPr lang="en-US" dirty="0">
+                <a:latin typeface="+mn-lt"/>
+                <a:cs typeface="Times New Roman" panose="02020603050405020304" pitchFamily="18" charset="0"/>
+              </a:rPr>
+              <a:t> </a:t>
             </a:r>
             <a:r>
               <a:rPr lang="en-US" dirty="0" err="1">
@@ -23246,41 +24040,49 @@
                 <a:latin typeface="+mn-lt"/>
                 <a:cs typeface="Times New Roman" panose="02020603050405020304" pitchFamily="18" charset="0"/>
               </a:rPr>
-              <a:t>từ</a:t>
-            </a:r>
-            <a:r>
-              <a:rPr lang="en-US" dirty="0">
-                <a:latin typeface="+mn-lt"/>
-                <a:cs typeface="Times New Roman" panose="02020603050405020304" pitchFamily="18" charset="0"/>
-              </a:rPr>
-              <a:t> </a:t>
-            </a:r>
-            <a:r>
-              <a:rPr lang="en-US" err="1">
-                <a:latin typeface="+mn-lt"/>
-                <a:cs typeface="Times New Roman" panose="02020603050405020304" pitchFamily="18" charset="0"/>
-              </a:rPr>
-              <a:t>xa</a:t>
-            </a:r>
-            <a:r>
-              <a:rPr lang="en-US">
-                <a:latin typeface="+mn-lt"/>
-                <a:cs typeface="Times New Roman" panose="02020603050405020304" pitchFamily="18" charset="0"/>
-              </a:rPr>
-              <a:t> sử dụng WiFi</a:t>
-            </a:r>
-          </a:p>
-          <a:p>
-            <a:pPr lvl="1">
-              <a:buFont typeface="Courier New" panose="02070309020205020404" pitchFamily="49" charset="0"/>
-              <a:buChar char="o"/>
-            </a:pPr>
-            <a:r>
-              <a:rPr lang="en-US">
-                <a:latin typeface="+mn-lt"/>
-                <a:cs typeface="Times New Roman" panose="02020603050405020304" pitchFamily="18" charset="0"/>
-              </a:rPr>
-              <a:t>Hẹn giờ tắt thiết bị</a:t>
+              <a:t>điện</a:t>
+            </a:r>
+            <a:r>
+              <a:rPr lang="en-US" dirty="0">
+                <a:latin typeface="+mn-lt"/>
+                <a:cs typeface="Times New Roman" panose="02020603050405020304" pitchFamily="18" charset="0"/>
+              </a:rPr>
+              <a:t> </a:t>
+            </a:r>
+            <a:r>
+              <a:rPr lang="en-US" dirty="0" err="1">
+                <a:latin typeface="+mn-lt"/>
+                <a:cs typeface="Times New Roman" panose="02020603050405020304" pitchFamily="18" charset="0"/>
+              </a:rPr>
+              <a:t>áp</a:t>
+            </a:r>
+            <a:r>
+              <a:rPr lang="en-US" dirty="0">
+                <a:latin typeface="+mn-lt"/>
+                <a:cs typeface="Times New Roman" panose="02020603050405020304" pitchFamily="18" charset="0"/>
+              </a:rPr>
+              <a:t> </a:t>
+            </a:r>
+            <a:r>
+              <a:rPr lang="en-US" dirty="0" err="1">
+                <a:latin typeface="+mn-lt"/>
+                <a:cs typeface="Times New Roman" panose="02020603050405020304" pitchFamily="18" charset="0"/>
+              </a:rPr>
+              <a:t>xoay</a:t>
+            </a:r>
+            <a:r>
+              <a:rPr lang="en-US" dirty="0">
+                <a:latin typeface="+mn-lt"/>
+                <a:cs typeface="Times New Roman" panose="02020603050405020304" pitchFamily="18" charset="0"/>
+              </a:rPr>
+              <a:t> </a:t>
+            </a:r>
+            <a:r>
+              <a:rPr lang="en-US" dirty="0" err="1">
+                <a:latin typeface="+mn-lt"/>
+                <a:cs typeface="Times New Roman" panose="02020603050405020304" pitchFamily="18" charset="0"/>
+              </a:rPr>
+              <a:t>chiều</a:t>
             </a:r>
             <a:endParaRPr lang="en-US" dirty="0">
               <a:latin typeface="+mn-lt"/>
@@ -23293,11 +24095,251 @@
               <a:buChar char="o"/>
             </a:pPr>
             <a:r>
-              <a:rPr lang="en-US">
-                <a:latin typeface="+mn-lt"/>
-                <a:cs typeface="Times New Roman" panose="02020603050405020304" pitchFamily="18" charset="0"/>
-              </a:rPr>
-              <a:t>Giao </a:t>
+              <a:rPr lang="en-US" dirty="0">
+                <a:latin typeface="+mn-lt"/>
+                <a:cs typeface="Times New Roman" panose="02020603050405020304" pitchFamily="18" charset="0"/>
+              </a:rPr>
+              <a:t> 4 </a:t>
+            </a:r>
+            <a:r>
+              <a:rPr lang="en-US" dirty="0" err="1">
+                <a:latin typeface="+mn-lt"/>
+                <a:cs typeface="Times New Roman" panose="02020603050405020304" pitchFamily="18" charset="0"/>
+              </a:rPr>
+              <a:t>kênh</a:t>
+            </a:r>
+            <a:r>
+              <a:rPr lang="en-US" dirty="0">
+                <a:latin typeface="+mn-lt"/>
+                <a:cs typeface="Times New Roman" panose="02020603050405020304" pitchFamily="18" charset="0"/>
+              </a:rPr>
+              <a:t> </a:t>
+            </a:r>
+            <a:r>
+              <a:rPr lang="en-US" dirty="0" err="1">
+                <a:latin typeface="+mn-lt"/>
+                <a:cs typeface="Times New Roman" panose="02020603050405020304" pitchFamily="18" charset="0"/>
+              </a:rPr>
+              <a:t>đóng</a:t>
+            </a:r>
+            <a:r>
+              <a:rPr lang="en-US" dirty="0">
+                <a:latin typeface="+mn-lt"/>
+                <a:cs typeface="Times New Roman" panose="02020603050405020304" pitchFamily="18" charset="0"/>
+              </a:rPr>
+              <a:t> </a:t>
+            </a:r>
+            <a:r>
+              <a:rPr lang="en-US" dirty="0" err="1">
+                <a:latin typeface="+mn-lt"/>
+                <a:cs typeface="Times New Roman" panose="02020603050405020304" pitchFamily="18" charset="0"/>
+              </a:rPr>
+              <a:t>cắt</a:t>
+            </a:r>
+            <a:endParaRPr lang="en-US" dirty="0">
+              <a:latin typeface="+mn-lt"/>
+              <a:cs typeface="Times New Roman" panose="02020603050405020304" pitchFamily="18" charset="0"/>
+            </a:endParaRPr>
+          </a:p>
+          <a:p>
+            <a:pPr lvl="1">
+              <a:buFont typeface="Courier New" panose="02070309020205020404" pitchFamily="49" charset="0"/>
+              <a:buChar char="o"/>
+            </a:pPr>
+            <a:r>
+              <a:rPr lang="en-US" dirty="0">
+                <a:latin typeface="+mn-lt"/>
+                <a:cs typeface="Times New Roman" panose="02020603050405020304" pitchFamily="18" charset="0"/>
+              </a:rPr>
+              <a:t> </a:t>
+            </a:r>
+            <a:r>
+              <a:rPr lang="en-US" dirty="0" err="1">
+                <a:latin typeface="+mn-lt"/>
+                <a:cs typeface="Times New Roman" panose="02020603050405020304" pitchFamily="18" charset="0"/>
+              </a:rPr>
+              <a:t>Đóng</a:t>
+            </a:r>
+            <a:r>
+              <a:rPr lang="en-US" dirty="0">
+                <a:latin typeface="+mn-lt"/>
+                <a:cs typeface="Times New Roman" panose="02020603050405020304" pitchFamily="18" charset="0"/>
+              </a:rPr>
+              <a:t> </a:t>
+            </a:r>
+            <a:r>
+              <a:rPr lang="en-US" dirty="0" err="1">
+                <a:latin typeface="+mn-lt"/>
+                <a:cs typeface="Times New Roman" panose="02020603050405020304" pitchFamily="18" charset="0"/>
+              </a:rPr>
+              <a:t>cắt</a:t>
+            </a:r>
+            <a:r>
+              <a:rPr lang="en-US" dirty="0">
+                <a:latin typeface="+mn-lt"/>
+                <a:cs typeface="Times New Roman" panose="02020603050405020304" pitchFamily="18" charset="0"/>
+              </a:rPr>
+              <a:t> </a:t>
+            </a:r>
+            <a:r>
+              <a:rPr lang="en-US" dirty="0" err="1">
+                <a:latin typeface="+mn-lt"/>
+                <a:cs typeface="Times New Roman" panose="02020603050405020304" pitchFamily="18" charset="0"/>
+              </a:rPr>
+              <a:t>từ</a:t>
+            </a:r>
+            <a:r>
+              <a:rPr lang="en-US" dirty="0">
+                <a:latin typeface="+mn-lt"/>
+                <a:cs typeface="Times New Roman" panose="02020603050405020304" pitchFamily="18" charset="0"/>
+              </a:rPr>
+              <a:t> </a:t>
+            </a:r>
+            <a:r>
+              <a:rPr lang="en-US" dirty="0" err="1">
+                <a:latin typeface="+mn-lt"/>
+                <a:cs typeface="Times New Roman" panose="02020603050405020304" pitchFamily="18" charset="0"/>
+              </a:rPr>
+              <a:t>xa</a:t>
+            </a:r>
+            <a:r>
+              <a:rPr lang="en-US" dirty="0">
+                <a:latin typeface="+mn-lt"/>
+                <a:cs typeface="Times New Roman" panose="02020603050405020304" pitchFamily="18" charset="0"/>
+              </a:rPr>
+              <a:t> </a:t>
+            </a:r>
+            <a:r>
+              <a:rPr lang="en-US" dirty="0" err="1">
+                <a:latin typeface="+mn-lt"/>
+                <a:cs typeface="Times New Roman" panose="02020603050405020304" pitchFamily="18" charset="0"/>
+              </a:rPr>
+              <a:t>sử</a:t>
+            </a:r>
+            <a:r>
+              <a:rPr lang="en-US" dirty="0">
+                <a:latin typeface="+mn-lt"/>
+                <a:cs typeface="Times New Roman" panose="02020603050405020304" pitchFamily="18" charset="0"/>
+              </a:rPr>
+              <a:t> </a:t>
+            </a:r>
+            <a:r>
+              <a:rPr lang="en-US" dirty="0" err="1">
+                <a:latin typeface="+mn-lt"/>
+                <a:cs typeface="Times New Roman" panose="02020603050405020304" pitchFamily="18" charset="0"/>
+              </a:rPr>
+              <a:t>dụng</a:t>
+            </a:r>
+            <a:r>
+              <a:rPr lang="en-US" dirty="0">
+                <a:latin typeface="+mn-lt"/>
+                <a:cs typeface="Times New Roman" panose="02020603050405020304" pitchFamily="18" charset="0"/>
+              </a:rPr>
+              <a:t> </a:t>
+            </a:r>
+            <a:r>
+              <a:rPr lang="en-US" dirty="0" err="1">
+                <a:latin typeface="+mn-lt"/>
+                <a:cs typeface="Times New Roman" panose="02020603050405020304" pitchFamily="18" charset="0"/>
+              </a:rPr>
+              <a:t>WiFi</a:t>
+            </a:r>
+            <a:endParaRPr lang="en-US" dirty="0">
+              <a:latin typeface="+mn-lt"/>
+              <a:cs typeface="Times New Roman" panose="02020603050405020304" pitchFamily="18" charset="0"/>
+            </a:endParaRPr>
+          </a:p>
+          <a:p>
+            <a:pPr lvl="1">
+              <a:buFont typeface="Courier New" panose="02070309020205020404" pitchFamily="49" charset="0"/>
+              <a:buChar char="o"/>
+            </a:pPr>
+            <a:r>
+              <a:rPr lang="en-US" dirty="0">
+                <a:latin typeface="+mn-lt"/>
+                <a:cs typeface="Times New Roman" panose="02020603050405020304" pitchFamily="18" charset="0"/>
+              </a:rPr>
+              <a:t> </a:t>
+            </a:r>
+            <a:r>
+              <a:rPr lang="en-US" dirty="0" err="1">
+                <a:latin typeface="+mn-lt"/>
+                <a:cs typeface="Times New Roman" panose="02020603050405020304" pitchFamily="18" charset="0"/>
+              </a:rPr>
+              <a:t>Hẹn</a:t>
+            </a:r>
+            <a:r>
+              <a:rPr lang="en-US" dirty="0">
+                <a:latin typeface="+mn-lt"/>
+                <a:cs typeface="Times New Roman" panose="02020603050405020304" pitchFamily="18" charset="0"/>
+              </a:rPr>
+              <a:t> </a:t>
+            </a:r>
+            <a:r>
+              <a:rPr lang="en-US" dirty="0" err="1">
+                <a:latin typeface="+mn-lt"/>
+                <a:cs typeface="Times New Roman" panose="02020603050405020304" pitchFamily="18" charset="0"/>
+              </a:rPr>
+              <a:t>giờ</a:t>
+            </a:r>
+            <a:r>
+              <a:rPr lang="en-US" dirty="0">
+                <a:latin typeface="+mn-lt"/>
+                <a:cs typeface="Times New Roman" panose="02020603050405020304" pitchFamily="18" charset="0"/>
+              </a:rPr>
+              <a:t> </a:t>
+            </a:r>
+            <a:r>
+              <a:rPr lang="en-US" dirty="0" err="1">
+                <a:latin typeface="+mn-lt"/>
+                <a:cs typeface="Times New Roman" panose="02020603050405020304" pitchFamily="18" charset="0"/>
+              </a:rPr>
+              <a:t>tắt</a:t>
+            </a:r>
+            <a:r>
+              <a:rPr lang="en-US" dirty="0">
+                <a:latin typeface="+mn-lt"/>
+                <a:cs typeface="Times New Roman" panose="02020603050405020304" pitchFamily="18" charset="0"/>
+              </a:rPr>
+              <a:t> </a:t>
+            </a:r>
+            <a:r>
+              <a:rPr lang="en-US" dirty="0" err="1">
+                <a:latin typeface="+mn-lt"/>
+                <a:cs typeface="Times New Roman" panose="02020603050405020304" pitchFamily="18" charset="0"/>
+              </a:rPr>
+              <a:t>thiết</a:t>
+            </a:r>
+            <a:r>
+              <a:rPr lang="en-US" dirty="0">
+                <a:latin typeface="+mn-lt"/>
+                <a:cs typeface="Times New Roman" panose="02020603050405020304" pitchFamily="18" charset="0"/>
+              </a:rPr>
+              <a:t> </a:t>
+            </a:r>
+            <a:r>
+              <a:rPr lang="en-US" dirty="0" err="1">
+                <a:latin typeface="+mn-lt"/>
+                <a:cs typeface="Times New Roman" panose="02020603050405020304" pitchFamily="18" charset="0"/>
+              </a:rPr>
+              <a:t>bị</a:t>
+            </a:r>
+            <a:endParaRPr lang="en-US" dirty="0">
+              <a:latin typeface="+mn-lt"/>
+              <a:cs typeface="Times New Roman" panose="02020603050405020304" pitchFamily="18" charset="0"/>
+            </a:endParaRPr>
+          </a:p>
+          <a:p>
+            <a:pPr lvl="1">
+              <a:buFont typeface="Courier New" panose="02070309020205020404" pitchFamily="49" charset="0"/>
+              <a:buChar char="o"/>
+            </a:pPr>
+            <a:r>
+              <a:rPr lang="en-US" dirty="0">
+                <a:latin typeface="+mn-lt"/>
+                <a:cs typeface="Times New Roman" panose="02020603050405020304" pitchFamily="18" charset="0"/>
+              </a:rPr>
+              <a:t> Giao </a:t>
             </a:r>
             <a:r>
               <a:rPr lang="en-US" dirty="0" err="1">
@@ -23895,6 +24937,81 @@
             </a:endParaRPr>
           </a:p>
           <a:p>
+            <a:r>
+              <a:rPr lang="en-US" dirty="0">
+                <a:latin typeface="+mn-lt"/>
+                <a:cs typeface="Times New Roman" panose="02020603050405020304" pitchFamily="18" charset="0"/>
+              </a:rPr>
+              <a:t>Giao </a:t>
+            </a:r>
+            <a:r>
+              <a:rPr lang="en-US" dirty="0" err="1">
+                <a:latin typeface="+mn-lt"/>
+                <a:cs typeface="Times New Roman" panose="02020603050405020304" pitchFamily="18" charset="0"/>
+              </a:rPr>
+              <a:t>thức</a:t>
+            </a:r>
+            <a:r>
+              <a:rPr lang="en-US" dirty="0">
+                <a:latin typeface="+mn-lt"/>
+                <a:cs typeface="Times New Roman" panose="02020603050405020304" pitchFamily="18" charset="0"/>
+              </a:rPr>
+              <a:t> MQTT</a:t>
+            </a:r>
+          </a:p>
+          <a:p>
+            <a:r>
+              <a:rPr lang="en-US" dirty="0">
+                <a:latin typeface="+mn-lt"/>
+                <a:cs typeface="Times New Roman" panose="02020603050405020304" pitchFamily="18" charset="0"/>
+              </a:rPr>
+              <a:t>ESP8266</a:t>
+            </a:r>
+          </a:p>
+          <a:p>
+            <a:r>
+              <a:rPr lang="en-US" dirty="0" err="1">
+                <a:latin typeface="+mn-lt"/>
+                <a:cs typeface="Times New Roman" panose="02020603050405020304" pitchFamily="18" charset="0"/>
+              </a:rPr>
+              <a:t>Triac</a:t>
+            </a:r>
+            <a:endParaRPr lang="en-US" dirty="0">
+              <a:latin typeface="+mn-lt"/>
+              <a:cs typeface="Times New Roman" panose="02020603050405020304" pitchFamily="18" charset="0"/>
+            </a:endParaRPr>
+          </a:p>
+          <a:p>
+            <a:r>
+              <a:rPr lang="en-US" dirty="0" err="1">
+                <a:latin typeface="+mn-lt"/>
+                <a:cs typeface="Times New Roman" panose="02020603050405020304" pitchFamily="18" charset="0"/>
+              </a:rPr>
+              <a:t>Kivy</a:t>
+            </a:r>
+            <a:r>
+              <a:rPr lang="en-US" dirty="0">
+                <a:latin typeface="+mn-lt"/>
+                <a:cs typeface="Times New Roman" panose="02020603050405020304" pitchFamily="18" charset="0"/>
+              </a:rPr>
+              <a:t> </a:t>
+            </a:r>
+            <a:r>
+              <a:rPr lang="en-US" dirty="0" err="1">
+                <a:latin typeface="+mn-lt"/>
+                <a:cs typeface="Times New Roman" panose="02020603050405020304" pitchFamily="18" charset="0"/>
+              </a:rPr>
+              <a:t>và</a:t>
+            </a:r>
+            <a:r>
+              <a:rPr lang="en-US" dirty="0">
+                <a:latin typeface="+mn-lt"/>
+                <a:cs typeface="Times New Roman" panose="02020603050405020304" pitchFamily="18" charset="0"/>
+              </a:rPr>
+              <a:t> Python</a:t>
+            </a:r>
+          </a:p>
+          <a:p>
             <a:pPr marL="0" indent="0">
               <a:buNone/>
             </a:pPr>
@@ -24166,7 +25283,7 @@
         </p:blipFill>
         <p:spPr>
           <a:xfrm>
-            <a:off x="1995964" y="1313166"/>
+            <a:off x="3653192" y="1007773"/>
             <a:ext cx="8200072" cy="4832644"/>
           </a:xfrm>
           <a:prstGeom prst="rect">
@@ -24223,6 +25340,593 @@
         <p:spPr>
           <a:xfrm>
             <a:off x="338736" y="1058844"/>
+            <a:ext cx="4866310" cy="4909124"/>
+          </a:xfrm>
+        </p:spPr>
+        <p:txBody>
+          <a:bodyPr/>
+          <a:lstStyle/>
+          <a:p>
+            <a:pPr marL="0" indent="0">
+              <a:buNone/>
+            </a:pPr>
+            <a:r>
+              <a:rPr lang="en-US">
+                <a:latin typeface="+mn-lt"/>
+                <a:cs typeface="Times New Roman" panose="02020603050405020304" pitchFamily="18" charset="0"/>
+              </a:rPr>
+              <a:t>Giao </a:t>
+            </a:r>
+            <a:r>
+              <a:rPr lang="en-US" dirty="0" err="1">
+                <a:latin typeface="+mn-lt"/>
+                <a:cs typeface="Times New Roman" panose="02020603050405020304" pitchFamily="18" charset="0"/>
+              </a:rPr>
+              <a:t>thức</a:t>
+            </a:r>
+            <a:r>
+              <a:rPr lang="en-US" dirty="0">
+                <a:latin typeface="+mn-lt"/>
+                <a:cs typeface="Times New Roman" panose="02020603050405020304" pitchFamily="18" charset="0"/>
+              </a:rPr>
+              <a:t> MQTT:</a:t>
+            </a:r>
+          </a:p>
+          <a:p>
+            <a:r>
+              <a:rPr lang="en-US" dirty="0" err="1">
+                <a:latin typeface="+mn-lt"/>
+                <a:cs typeface="Times New Roman" panose="02020603050405020304" pitchFamily="18" charset="0"/>
+              </a:rPr>
+              <a:t>Mô</a:t>
+            </a:r>
+            <a:r>
+              <a:rPr lang="en-US" dirty="0">
+                <a:latin typeface="+mn-lt"/>
+                <a:cs typeface="Times New Roman" panose="02020603050405020304" pitchFamily="18" charset="0"/>
+              </a:rPr>
+              <a:t> </a:t>
+            </a:r>
+            <a:r>
+              <a:rPr lang="en-US" dirty="0" err="1">
+                <a:latin typeface="+mn-lt"/>
+                <a:cs typeface="Times New Roman" panose="02020603050405020304" pitchFamily="18" charset="0"/>
+              </a:rPr>
+              <a:t>hình</a:t>
+            </a:r>
+            <a:r>
+              <a:rPr lang="en-US" dirty="0">
+                <a:latin typeface="+mn-lt"/>
+                <a:cs typeface="Times New Roman" panose="02020603050405020304" pitchFamily="18" charset="0"/>
+              </a:rPr>
+              <a:t> </a:t>
+            </a:r>
+            <a:r>
+              <a:rPr lang="en-US" dirty="0" err="1">
+                <a:latin typeface="+mn-lt"/>
+                <a:cs typeface="Times New Roman" panose="02020603050405020304" pitchFamily="18" charset="0"/>
+              </a:rPr>
+              <a:t>Máy</a:t>
+            </a:r>
+            <a:r>
+              <a:rPr lang="en-US" dirty="0">
+                <a:latin typeface="+mn-lt"/>
+                <a:cs typeface="Times New Roman" panose="02020603050405020304" pitchFamily="18" charset="0"/>
+              </a:rPr>
+              <a:t> </a:t>
+            </a:r>
+            <a:r>
+              <a:rPr lang="en-US" dirty="0" err="1">
+                <a:latin typeface="+mn-lt"/>
+                <a:cs typeface="Times New Roman" panose="02020603050405020304" pitchFamily="18" charset="0"/>
+              </a:rPr>
+              <a:t>chủ</a:t>
+            </a:r>
+            <a:r>
+              <a:rPr lang="en-US" dirty="0">
+                <a:latin typeface="+mn-lt"/>
+                <a:cs typeface="Times New Roman" panose="02020603050405020304" pitchFamily="18" charset="0"/>
+              </a:rPr>
+              <a:t>/</a:t>
+            </a:r>
+            <a:r>
+              <a:rPr lang="en-US" dirty="0" err="1">
+                <a:latin typeface="+mn-lt"/>
+                <a:cs typeface="Times New Roman" panose="02020603050405020304" pitchFamily="18" charset="0"/>
+              </a:rPr>
+              <a:t>Máy</a:t>
+            </a:r>
+            <a:r>
+              <a:rPr lang="en-US" dirty="0">
+                <a:latin typeface="+mn-lt"/>
+                <a:cs typeface="Times New Roman" panose="02020603050405020304" pitchFamily="18" charset="0"/>
+              </a:rPr>
+              <a:t> </a:t>
+            </a:r>
+            <a:r>
+              <a:rPr lang="en-US" dirty="0" err="1">
+                <a:latin typeface="+mn-lt"/>
+                <a:cs typeface="Times New Roman" panose="02020603050405020304" pitchFamily="18" charset="0"/>
+              </a:rPr>
+              <a:t>khách</a:t>
+            </a:r>
+            <a:endParaRPr lang="en-US" dirty="0">
+              <a:latin typeface="+mn-lt"/>
+              <a:cs typeface="Times New Roman" panose="02020603050405020304" pitchFamily="18" charset="0"/>
+            </a:endParaRPr>
+          </a:p>
+          <a:p>
+            <a:r>
+              <a:rPr lang="en-US" dirty="0">
+                <a:latin typeface="+mn-lt"/>
+                <a:cs typeface="Times New Roman" panose="02020603050405020304" pitchFamily="18" charset="0"/>
+              </a:rPr>
+              <a:t>Topic (</a:t>
+            </a:r>
+            <a:r>
+              <a:rPr lang="en-US" dirty="0" err="1">
+                <a:latin typeface="+mn-lt"/>
+                <a:cs typeface="Times New Roman" panose="02020603050405020304" pitchFamily="18" charset="0"/>
+              </a:rPr>
+              <a:t>Chủ</a:t>
+            </a:r>
+            <a:r>
+              <a:rPr lang="en-US" dirty="0">
+                <a:latin typeface="+mn-lt"/>
+                <a:cs typeface="Times New Roman" panose="02020603050405020304" pitchFamily="18" charset="0"/>
+              </a:rPr>
+              <a:t> </a:t>
+            </a:r>
+            <a:r>
+              <a:rPr lang="en-US" err="1">
+                <a:latin typeface="+mn-lt"/>
+                <a:cs typeface="Times New Roman" panose="02020603050405020304" pitchFamily="18" charset="0"/>
+              </a:rPr>
+              <a:t>đề</a:t>
+            </a:r>
+            <a:r>
+              <a:rPr lang="en-US">
+                <a:latin typeface="+mn-lt"/>
+                <a:cs typeface="Times New Roman" panose="02020603050405020304" pitchFamily="18" charset="0"/>
+              </a:rPr>
+              <a:t>) </a:t>
+            </a:r>
+            <a:r>
+              <a:rPr lang="en-US" dirty="0" err="1">
+                <a:latin typeface="+mn-lt"/>
+                <a:cs typeface="Times New Roman" panose="02020603050405020304" pitchFamily="18" charset="0"/>
+              </a:rPr>
+              <a:t>trong</a:t>
+            </a:r>
+            <a:r>
+              <a:rPr lang="en-US" dirty="0">
+                <a:latin typeface="+mn-lt"/>
+                <a:cs typeface="Times New Roman" panose="02020603050405020304" pitchFamily="18" charset="0"/>
+              </a:rPr>
+              <a:t> MQTT</a:t>
+            </a:r>
+          </a:p>
+          <a:p>
+            <a:r>
+              <a:rPr lang="en-US" dirty="0" err="1">
+                <a:latin typeface="+mn-lt"/>
+                <a:cs typeface="Times New Roman" panose="02020603050405020304" pitchFamily="18" charset="0"/>
+              </a:rPr>
+              <a:t>Cơ</a:t>
+            </a:r>
+            <a:r>
+              <a:rPr lang="en-US" dirty="0">
+                <a:latin typeface="+mn-lt"/>
+                <a:cs typeface="Times New Roman" panose="02020603050405020304" pitchFamily="18" charset="0"/>
+              </a:rPr>
+              <a:t> </a:t>
+            </a:r>
+            <a:r>
+              <a:rPr lang="en-US" dirty="0" err="1">
+                <a:latin typeface="+mn-lt"/>
+                <a:cs typeface="Times New Roman" panose="02020603050405020304" pitchFamily="18" charset="0"/>
+              </a:rPr>
+              <a:t>chế</a:t>
+            </a:r>
+            <a:r>
+              <a:rPr lang="en-US" dirty="0">
+                <a:latin typeface="+mn-lt"/>
+                <a:cs typeface="Times New Roman" panose="02020603050405020304" pitchFamily="18" charset="0"/>
+              </a:rPr>
+              <a:t> </a:t>
+            </a:r>
+            <a:r>
+              <a:rPr lang="en-US" dirty="0" err="1">
+                <a:latin typeface="+mn-lt"/>
+                <a:cs typeface="Times New Roman" panose="02020603050405020304" pitchFamily="18" charset="0"/>
+              </a:rPr>
+              <a:t>Xuất</a:t>
+            </a:r>
+            <a:r>
+              <a:rPr lang="en-US" dirty="0">
+                <a:latin typeface="+mn-lt"/>
+                <a:cs typeface="Times New Roman" panose="02020603050405020304" pitchFamily="18" charset="0"/>
+              </a:rPr>
+              <a:t> </a:t>
+            </a:r>
+            <a:r>
+              <a:rPr lang="en-US" dirty="0" err="1">
+                <a:latin typeface="+mn-lt"/>
+                <a:cs typeface="Times New Roman" panose="02020603050405020304" pitchFamily="18" charset="0"/>
+              </a:rPr>
+              <a:t>bản</a:t>
+            </a:r>
+            <a:r>
+              <a:rPr lang="en-US" dirty="0">
+                <a:latin typeface="+mn-lt"/>
+                <a:cs typeface="Times New Roman" panose="02020603050405020304" pitchFamily="18" charset="0"/>
+              </a:rPr>
+              <a:t>/</a:t>
+            </a:r>
+            <a:r>
+              <a:rPr lang="en-US" dirty="0" err="1">
+                <a:latin typeface="+mn-lt"/>
+                <a:cs typeface="Times New Roman" panose="02020603050405020304" pitchFamily="18" charset="0"/>
+              </a:rPr>
+              <a:t>Đăng</a:t>
+            </a:r>
+            <a:r>
+              <a:rPr lang="en-US" dirty="0">
+                <a:latin typeface="+mn-lt"/>
+                <a:cs typeface="Times New Roman" panose="02020603050405020304" pitchFamily="18" charset="0"/>
+              </a:rPr>
+              <a:t> </a:t>
+            </a:r>
+            <a:r>
+              <a:rPr lang="en-US" dirty="0" err="1">
+                <a:latin typeface="+mn-lt"/>
+                <a:cs typeface="Times New Roman" panose="02020603050405020304" pitchFamily="18" charset="0"/>
+              </a:rPr>
+              <a:t>kí</a:t>
+            </a:r>
+            <a:endParaRPr lang="en-US" dirty="0">
+              <a:latin typeface="+mn-lt"/>
+              <a:cs typeface="Times New Roman" panose="02020603050405020304" pitchFamily="18" charset="0"/>
+            </a:endParaRPr>
+          </a:p>
+          <a:p>
+            <a:pPr marL="457200" lvl="1" indent="0">
+              <a:buNone/>
+            </a:pPr>
+            <a:endParaRPr lang="en-US" dirty="0">
+              <a:latin typeface="Times New Roman" panose="02020603050405020304" pitchFamily="18" charset="0"/>
+              <a:cs typeface="Times New Roman" panose="02020603050405020304" pitchFamily="18" charset="0"/>
+            </a:endParaRPr>
+          </a:p>
+          <a:p>
+            <a:pPr marL="0" indent="0">
+              <a:buNone/>
+            </a:pPr>
+            <a:endParaRPr lang="vi-VN" dirty="0">
+              <a:latin typeface="Times New Roman" panose="02020603050405020304" pitchFamily="18" charset="0"/>
+              <a:cs typeface="Times New Roman" panose="02020603050405020304" pitchFamily="18" charset="0"/>
+            </a:endParaRPr>
+          </a:p>
+        </p:txBody>
+      </p:sp>
+      <p:sp>
+        <p:nvSpPr>
+          <p:cNvPr id="4" name="Title 3">
+            <a:extLst>
+              <a:ext uri="{FF2B5EF4-FFF2-40B4-BE49-F238E27FC236}">
+                <a16:creationId xmlns:a16="http://schemas.microsoft.com/office/drawing/2014/main" id="{52E18D06-2298-4C20-BF3D-F4536777C955}"/>
+              </a:ext>
+            </a:extLst>
+          </p:cNvPr>
+          <p:cNvSpPr>
+            <a:spLocks noGrp="1"/>
+          </p:cNvSpPr>
+          <p:nvPr>
+            <p:ph type="title"/>
+          </p:nvPr>
+        </p:nvSpPr>
+        <p:spPr/>
+        <p:txBody>
+          <a:bodyPr/>
+          <a:lstStyle/>
+          <a:p>
+            <a:r>
+              <a:rPr lang="en-US">
+                <a:latin typeface="+mn-lt"/>
+                <a:cs typeface="Times New Roman" panose="02020603050405020304" pitchFamily="18" charset="0"/>
+              </a:rPr>
+              <a:t>2. Phân tích và thiết kế</a:t>
+            </a:r>
+          </a:p>
+        </p:txBody>
+      </p:sp>
+      <p:sp>
+        <p:nvSpPr>
+          <p:cNvPr id="7" name="Text Placeholder 2">
+            <a:extLst>
+              <a:ext uri="{FF2B5EF4-FFF2-40B4-BE49-F238E27FC236}">
+                <a16:creationId xmlns:a16="http://schemas.microsoft.com/office/drawing/2014/main" id="{54E960BC-BF19-40CA-A3C9-CDB1467EA5E2}"/>
+              </a:ext>
+            </a:extLst>
+          </p:cNvPr>
+          <p:cNvSpPr txBox="1">
+            <a:spLocks/>
+          </p:cNvSpPr>
+          <p:nvPr/>
+        </p:nvSpPr>
+        <p:spPr>
+          <a:xfrm>
+            <a:off x="11240542" y="5967968"/>
+            <a:ext cx="612722" cy="436098"/>
+          </a:xfrm>
+          <a:prstGeom prst="rect">
+            <a:avLst/>
+          </a:prstGeom>
+        </p:spPr>
+        <p:txBody>
+          <a:bodyPr/>
+          <a:lstStyle>
+            <a:lvl1pPr marL="228600" indent="-228600" algn="l" defTabSz="914400" rtl="0" eaLnBrk="1" latinLnBrk="0" hangingPunct="1">
+              <a:lnSpc>
+                <a:spcPct val="90000"/>
+              </a:lnSpc>
+              <a:spcBef>
+                <a:spcPts val="1000"/>
+              </a:spcBef>
+              <a:buFont typeface="Arial" panose="020B0604020202020204" pitchFamily="34" charset="0"/>
+              <a:buChar char="•"/>
+              <a:defRPr sz="2800" kern="1200">
+                <a:solidFill>
+                  <a:schemeClr val="tx1"/>
+                </a:solidFill>
+                <a:latin typeface="Lato" panose="020F0502020204030203" pitchFamily="34" charset="0"/>
+                <a:ea typeface="Lato" panose="020F0502020204030203" pitchFamily="34" charset="0"/>
+                <a:cs typeface="Lato" panose="020F0502020204030203" pitchFamily="34" charset="0"/>
+              </a:defRPr>
+            </a:lvl1pPr>
+            <a:lvl2pPr marL="685800" indent="-228600" algn="l" defTabSz="914400" rtl="0" eaLnBrk="1" latinLnBrk="0" hangingPunct="1">
+              <a:lnSpc>
+                <a:spcPct val="90000"/>
+              </a:lnSpc>
+              <a:spcBef>
+                <a:spcPts val="500"/>
+              </a:spcBef>
+              <a:buFont typeface="Arial" panose="020B0604020202020204" pitchFamily="34" charset="0"/>
+              <a:buChar char="•"/>
+              <a:defRPr sz="2400" kern="1200">
+                <a:solidFill>
+                  <a:schemeClr val="tx1"/>
+                </a:solidFill>
+                <a:latin typeface="Lato" panose="020F0502020204030203" pitchFamily="34" charset="0"/>
+                <a:ea typeface="Lato" panose="020F0502020204030203" pitchFamily="34" charset="0"/>
+                <a:cs typeface="Lato" panose="020F0502020204030203" pitchFamily="34" charset="0"/>
+              </a:defRPr>
+            </a:lvl2pPr>
+            <a:lvl3pPr marL="1143000" indent="-228600" algn="l" defTabSz="914400" rtl="0" eaLnBrk="1" latinLnBrk="0" hangingPunct="1">
+              <a:lnSpc>
+                <a:spcPct val="90000"/>
+              </a:lnSpc>
+              <a:spcBef>
+                <a:spcPts val="500"/>
+              </a:spcBef>
+              <a:buFont typeface="Arial" panose="020B0604020202020204" pitchFamily="34" charset="0"/>
+              <a:buChar char="•"/>
+              <a:defRPr sz="2000" kern="1200">
+                <a:solidFill>
+                  <a:schemeClr val="tx1"/>
+                </a:solidFill>
+                <a:latin typeface="Lato" panose="020F0502020204030203" pitchFamily="34" charset="0"/>
+                <a:ea typeface="Lato" panose="020F0502020204030203" pitchFamily="34" charset="0"/>
+                <a:cs typeface="Lato" panose="020F0502020204030203" pitchFamily="34" charset="0"/>
+              </a:defRPr>
+            </a:lvl3pPr>
+            <a:lvl4pPr marL="1600200" indent="-228600" algn="l" defTabSz="914400" rtl="0" eaLnBrk="1" latinLnBrk="0" hangingPunct="1">
+              <a:lnSpc>
+                <a:spcPct val="90000"/>
+              </a:lnSpc>
+              <a:spcBef>
+                <a:spcPts val="500"/>
+              </a:spcBef>
+              <a:buFont typeface="Arial" panose="020B0604020202020204" pitchFamily="34" charset="0"/>
+              <a:buChar char="•"/>
+              <a:defRPr sz="1800" kern="1200">
+                <a:solidFill>
+                  <a:schemeClr val="tx1"/>
+                </a:solidFill>
+                <a:latin typeface="Lato" panose="020F0502020204030203" pitchFamily="34" charset="0"/>
+                <a:ea typeface="Lato" panose="020F0502020204030203" pitchFamily="34" charset="0"/>
+                <a:cs typeface="Lato" panose="020F0502020204030203" pitchFamily="34" charset="0"/>
+              </a:defRPr>
+            </a:lvl4pPr>
+            <a:lvl5pPr marL="2057400" indent="-228600" algn="l" defTabSz="914400" rtl="0" eaLnBrk="1" latinLnBrk="0" hangingPunct="1">
+              <a:lnSpc>
+                <a:spcPct val="90000"/>
+              </a:lnSpc>
+              <a:spcBef>
+                <a:spcPts val="500"/>
+              </a:spcBef>
+              <a:buFont typeface="Arial" panose="020B0604020202020204" pitchFamily="34" charset="0"/>
+              <a:buChar char="•"/>
+              <a:defRPr sz="1800" kern="1200">
+                <a:solidFill>
+                  <a:schemeClr val="tx1"/>
+                </a:solidFill>
+                <a:latin typeface="Lato" panose="020F0502020204030203" pitchFamily="34" charset="0"/>
+                <a:ea typeface="Lato" panose="020F0502020204030203" pitchFamily="34" charset="0"/>
+                <a:cs typeface="Lato" panose="020F0502020204030203" pitchFamily="34" charset="0"/>
+              </a:defRPr>
+            </a:lvl5pPr>
+            <a:lvl6pPr marL="2514600" indent="-228600" algn="l" defTabSz="914400" rtl="0" eaLnBrk="1" latinLnBrk="0" hangingPunct="1">
+              <a:lnSpc>
+                <a:spcPct val="90000"/>
+              </a:lnSpc>
+              <a:spcBef>
+                <a:spcPts val="500"/>
+              </a:spcBef>
+              <a:buFont typeface="Arial" panose="020B0604020202020204" pitchFamily="34" charset="0"/>
+              <a:buChar char="•"/>
+              <a:defRPr sz="1800" kern="1200">
+                <a:solidFill>
+                  <a:schemeClr val="tx1"/>
+                </a:solidFill>
+                <a:latin typeface="+mn-lt"/>
+                <a:ea typeface="+mn-ea"/>
+                <a:cs typeface="+mn-cs"/>
+              </a:defRPr>
+            </a:lvl6pPr>
+            <a:lvl7pPr marL="2971800" indent="-228600" algn="l" defTabSz="914400" rtl="0" eaLnBrk="1" latinLnBrk="0" hangingPunct="1">
+              <a:lnSpc>
+                <a:spcPct val="90000"/>
+              </a:lnSpc>
+              <a:spcBef>
+                <a:spcPts val="500"/>
+              </a:spcBef>
+              <a:buFont typeface="Arial" panose="020B0604020202020204" pitchFamily="34" charset="0"/>
+              <a:buChar char="•"/>
+              <a:defRPr sz="1800" kern="1200">
+                <a:solidFill>
+                  <a:schemeClr val="tx1"/>
+                </a:solidFill>
+                <a:latin typeface="+mn-lt"/>
+                <a:ea typeface="+mn-ea"/>
+                <a:cs typeface="+mn-cs"/>
+              </a:defRPr>
+            </a:lvl7pPr>
+            <a:lvl8pPr marL="3429000" indent="-228600" algn="l" defTabSz="914400" rtl="0" eaLnBrk="1" latinLnBrk="0" hangingPunct="1">
+              <a:lnSpc>
+                <a:spcPct val="90000"/>
+              </a:lnSpc>
+              <a:spcBef>
+                <a:spcPts val="500"/>
+              </a:spcBef>
+              <a:buFont typeface="Arial" panose="020B0604020202020204" pitchFamily="34" charset="0"/>
+              <a:buChar char="•"/>
+              <a:defRPr sz="1800" kern="1200">
+                <a:solidFill>
+                  <a:schemeClr val="tx1"/>
+                </a:solidFill>
+                <a:latin typeface="+mn-lt"/>
+                <a:ea typeface="+mn-ea"/>
+                <a:cs typeface="+mn-cs"/>
+              </a:defRPr>
+            </a:lvl8pPr>
+            <a:lvl9pPr marL="3886200" indent="-228600" algn="l" defTabSz="914400" rtl="0" eaLnBrk="1" latinLnBrk="0" hangingPunct="1">
+              <a:lnSpc>
+                <a:spcPct val="90000"/>
+              </a:lnSpc>
+              <a:spcBef>
+                <a:spcPts val="500"/>
+              </a:spcBef>
+              <a:buFont typeface="Arial" panose="020B0604020202020204" pitchFamily="34" charset="0"/>
+              <a:buChar char="•"/>
+              <a:defRPr sz="1800" kern="1200">
+                <a:solidFill>
+                  <a:schemeClr val="tx1"/>
+                </a:solidFill>
+                <a:latin typeface="+mn-lt"/>
+                <a:ea typeface="+mn-ea"/>
+                <a:cs typeface="+mn-cs"/>
+              </a:defRPr>
+            </a:lvl9pPr>
+          </a:lstStyle>
+          <a:p>
+            <a:pPr marL="0" indent="0" algn="ctr">
+              <a:buFont typeface="Arial" panose="020B0604020202020204" pitchFamily="34" charset="0"/>
+              <a:buNone/>
+            </a:pPr>
+            <a:r>
+              <a:rPr lang="en-US" dirty="0">
+                <a:latin typeface="Times New Roman" panose="02020603050405020304" pitchFamily="18" charset="0"/>
+                <a:cs typeface="Times New Roman" panose="02020603050405020304" pitchFamily="18" charset="0"/>
+              </a:rPr>
+              <a:t>6</a:t>
+            </a:r>
+            <a:endParaRPr lang="vi-VN" dirty="0">
+              <a:latin typeface="Times New Roman" panose="02020603050405020304" pitchFamily="18" charset="0"/>
+              <a:cs typeface="Times New Roman" panose="02020603050405020304" pitchFamily="18" charset="0"/>
+            </a:endParaRPr>
+          </a:p>
+        </p:txBody>
+      </p:sp>
+      <p:pic>
+        <p:nvPicPr>
+          <p:cNvPr id="6" name="Picture 5">
+            <a:extLst>
+              <a:ext uri="{FF2B5EF4-FFF2-40B4-BE49-F238E27FC236}">
+                <a16:creationId xmlns:a16="http://schemas.microsoft.com/office/drawing/2014/main" id="{30E4D7E5-AD08-4597-A81B-D926BFDA100C}"/>
+              </a:ext>
+            </a:extLst>
+          </p:cNvPr>
+          <p:cNvPicPr>
+            <a:picLocks noChangeAspect="1"/>
+          </p:cNvPicPr>
+          <p:nvPr/>
+        </p:nvPicPr>
+        <p:blipFill>
+          <a:blip r:embed="rId3"/>
+          <a:stretch>
+            <a:fillRect/>
+          </a:stretch>
+        </p:blipFill>
+        <p:spPr>
+          <a:xfrm>
+            <a:off x="4657288" y="2075217"/>
+            <a:ext cx="7131012" cy="3236259"/>
+          </a:xfrm>
+          <a:prstGeom prst="rect">
+            <a:avLst/>
+          </a:prstGeom>
+        </p:spPr>
+      </p:pic>
+    </p:spTree>
+    <p:extLst>
+      <p:ext uri="{BB962C8B-B14F-4D97-AF65-F5344CB8AC3E}">
+        <p14:creationId xmlns:p14="http://schemas.microsoft.com/office/powerpoint/2010/main" val="3805094893"/>
+      </p:ext>
+    </p:extLst>
+  </p:cSld>
+  <p:clrMapOvr>
+    <a:masterClrMapping/>
+  </p:clrMapOvr>
+</p:sld>
+</file>
+
+<file path=ppt/slides/slide7.xml><?xml version="1.0" encoding="utf-8"?>
+<p:sld xmlns:a="http://schemas.openxmlformats.org/drawingml/2006/main" xmlns:r="http://schemas.openxmlformats.org/officeDocument/2006/relationships" xmlns:p="http://schemas.openxmlformats.org/presentationml/2006/main">
+  <p:cSld>
+    <p:spTree>
+      <p:nvGrpSpPr>
+        <p:cNvPr id="1" name=""/>
+        <p:cNvGrpSpPr/>
+        <p:nvPr/>
+      </p:nvGrpSpPr>
+      <p:grpSpPr>
+        <a:xfrm>
+          <a:off x="0" y="0"/>
+          <a:ext cx="0" cy="0"/>
+          <a:chOff x="0" y="0"/>
+          <a:chExt cx="0" cy="0"/>
+        </a:xfrm>
+      </p:grpSpPr>
+      <p:sp>
+        <p:nvSpPr>
+          <p:cNvPr id="5" name="Content Placeholder 4">
+            <a:extLst>
+              <a:ext uri="{FF2B5EF4-FFF2-40B4-BE49-F238E27FC236}">
+                <a16:creationId xmlns:a16="http://schemas.microsoft.com/office/drawing/2014/main" id="{82AD3B8F-023F-4D30-80AA-BE5F44F41593}"/>
+              </a:ext>
+            </a:extLst>
+          </p:cNvPr>
+          <p:cNvSpPr>
+            <a:spLocks noGrp="1"/>
+          </p:cNvSpPr>
+          <p:nvPr>
+            <p:ph sz="quarter" idx="10"/>
+          </p:nvPr>
+        </p:nvSpPr>
+        <p:spPr>
+          <a:xfrm>
+            <a:off x="338736" y="1058844"/>
             <a:ext cx="7672873" cy="4909124"/>
           </a:xfrm>
         </p:spPr>
@@ -24250,11 +25954,18 @@
           </a:p>
           <a:p>
             <a:r>
-              <a:rPr lang="en-US">
-                <a:latin typeface="+mn-lt"/>
-                <a:cs typeface="Times New Roman" panose="02020603050405020304" pitchFamily="18" charset="0"/>
-              </a:rPr>
-              <a:t>Công </a:t>
+              <a:rPr lang="en-US" dirty="0" err="1">
+                <a:latin typeface="+mn-lt"/>
+                <a:cs typeface="Times New Roman" panose="02020603050405020304" pitchFamily="18" charset="0"/>
+              </a:rPr>
+              <a:t>Công</a:t>
+            </a:r>
+            <a:r>
+              <a:rPr lang="en-US" dirty="0">
+                <a:latin typeface="+mn-lt"/>
+                <a:cs typeface="Times New Roman" panose="02020603050405020304" pitchFamily="18" charset="0"/>
+              </a:rPr>
+              <a:t> </a:t>
             </a:r>
             <a:r>
               <a:rPr lang="en-US" dirty="0" err="1">
@@ -24312,7 +26023,7 @@
           </a:p>
           <a:p>
             <a:r>
-              <a:rPr lang="en-US">
+              <a:rPr lang="en-US" dirty="0">
                 <a:latin typeface="+mn-lt"/>
                 <a:cs typeface="Times New Roman" panose="02020603050405020304" pitchFamily="18" charset="0"/>
               </a:rPr>
@@ -24330,7 +26041,35 @@
                 <a:latin typeface="+mn-lt"/>
                 <a:cs typeface="Times New Roman" panose="02020603050405020304" pitchFamily="18" charset="0"/>
               </a:rPr>
-              <a:t> GPIO </a:t>
+              <a:t> </a:t>
+            </a:r>
+            <a:r>
+              <a:rPr lang="en-US" dirty="0" err="1">
+                <a:latin typeface="+mn-lt"/>
+                <a:cs typeface="Times New Roman" panose="02020603050405020304" pitchFamily="18" charset="0"/>
+              </a:rPr>
+              <a:t>tín</a:t>
+            </a:r>
+            <a:r>
+              <a:rPr lang="en-US" dirty="0">
+                <a:latin typeface="+mn-lt"/>
+                <a:cs typeface="Times New Roman" panose="02020603050405020304" pitchFamily="18" charset="0"/>
+              </a:rPr>
+              <a:t> </a:t>
+            </a:r>
+            <a:r>
+              <a:rPr lang="en-US" dirty="0" err="1">
+                <a:latin typeface="+mn-lt"/>
+                <a:cs typeface="Times New Roman" panose="02020603050405020304" pitchFamily="18" charset="0"/>
+              </a:rPr>
+              <a:t>hiệu</a:t>
+            </a:r>
+            <a:r>
+              <a:rPr lang="en-US" dirty="0">
+                <a:latin typeface="+mn-lt"/>
+                <a:cs typeface="Times New Roman" panose="02020603050405020304" pitchFamily="18" charset="0"/>
+              </a:rPr>
+              <a:t> </a:t>
             </a:r>
             <a:r>
               <a:rPr lang="en-US" dirty="0" err="1">
@@ -24399,23 +26138,72 @@
                 <a:latin typeface="+mn-lt"/>
                 <a:cs typeface="Times New Roman" panose="02020603050405020304" pitchFamily="18" charset="0"/>
               </a:rPr>
-              <a:t> </a:t>
-            </a:r>
-            <a:r>
-              <a:rPr lang="en-US">
-                <a:latin typeface="+mn-lt"/>
-                <a:cs typeface="Times New Roman" panose="02020603050405020304" pitchFamily="18" charset="0"/>
-              </a:rPr>
-              <a:t>2.4 GHz</a:t>
+              <a:t> 2.4 GHz</a:t>
             </a:r>
           </a:p>
           <a:p>
             <a:r>
-              <a:rPr lang="en-US">
-                <a:latin typeface="+mn-lt"/>
-                <a:cs typeface="Times New Roman" panose="02020603050405020304" pitchFamily="18" charset="0"/>
-              </a:rPr>
-              <a:t>Có sẵn Ăng-ten ở trên mạch</a:t>
+              <a:rPr lang="en-US" dirty="0" err="1">
+                <a:latin typeface="+mn-lt"/>
+                <a:cs typeface="Times New Roman" panose="02020603050405020304" pitchFamily="18" charset="0"/>
+              </a:rPr>
+              <a:t>Có</a:t>
+            </a:r>
+            <a:r>
+              <a:rPr lang="en-US" dirty="0">
+                <a:latin typeface="+mn-lt"/>
+                <a:cs typeface="Times New Roman" panose="02020603050405020304" pitchFamily="18" charset="0"/>
+              </a:rPr>
+              <a:t> </a:t>
+            </a:r>
+            <a:r>
+              <a:rPr lang="en-US" dirty="0" err="1">
+                <a:latin typeface="+mn-lt"/>
+                <a:cs typeface="Times New Roman" panose="02020603050405020304" pitchFamily="18" charset="0"/>
+              </a:rPr>
+              <a:t>sẵn</a:t>
+            </a:r>
+            <a:r>
+              <a:rPr lang="en-US" dirty="0">
+                <a:latin typeface="+mn-lt"/>
+                <a:cs typeface="Times New Roman" panose="02020603050405020304" pitchFamily="18" charset="0"/>
+              </a:rPr>
+              <a:t> </a:t>
+            </a:r>
+            <a:r>
+              <a:rPr lang="en-US" dirty="0" err="1">
+                <a:latin typeface="+mn-lt"/>
+                <a:cs typeface="Times New Roman" panose="02020603050405020304" pitchFamily="18" charset="0"/>
+              </a:rPr>
+              <a:t>Ăng</a:t>
+            </a:r>
+            <a:r>
+              <a:rPr lang="en-US" dirty="0">
+                <a:latin typeface="+mn-lt"/>
+                <a:cs typeface="Times New Roman" panose="02020603050405020304" pitchFamily="18" charset="0"/>
+              </a:rPr>
+              <a:t>-ten ở </a:t>
+            </a:r>
+            <a:r>
+              <a:rPr lang="en-US" dirty="0" err="1">
+                <a:latin typeface="+mn-lt"/>
+                <a:cs typeface="Times New Roman" panose="02020603050405020304" pitchFamily="18" charset="0"/>
+              </a:rPr>
+              <a:t>trên</a:t>
+            </a:r>
+            <a:r>
+              <a:rPr lang="en-US" dirty="0">
+                <a:latin typeface="+mn-lt"/>
+                <a:cs typeface="Times New Roman" panose="02020603050405020304" pitchFamily="18" charset="0"/>
+              </a:rPr>
+              <a:t> </a:t>
+            </a:r>
+            <a:r>
+              <a:rPr lang="en-US" dirty="0" err="1">
+                <a:latin typeface="+mn-lt"/>
+                <a:cs typeface="Times New Roman" panose="02020603050405020304" pitchFamily="18" charset="0"/>
+              </a:rPr>
+              <a:t>mạch</a:t>
             </a:r>
             <a:endParaRPr lang="vi-VN" dirty="0">
               <a:latin typeface="+mn-lt"/>
@@ -24718,7 +26506,7 @@
 </p:sld>
 </file>
 
-<file path=ppt/slides/slide7.xml><?xml version="1.0" encoding="utf-8"?>
+<file path=ppt/slides/slide8.xml><?xml version="1.0" encoding="utf-8"?>
 <p:sld xmlns:a="http://schemas.openxmlformats.org/drawingml/2006/main" xmlns:r="http://schemas.openxmlformats.org/officeDocument/2006/relationships" xmlns:p="http://schemas.openxmlformats.org/presentationml/2006/main">
   <p:cSld>
     <p:spTree>
@@ -25245,593 +27033,6 @@
     <p:extLst>
       <p:ext uri="{BB962C8B-B14F-4D97-AF65-F5344CB8AC3E}">
         <p14:creationId xmlns:p14="http://schemas.microsoft.com/office/powerpoint/2010/main" val="4157693781"/>
-      </p:ext>
-    </p:extLst>
-  </p:cSld>
-  <p:clrMapOvr>
-    <a:masterClrMapping/>
-  </p:clrMapOvr>
-</p:sld>
-</file>
-
-<file path=ppt/slides/slide8.xml><?xml version="1.0" encoding="utf-8"?>
-<p:sld xmlns:a="http://schemas.openxmlformats.org/drawingml/2006/main" xmlns:r="http://schemas.openxmlformats.org/officeDocument/2006/relationships" xmlns:p="http://schemas.openxmlformats.org/presentationml/2006/main">
-  <p:cSld>
-    <p:spTree>
-      <p:nvGrpSpPr>
-        <p:cNvPr id="1" name=""/>
-        <p:cNvGrpSpPr/>
-        <p:nvPr/>
-      </p:nvGrpSpPr>
-      <p:grpSpPr>
-        <a:xfrm>
-          <a:off x="0" y="0"/>
-          <a:ext cx="0" cy="0"/>
-          <a:chOff x="0" y="0"/>
-          <a:chExt cx="0" cy="0"/>
-        </a:xfrm>
-      </p:grpSpPr>
-      <p:sp>
-        <p:nvSpPr>
-          <p:cNvPr id="5" name="Content Placeholder 4">
-            <a:extLst>
-              <a:ext uri="{FF2B5EF4-FFF2-40B4-BE49-F238E27FC236}">
-                <a16:creationId xmlns:a16="http://schemas.microsoft.com/office/drawing/2014/main" id="{82AD3B8F-023F-4D30-80AA-BE5F44F41593}"/>
-              </a:ext>
-            </a:extLst>
-          </p:cNvPr>
-          <p:cNvSpPr>
-            <a:spLocks noGrp="1"/>
-          </p:cNvSpPr>
-          <p:nvPr>
-            <p:ph sz="quarter" idx="10"/>
-          </p:nvPr>
-        </p:nvSpPr>
-        <p:spPr>
-          <a:xfrm>
-            <a:off x="338736" y="1058844"/>
-            <a:ext cx="4866310" cy="4909124"/>
-          </a:xfrm>
-        </p:spPr>
-        <p:txBody>
-          <a:bodyPr/>
-          <a:lstStyle/>
-          <a:p>
-            <a:pPr marL="0" indent="0">
-              <a:buNone/>
-            </a:pPr>
-            <a:r>
-              <a:rPr lang="en-US">
-                <a:latin typeface="+mn-lt"/>
-                <a:cs typeface="Times New Roman" panose="02020603050405020304" pitchFamily="18" charset="0"/>
-              </a:rPr>
-              <a:t>Giao </a:t>
-            </a:r>
-            <a:r>
-              <a:rPr lang="en-US" dirty="0" err="1">
-                <a:latin typeface="+mn-lt"/>
-                <a:cs typeface="Times New Roman" panose="02020603050405020304" pitchFamily="18" charset="0"/>
-              </a:rPr>
-              <a:t>thức</a:t>
-            </a:r>
-            <a:r>
-              <a:rPr lang="en-US" dirty="0">
-                <a:latin typeface="+mn-lt"/>
-                <a:cs typeface="Times New Roman" panose="02020603050405020304" pitchFamily="18" charset="0"/>
-              </a:rPr>
-              <a:t> MQTT:</a:t>
-            </a:r>
-          </a:p>
-          <a:p>
-            <a:r>
-              <a:rPr lang="en-US" dirty="0" err="1">
-                <a:latin typeface="+mn-lt"/>
-                <a:cs typeface="Times New Roman" panose="02020603050405020304" pitchFamily="18" charset="0"/>
-              </a:rPr>
-              <a:t>Mô</a:t>
-            </a:r>
-            <a:r>
-              <a:rPr lang="en-US" dirty="0">
-                <a:latin typeface="+mn-lt"/>
-                <a:cs typeface="Times New Roman" panose="02020603050405020304" pitchFamily="18" charset="0"/>
-              </a:rPr>
-              <a:t> </a:t>
-            </a:r>
-            <a:r>
-              <a:rPr lang="en-US" dirty="0" err="1">
-                <a:latin typeface="+mn-lt"/>
-                <a:cs typeface="Times New Roman" panose="02020603050405020304" pitchFamily="18" charset="0"/>
-              </a:rPr>
-              <a:t>hình</a:t>
-            </a:r>
-            <a:r>
-              <a:rPr lang="en-US" dirty="0">
-                <a:latin typeface="+mn-lt"/>
-                <a:cs typeface="Times New Roman" panose="02020603050405020304" pitchFamily="18" charset="0"/>
-              </a:rPr>
-              <a:t> </a:t>
-            </a:r>
-            <a:r>
-              <a:rPr lang="en-US" dirty="0" err="1">
-                <a:latin typeface="+mn-lt"/>
-                <a:cs typeface="Times New Roman" panose="02020603050405020304" pitchFamily="18" charset="0"/>
-              </a:rPr>
-              <a:t>Máy</a:t>
-            </a:r>
-            <a:r>
-              <a:rPr lang="en-US" dirty="0">
-                <a:latin typeface="+mn-lt"/>
-                <a:cs typeface="Times New Roman" panose="02020603050405020304" pitchFamily="18" charset="0"/>
-              </a:rPr>
-              <a:t> </a:t>
-            </a:r>
-            <a:r>
-              <a:rPr lang="en-US" dirty="0" err="1">
-                <a:latin typeface="+mn-lt"/>
-                <a:cs typeface="Times New Roman" panose="02020603050405020304" pitchFamily="18" charset="0"/>
-              </a:rPr>
-              <a:t>chủ</a:t>
-            </a:r>
-            <a:r>
-              <a:rPr lang="en-US" dirty="0">
-                <a:latin typeface="+mn-lt"/>
-                <a:cs typeface="Times New Roman" panose="02020603050405020304" pitchFamily="18" charset="0"/>
-              </a:rPr>
-              <a:t>/</a:t>
-            </a:r>
-            <a:r>
-              <a:rPr lang="en-US" dirty="0" err="1">
-                <a:latin typeface="+mn-lt"/>
-                <a:cs typeface="Times New Roman" panose="02020603050405020304" pitchFamily="18" charset="0"/>
-              </a:rPr>
-              <a:t>Máy</a:t>
-            </a:r>
-            <a:r>
-              <a:rPr lang="en-US" dirty="0">
-                <a:latin typeface="+mn-lt"/>
-                <a:cs typeface="Times New Roman" panose="02020603050405020304" pitchFamily="18" charset="0"/>
-              </a:rPr>
-              <a:t> </a:t>
-            </a:r>
-            <a:r>
-              <a:rPr lang="en-US" dirty="0" err="1">
-                <a:latin typeface="+mn-lt"/>
-                <a:cs typeface="Times New Roman" panose="02020603050405020304" pitchFamily="18" charset="0"/>
-              </a:rPr>
-              <a:t>khách</a:t>
-            </a:r>
-            <a:endParaRPr lang="en-US" dirty="0">
-              <a:latin typeface="+mn-lt"/>
-              <a:cs typeface="Times New Roman" panose="02020603050405020304" pitchFamily="18" charset="0"/>
-            </a:endParaRPr>
-          </a:p>
-          <a:p>
-            <a:r>
-              <a:rPr lang="en-US" dirty="0">
-                <a:latin typeface="+mn-lt"/>
-                <a:cs typeface="Times New Roman" panose="02020603050405020304" pitchFamily="18" charset="0"/>
-              </a:rPr>
-              <a:t>Topic (</a:t>
-            </a:r>
-            <a:r>
-              <a:rPr lang="en-US" dirty="0" err="1">
-                <a:latin typeface="+mn-lt"/>
-                <a:cs typeface="Times New Roman" panose="02020603050405020304" pitchFamily="18" charset="0"/>
-              </a:rPr>
-              <a:t>Chủ</a:t>
-            </a:r>
-            <a:r>
-              <a:rPr lang="en-US" dirty="0">
-                <a:latin typeface="+mn-lt"/>
-                <a:cs typeface="Times New Roman" panose="02020603050405020304" pitchFamily="18" charset="0"/>
-              </a:rPr>
-              <a:t> </a:t>
-            </a:r>
-            <a:r>
-              <a:rPr lang="en-US" err="1">
-                <a:latin typeface="+mn-lt"/>
-                <a:cs typeface="Times New Roman" panose="02020603050405020304" pitchFamily="18" charset="0"/>
-              </a:rPr>
-              <a:t>đề</a:t>
-            </a:r>
-            <a:r>
-              <a:rPr lang="en-US">
-                <a:latin typeface="+mn-lt"/>
-                <a:cs typeface="Times New Roman" panose="02020603050405020304" pitchFamily="18" charset="0"/>
-              </a:rPr>
-              <a:t>) </a:t>
-            </a:r>
-            <a:r>
-              <a:rPr lang="en-US" dirty="0" err="1">
-                <a:latin typeface="+mn-lt"/>
-                <a:cs typeface="Times New Roman" panose="02020603050405020304" pitchFamily="18" charset="0"/>
-              </a:rPr>
-              <a:t>trong</a:t>
-            </a:r>
-            <a:r>
-              <a:rPr lang="en-US" dirty="0">
-                <a:latin typeface="+mn-lt"/>
-                <a:cs typeface="Times New Roman" panose="02020603050405020304" pitchFamily="18" charset="0"/>
-              </a:rPr>
-              <a:t> MQTT</a:t>
-            </a:r>
-          </a:p>
-          <a:p>
-            <a:r>
-              <a:rPr lang="en-US" dirty="0" err="1">
-                <a:latin typeface="+mn-lt"/>
-                <a:cs typeface="Times New Roman" panose="02020603050405020304" pitchFamily="18" charset="0"/>
-              </a:rPr>
-              <a:t>Cơ</a:t>
-            </a:r>
-            <a:r>
-              <a:rPr lang="en-US" dirty="0">
-                <a:latin typeface="+mn-lt"/>
-                <a:cs typeface="Times New Roman" panose="02020603050405020304" pitchFamily="18" charset="0"/>
-              </a:rPr>
-              <a:t> </a:t>
-            </a:r>
-            <a:r>
-              <a:rPr lang="en-US" dirty="0" err="1">
-                <a:latin typeface="+mn-lt"/>
-                <a:cs typeface="Times New Roman" panose="02020603050405020304" pitchFamily="18" charset="0"/>
-              </a:rPr>
-              <a:t>chế</a:t>
-            </a:r>
-            <a:r>
-              <a:rPr lang="en-US" dirty="0">
-                <a:latin typeface="+mn-lt"/>
-                <a:cs typeface="Times New Roman" panose="02020603050405020304" pitchFamily="18" charset="0"/>
-              </a:rPr>
-              <a:t> </a:t>
-            </a:r>
-            <a:r>
-              <a:rPr lang="en-US" dirty="0" err="1">
-                <a:latin typeface="+mn-lt"/>
-                <a:cs typeface="Times New Roman" panose="02020603050405020304" pitchFamily="18" charset="0"/>
-              </a:rPr>
-              <a:t>Xuất</a:t>
-            </a:r>
-            <a:r>
-              <a:rPr lang="en-US" dirty="0">
-                <a:latin typeface="+mn-lt"/>
-                <a:cs typeface="Times New Roman" panose="02020603050405020304" pitchFamily="18" charset="0"/>
-              </a:rPr>
-              <a:t> </a:t>
-            </a:r>
-            <a:r>
-              <a:rPr lang="en-US" dirty="0" err="1">
-                <a:latin typeface="+mn-lt"/>
-                <a:cs typeface="Times New Roman" panose="02020603050405020304" pitchFamily="18" charset="0"/>
-              </a:rPr>
-              <a:t>bản</a:t>
-            </a:r>
-            <a:r>
-              <a:rPr lang="en-US" dirty="0">
-                <a:latin typeface="+mn-lt"/>
-                <a:cs typeface="Times New Roman" panose="02020603050405020304" pitchFamily="18" charset="0"/>
-              </a:rPr>
-              <a:t>/</a:t>
-            </a:r>
-            <a:r>
-              <a:rPr lang="en-US" dirty="0" err="1">
-                <a:latin typeface="+mn-lt"/>
-                <a:cs typeface="Times New Roman" panose="02020603050405020304" pitchFamily="18" charset="0"/>
-              </a:rPr>
-              <a:t>Đăng</a:t>
-            </a:r>
-            <a:r>
-              <a:rPr lang="en-US" dirty="0">
-                <a:latin typeface="+mn-lt"/>
-                <a:cs typeface="Times New Roman" panose="02020603050405020304" pitchFamily="18" charset="0"/>
-              </a:rPr>
-              <a:t> </a:t>
-            </a:r>
-            <a:r>
-              <a:rPr lang="en-US" dirty="0" err="1">
-                <a:latin typeface="+mn-lt"/>
-                <a:cs typeface="Times New Roman" panose="02020603050405020304" pitchFamily="18" charset="0"/>
-              </a:rPr>
-              <a:t>kí</a:t>
-            </a:r>
-            <a:endParaRPr lang="en-US" dirty="0">
-              <a:latin typeface="+mn-lt"/>
-              <a:cs typeface="Times New Roman" panose="02020603050405020304" pitchFamily="18" charset="0"/>
-            </a:endParaRPr>
-          </a:p>
-          <a:p>
-            <a:pPr marL="457200" lvl="1" indent="0">
-              <a:buNone/>
-            </a:pPr>
-            <a:endParaRPr lang="en-US" dirty="0">
-              <a:latin typeface="Times New Roman" panose="02020603050405020304" pitchFamily="18" charset="0"/>
-              <a:cs typeface="Times New Roman" panose="02020603050405020304" pitchFamily="18" charset="0"/>
-            </a:endParaRPr>
-          </a:p>
-          <a:p>
-            <a:pPr marL="0" indent="0">
-              <a:buNone/>
-            </a:pPr>
-            <a:endParaRPr lang="vi-VN" dirty="0">
-              <a:latin typeface="Times New Roman" panose="02020603050405020304" pitchFamily="18" charset="0"/>
-              <a:cs typeface="Times New Roman" panose="02020603050405020304" pitchFamily="18" charset="0"/>
-            </a:endParaRPr>
-          </a:p>
-        </p:txBody>
-      </p:sp>
-      <p:sp>
-        <p:nvSpPr>
-          <p:cNvPr id="4" name="Title 3">
-            <a:extLst>
-              <a:ext uri="{FF2B5EF4-FFF2-40B4-BE49-F238E27FC236}">
-                <a16:creationId xmlns:a16="http://schemas.microsoft.com/office/drawing/2014/main" id="{52E18D06-2298-4C20-BF3D-F4536777C955}"/>
-              </a:ext>
-            </a:extLst>
-          </p:cNvPr>
-          <p:cNvSpPr>
-            <a:spLocks noGrp="1"/>
-          </p:cNvSpPr>
-          <p:nvPr>
-            <p:ph type="title"/>
-          </p:nvPr>
-        </p:nvSpPr>
-        <p:spPr/>
-        <p:txBody>
-          <a:bodyPr/>
-          <a:lstStyle/>
-          <a:p>
-            <a:r>
-              <a:rPr lang="en-US">
-                <a:latin typeface="+mn-lt"/>
-                <a:cs typeface="Times New Roman" panose="02020603050405020304" pitchFamily="18" charset="0"/>
-              </a:rPr>
-              <a:t>2. Phân tích và thiết kế</a:t>
-            </a:r>
-          </a:p>
-        </p:txBody>
-      </p:sp>
-      <p:sp>
-        <p:nvSpPr>
-          <p:cNvPr id="7" name="Text Placeholder 2">
-            <a:extLst>
-              <a:ext uri="{FF2B5EF4-FFF2-40B4-BE49-F238E27FC236}">
-                <a16:creationId xmlns:a16="http://schemas.microsoft.com/office/drawing/2014/main" id="{54E960BC-BF19-40CA-A3C9-CDB1467EA5E2}"/>
-              </a:ext>
-            </a:extLst>
-          </p:cNvPr>
-          <p:cNvSpPr txBox="1">
-            <a:spLocks/>
-          </p:cNvSpPr>
-          <p:nvPr/>
-        </p:nvSpPr>
-        <p:spPr>
-          <a:xfrm>
-            <a:off x="11240542" y="5967968"/>
-            <a:ext cx="612722" cy="436098"/>
-          </a:xfrm>
-          <a:prstGeom prst="rect">
-            <a:avLst/>
-          </a:prstGeom>
-        </p:spPr>
-        <p:txBody>
-          <a:bodyPr/>
-          <a:lstStyle>
-            <a:lvl1pPr marL="228600" indent="-228600" algn="l" defTabSz="914400" rtl="0" eaLnBrk="1" latinLnBrk="0" hangingPunct="1">
-              <a:lnSpc>
-                <a:spcPct val="90000"/>
-              </a:lnSpc>
-              <a:spcBef>
-                <a:spcPts val="1000"/>
-              </a:spcBef>
-              <a:buFont typeface="Arial" panose="020B0604020202020204" pitchFamily="34" charset="0"/>
-              <a:buChar char="•"/>
-              <a:defRPr sz="2800" kern="1200">
-                <a:solidFill>
-                  <a:schemeClr val="tx1"/>
-                </a:solidFill>
-                <a:latin typeface="Lato" panose="020F0502020204030203" pitchFamily="34" charset="0"/>
-                <a:ea typeface="Lato" panose="020F0502020204030203" pitchFamily="34" charset="0"/>
-                <a:cs typeface="Lato" panose="020F0502020204030203" pitchFamily="34" charset="0"/>
-              </a:defRPr>
-            </a:lvl1pPr>
-            <a:lvl2pPr marL="685800" indent="-228600" algn="l" defTabSz="914400" rtl="0" eaLnBrk="1" latinLnBrk="0" hangingPunct="1">
-              <a:lnSpc>
-                <a:spcPct val="90000"/>
-              </a:lnSpc>
-              <a:spcBef>
-                <a:spcPts val="500"/>
-              </a:spcBef>
-              <a:buFont typeface="Arial" panose="020B0604020202020204" pitchFamily="34" charset="0"/>
-              <a:buChar char="•"/>
-              <a:defRPr sz="2400" kern="1200">
-                <a:solidFill>
-                  <a:schemeClr val="tx1"/>
-                </a:solidFill>
-                <a:latin typeface="Lato" panose="020F0502020204030203" pitchFamily="34" charset="0"/>
-                <a:ea typeface="Lato" panose="020F0502020204030203" pitchFamily="34" charset="0"/>
-                <a:cs typeface="Lato" panose="020F0502020204030203" pitchFamily="34" charset="0"/>
-              </a:defRPr>
-            </a:lvl2pPr>
-            <a:lvl3pPr marL="1143000" indent="-228600" algn="l" defTabSz="914400" rtl="0" eaLnBrk="1" latinLnBrk="0" hangingPunct="1">
-              <a:lnSpc>
-                <a:spcPct val="90000"/>
-              </a:lnSpc>
-              <a:spcBef>
-                <a:spcPts val="500"/>
-              </a:spcBef>
-              <a:buFont typeface="Arial" panose="020B0604020202020204" pitchFamily="34" charset="0"/>
-              <a:buChar char="•"/>
-              <a:defRPr sz="2000" kern="1200">
-                <a:solidFill>
-                  <a:schemeClr val="tx1"/>
-                </a:solidFill>
-                <a:latin typeface="Lato" panose="020F0502020204030203" pitchFamily="34" charset="0"/>
-                <a:ea typeface="Lato" panose="020F0502020204030203" pitchFamily="34" charset="0"/>
-                <a:cs typeface="Lato" panose="020F0502020204030203" pitchFamily="34" charset="0"/>
-              </a:defRPr>
-            </a:lvl3pPr>
-            <a:lvl4pPr marL="1600200" indent="-228600" algn="l" defTabSz="914400" rtl="0" eaLnBrk="1" latinLnBrk="0" hangingPunct="1">
-              <a:lnSpc>
-                <a:spcPct val="90000"/>
-              </a:lnSpc>
-              <a:spcBef>
-                <a:spcPts val="500"/>
-              </a:spcBef>
-              <a:buFont typeface="Arial" panose="020B0604020202020204" pitchFamily="34" charset="0"/>
-              <a:buChar char="•"/>
-              <a:defRPr sz="1800" kern="1200">
-                <a:solidFill>
-                  <a:schemeClr val="tx1"/>
-                </a:solidFill>
-                <a:latin typeface="Lato" panose="020F0502020204030203" pitchFamily="34" charset="0"/>
-                <a:ea typeface="Lato" panose="020F0502020204030203" pitchFamily="34" charset="0"/>
-                <a:cs typeface="Lato" panose="020F0502020204030203" pitchFamily="34" charset="0"/>
-              </a:defRPr>
-            </a:lvl4pPr>
-            <a:lvl5pPr marL="2057400" indent="-228600" algn="l" defTabSz="914400" rtl="0" eaLnBrk="1" latinLnBrk="0" hangingPunct="1">
-              <a:lnSpc>
-                <a:spcPct val="90000"/>
-              </a:lnSpc>
-              <a:spcBef>
-                <a:spcPts val="500"/>
-              </a:spcBef>
-              <a:buFont typeface="Arial" panose="020B0604020202020204" pitchFamily="34" charset="0"/>
-              <a:buChar char="•"/>
-              <a:defRPr sz="1800" kern="1200">
-                <a:solidFill>
-                  <a:schemeClr val="tx1"/>
-                </a:solidFill>
-                <a:latin typeface="Lato" panose="020F0502020204030203" pitchFamily="34" charset="0"/>
-                <a:ea typeface="Lato" panose="020F0502020204030203" pitchFamily="34" charset="0"/>
-                <a:cs typeface="Lato" panose="020F0502020204030203" pitchFamily="34" charset="0"/>
-              </a:defRPr>
-            </a:lvl5pPr>
-            <a:lvl6pPr marL="2514600" indent="-228600" algn="l" defTabSz="914400" rtl="0" eaLnBrk="1" latinLnBrk="0" hangingPunct="1">
-              <a:lnSpc>
-                <a:spcPct val="90000"/>
-              </a:lnSpc>
-              <a:spcBef>
-                <a:spcPts val="500"/>
-              </a:spcBef>
-              <a:buFont typeface="Arial" panose="020B0604020202020204" pitchFamily="34" charset="0"/>
-              <a:buChar char="•"/>
-              <a:defRPr sz="1800" kern="1200">
-                <a:solidFill>
-                  <a:schemeClr val="tx1"/>
-                </a:solidFill>
-                <a:latin typeface="+mn-lt"/>
-                <a:ea typeface="+mn-ea"/>
-                <a:cs typeface="+mn-cs"/>
-              </a:defRPr>
-            </a:lvl6pPr>
-            <a:lvl7pPr marL="2971800" indent="-228600" algn="l" defTabSz="914400" rtl="0" eaLnBrk="1" latinLnBrk="0" hangingPunct="1">
-              <a:lnSpc>
-                <a:spcPct val="90000"/>
-              </a:lnSpc>
-              <a:spcBef>
-                <a:spcPts val="500"/>
-              </a:spcBef>
-              <a:buFont typeface="Arial" panose="020B0604020202020204" pitchFamily="34" charset="0"/>
-              <a:buChar char="•"/>
-              <a:defRPr sz="1800" kern="1200">
-                <a:solidFill>
-                  <a:schemeClr val="tx1"/>
-                </a:solidFill>
-                <a:latin typeface="+mn-lt"/>
-                <a:ea typeface="+mn-ea"/>
-                <a:cs typeface="+mn-cs"/>
-              </a:defRPr>
-            </a:lvl7pPr>
-            <a:lvl8pPr marL="3429000" indent="-228600" algn="l" defTabSz="914400" rtl="0" eaLnBrk="1" latinLnBrk="0" hangingPunct="1">
-              <a:lnSpc>
-                <a:spcPct val="90000"/>
-              </a:lnSpc>
-              <a:spcBef>
-                <a:spcPts val="500"/>
-              </a:spcBef>
-              <a:buFont typeface="Arial" panose="020B0604020202020204" pitchFamily="34" charset="0"/>
-              <a:buChar char="•"/>
-              <a:defRPr sz="1800" kern="1200">
-                <a:solidFill>
-                  <a:schemeClr val="tx1"/>
-                </a:solidFill>
-                <a:latin typeface="+mn-lt"/>
-                <a:ea typeface="+mn-ea"/>
-                <a:cs typeface="+mn-cs"/>
-              </a:defRPr>
-            </a:lvl8pPr>
-            <a:lvl9pPr marL="3886200" indent="-228600" algn="l" defTabSz="914400" rtl="0" eaLnBrk="1" latinLnBrk="0" hangingPunct="1">
-              <a:lnSpc>
-                <a:spcPct val="90000"/>
-              </a:lnSpc>
-              <a:spcBef>
-                <a:spcPts val="500"/>
-              </a:spcBef>
-              <a:buFont typeface="Arial" panose="020B0604020202020204" pitchFamily="34" charset="0"/>
-              <a:buChar char="•"/>
-              <a:defRPr sz="1800" kern="1200">
-                <a:solidFill>
-                  <a:schemeClr val="tx1"/>
-                </a:solidFill>
-                <a:latin typeface="+mn-lt"/>
-                <a:ea typeface="+mn-ea"/>
-                <a:cs typeface="+mn-cs"/>
-              </a:defRPr>
-            </a:lvl9pPr>
-          </a:lstStyle>
-          <a:p>
-            <a:pPr marL="0" indent="0" algn="ctr">
-              <a:buFont typeface="Arial" panose="020B0604020202020204" pitchFamily="34" charset="0"/>
-              <a:buNone/>
-            </a:pPr>
-            <a:r>
-              <a:rPr lang="en-US" dirty="0">
-                <a:latin typeface="Times New Roman" panose="02020603050405020304" pitchFamily="18" charset="0"/>
-                <a:cs typeface="Times New Roman" panose="02020603050405020304" pitchFamily="18" charset="0"/>
-              </a:rPr>
-              <a:t>6</a:t>
-            </a:r>
-            <a:endParaRPr lang="vi-VN" dirty="0">
-              <a:latin typeface="Times New Roman" panose="02020603050405020304" pitchFamily="18" charset="0"/>
-              <a:cs typeface="Times New Roman" panose="02020603050405020304" pitchFamily="18" charset="0"/>
-            </a:endParaRPr>
-          </a:p>
-        </p:txBody>
-      </p:sp>
-      <p:pic>
-        <p:nvPicPr>
-          <p:cNvPr id="6" name="Picture 5">
-            <a:extLst>
-              <a:ext uri="{FF2B5EF4-FFF2-40B4-BE49-F238E27FC236}">
-                <a16:creationId xmlns:a16="http://schemas.microsoft.com/office/drawing/2014/main" id="{30E4D7E5-AD08-4597-A81B-D926BFDA100C}"/>
-              </a:ext>
-            </a:extLst>
-          </p:cNvPr>
-          <p:cNvPicPr>
-            <a:picLocks noChangeAspect="1"/>
-          </p:cNvPicPr>
-          <p:nvPr/>
-        </p:nvPicPr>
-        <p:blipFill>
-          <a:blip r:embed="rId3"/>
-          <a:stretch>
-            <a:fillRect/>
-          </a:stretch>
-        </p:blipFill>
-        <p:spPr>
-          <a:xfrm>
-            <a:off x="4657288" y="2075217"/>
-            <a:ext cx="7131012" cy="3236259"/>
-          </a:xfrm>
-          <a:prstGeom prst="rect">
-            <a:avLst/>
-          </a:prstGeom>
-        </p:spPr>
-      </p:pic>
-    </p:spTree>
-    <p:extLst>
-      <p:ext uri="{BB962C8B-B14F-4D97-AF65-F5344CB8AC3E}">
-        <p14:creationId xmlns:p14="http://schemas.microsoft.com/office/powerpoint/2010/main" val="3805094893"/>
       </p:ext>
     </p:extLst>
   </p:cSld>

--- a/documents/Slide Đồ án tốt nghiệp_Nguyễn Tuấn Anh_REV3.pptx
+++ b/documents/Slide Đồ án tốt nghiệp_Nguyễn Tuấn Anh_REV3.pptx
@@ -256,7 +256,7 @@
           <a:p>
             <a:fld id="{C8EC4C12-44DC-4AF1-91BC-D6BFF5E34312}" type="datetimeFigureOut">
               <a:rPr lang="vi-VN" smtClean="0"/>
-              <a:t>29/01/2021</a:t>
+              <a:t>30/01/2021</a:t>
             </a:fld>
             <a:endParaRPr lang="vi-VN"/>
           </a:p>
@@ -4874,11 +4874,11 @@
               <a:buNone/>
             </a:pPr>
             <a:r>
-              <a:rPr lang="en-US" dirty="0">
+              <a:rPr lang="en-US">
                 <a:latin typeface="Times New Roman" panose="02020603050405020304" pitchFamily="18" charset="0"/>
                 <a:cs typeface="Times New Roman" panose="02020603050405020304" pitchFamily="18" charset="0"/>
               </a:rPr>
-              <a:t>8</a:t>
+              <a:t>7</a:t>
             </a:r>
             <a:endParaRPr lang="vi-VN" dirty="0">
               <a:latin typeface="Times New Roman" panose="02020603050405020304" pitchFamily="18" charset="0"/>
@@ -9971,10 +9971,10 @@
       </p:sp>
       <p:pic>
         <p:nvPicPr>
-          <p:cNvPr id="8" name="Picture 7">
+          <p:cNvPr id="3" name="Picture 2">
             <a:extLst>
               <a:ext uri="{FF2B5EF4-FFF2-40B4-BE49-F238E27FC236}">
-                <a16:creationId xmlns:a16="http://schemas.microsoft.com/office/drawing/2014/main" id="{B94E1DB8-E79A-463D-A9FE-78888FA3CB96}"/>
+                <a16:creationId xmlns:a16="http://schemas.microsoft.com/office/drawing/2014/main" id="{3B1907DC-9D86-4526-979C-008496471E50}"/>
               </a:ext>
             </a:extLst>
           </p:cNvPr>
@@ -9991,8 +9991,8 @@
         </p:blipFill>
         <p:spPr>
           <a:xfrm>
-            <a:off x="1798320" y="853440"/>
-            <a:ext cx="8739502" cy="5332577"/>
+            <a:off x="1702101" y="952313"/>
+            <a:ext cx="8787797" cy="5233704"/>
           </a:xfrm>
           <a:prstGeom prst="rect">
             <a:avLst/>
@@ -10292,436 +10292,7 @@
           <a:p>
             <a:r>
               <a:rPr lang="en-US">
-                <a:latin typeface="Times New Roman" panose="02020603050405020304" pitchFamily="18" charset="0"/>
-                <a:cs typeface="Times New Roman" panose="02020603050405020304" pitchFamily="18" charset="0"/>
-              </a:rPr>
-              <a:t>2. Phân tích và thiết kế</a:t>
-            </a:r>
-          </a:p>
-        </p:txBody>
-      </p:sp>
-      <p:pic>
-        <p:nvPicPr>
-          <p:cNvPr id="3" name="Picture 2" descr="Diagram&#10;&#10;Description automatically generated">
-            <a:extLst>
-              <a:ext uri="{FF2B5EF4-FFF2-40B4-BE49-F238E27FC236}">
-                <a16:creationId xmlns:a16="http://schemas.microsoft.com/office/drawing/2014/main" id="{66F068DC-D3FF-4548-B21F-51C7C45264FE}"/>
-              </a:ext>
-            </a:extLst>
-          </p:cNvPr>
-          <p:cNvPicPr>
-            <a:picLocks noChangeAspect="1"/>
-          </p:cNvPicPr>
-          <p:nvPr/>
-        </p:nvPicPr>
-        <p:blipFill>
-          <a:blip r:embed="rId3">
-            <a:extLst>
-              <a:ext uri="{28A0092B-C50C-407E-A947-70E740481C1C}">
-                <a14:useLocalDpi xmlns:a14="http://schemas.microsoft.com/office/drawing/2010/main" val="0"/>
-              </a:ext>
-            </a:extLst>
-          </a:blip>
-          <a:stretch>
-            <a:fillRect/>
-          </a:stretch>
-        </p:blipFill>
-        <p:spPr>
-          <a:xfrm>
-            <a:off x="4224174" y="1484840"/>
-            <a:ext cx="5272365" cy="4801618"/>
-          </a:xfrm>
-          <a:prstGeom prst="rect">
-            <a:avLst/>
-          </a:prstGeom>
-        </p:spPr>
-      </p:pic>
-      <p:sp>
-        <p:nvSpPr>
-          <p:cNvPr id="7" name="Text Placeholder 2">
-            <a:extLst>
-              <a:ext uri="{FF2B5EF4-FFF2-40B4-BE49-F238E27FC236}">
-                <a16:creationId xmlns:a16="http://schemas.microsoft.com/office/drawing/2014/main" id="{D2EB9B74-DDA5-4D5A-8A44-2B4389B0A96D}"/>
-              </a:ext>
-            </a:extLst>
-          </p:cNvPr>
-          <p:cNvSpPr txBox="1">
-            <a:spLocks/>
-          </p:cNvSpPr>
-          <p:nvPr/>
-        </p:nvSpPr>
-        <p:spPr>
-          <a:xfrm>
-            <a:off x="11240542" y="5967968"/>
-            <a:ext cx="612722" cy="518470"/>
-          </a:xfrm>
-          <a:prstGeom prst="rect">
-            <a:avLst/>
-          </a:prstGeom>
-        </p:spPr>
-        <p:txBody>
-          <a:bodyPr/>
-          <a:lstStyle>
-            <a:lvl1pPr marL="228600" indent="-228600" algn="l" defTabSz="914400" rtl="0" eaLnBrk="1" latinLnBrk="0" hangingPunct="1">
-              <a:lnSpc>
-                <a:spcPct val="90000"/>
-              </a:lnSpc>
-              <a:spcBef>
-                <a:spcPts val="1000"/>
-              </a:spcBef>
-              <a:buFont typeface="Arial" panose="020B0604020202020204" pitchFamily="34" charset="0"/>
-              <a:buChar char="•"/>
-              <a:defRPr sz="2800" kern="1200">
-                <a:solidFill>
-                  <a:schemeClr val="tx1"/>
-                </a:solidFill>
-                <a:latin typeface="Lato" panose="020F0502020204030203" pitchFamily="34" charset="0"/>
-                <a:ea typeface="Lato" panose="020F0502020204030203" pitchFamily="34" charset="0"/>
-                <a:cs typeface="Lato" panose="020F0502020204030203" pitchFamily="34" charset="0"/>
-              </a:defRPr>
-            </a:lvl1pPr>
-            <a:lvl2pPr marL="685800" indent="-228600" algn="l" defTabSz="914400" rtl="0" eaLnBrk="1" latinLnBrk="0" hangingPunct="1">
-              <a:lnSpc>
-                <a:spcPct val="90000"/>
-              </a:lnSpc>
-              <a:spcBef>
-                <a:spcPts val="500"/>
-              </a:spcBef>
-              <a:buFont typeface="Arial" panose="020B0604020202020204" pitchFamily="34" charset="0"/>
-              <a:buChar char="•"/>
-              <a:defRPr sz="2400" kern="1200">
-                <a:solidFill>
-                  <a:schemeClr val="tx1"/>
-                </a:solidFill>
-                <a:latin typeface="Lato" panose="020F0502020204030203" pitchFamily="34" charset="0"/>
-                <a:ea typeface="Lato" panose="020F0502020204030203" pitchFamily="34" charset="0"/>
-                <a:cs typeface="Lato" panose="020F0502020204030203" pitchFamily="34" charset="0"/>
-              </a:defRPr>
-            </a:lvl2pPr>
-            <a:lvl3pPr marL="1143000" indent="-228600" algn="l" defTabSz="914400" rtl="0" eaLnBrk="1" latinLnBrk="0" hangingPunct="1">
-              <a:lnSpc>
-                <a:spcPct val="90000"/>
-              </a:lnSpc>
-              <a:spcBef>
-                <a:spcPts val="500"/>
-              </a:spcBef>
-              <a:buFont typeface="Arial" panose="020B0604020202020204" pitchFamily="34" charset="0"/>
-              <a:buChar char="•"/>
-              <a:defRPr sz="2000" kern="1200">
-                <a:solidFill>
-                  <a:schemeClr val="tx1"/>
-                </a:solidFill>
-                <a:latin typeface="Lato" panose="020F0502020204030203" pitchFamily="34" charset="0"/>
-                <a:ea typeface="Lato" panose="020F0502020204030203" pitchFamily="34" charset="0"/>
-                <a:cs typeface="Lato" panose="020F0502020204030203" pitchFamily="34" charset="0"/>
-              </a:defRPr>
-            </a:lvl3pPr>
-            <a:lvl4pPr marL="1600200" indent="-228600" algn="l" defTabSz="914400" rtl="0" eaLnBrk="1" latinLnBrk="0" hangingPunct="1">
-              <a:lnSpc>
-                <a:spcPct val="90000"/>
-              </a:lnSpc>
-              <a:spcBef>
-                <a:spcPts val="500"/>
-              </a:spcBef>
-              <a:buFont typeface="Arial" panose="020B0604020202020204" pitchFamily="34" charset="0"/>
-              <a:buChar char="•"/>
-              <a:defRPr sz="1800" kern="1200">
-                <a:solidFill>
-                  <a:schemeClr val="tx1"/>
-                </a:solidFill>
-                <a:latin typeface="Lato" panose="020F0502020204030203" pitchFamily="34" charset="0"/>
-                <a:ea typeface="Lato" panose="020F0502020204030203" pitchFamily="34" charset="0"/>
-                <a:cs typeface="Lato" panose="020F0502020204030203" pitchFamily="34" charset="0"/>
-              </a:defRPr>
-            </a:lvl4pPr>
-            <a:lvl5pPr marL="2057400" indent="-228600" algn="l" defTabSz="914400" rtl="0" eaLnBrk="1" latinLnBrk="0" hangingPunct="1">
-              <a:lnSpc>
-                <a:spcPct val="90000"/>
-              </a:lnSpc>
-              <a:spcBef>
-                <a:spcPts val="500"/>
-              </a:spcBef>
-              <a:buFont typeface="Arial" panose="020B0604020202020204" pitchFamily="34" charset="0"/>
-              <a:buChar char="•"/>
-              <a:defRPr sz="1800" kern="1200">
-                <a:solidFill>
-                  <a:schemeClr val="tx1"/>
-                </a:solidFill>
-                <a:latin typeface="Lato" panose="020F0502020204030203" pitchFamily="34" charset="0"/>
-                <a:ea typeface="Lato" panose="020F0502020204030203" pitchFamily="34" charset="0"/>
-                <a:cs typeface="Lato" panose="020F0502020204030203" pitchFamily="34" charset="0"/>
-              </a:defRPr>
-            </a:lvl5pPr>
-            <a:lvl6pPr marL="2514600" indent="-228600" algn="l" defTabSz="914400" rtl="0" eaLnBrk="1" latinLnBrk="0" hangingPunct="1">
-              <a:lnSpc>
-                <a:spcPct val="90000"/>
-              </a:lnSpc>
-              <a:spcBef>
-                <a:spcPts val="500"/>
-              </a:spcBef>
-              <a:buFont typeface="Arial" panose="020B0604020202020204" pitchFamily="34" charset="0"/>
-              <a:buChar char="•"/>
-              <a:defRPr sz="1800" kern="1200">
-                <a:solidFill>
-                  <a:schemeClr val="tx1"/>
-                </a:solidFill>
-                <a:latin typeface="+mn-lt"/>
-                <a:ea typeface="+mn-ea"/>
-                <a:cs typeface="+mn-cs"/>
-              </a:defRPr>
-            </a:lvl6pPr>
-            <a:lvl7pPr marL="2971800" indent="-228600" algn="l" defTabSz="914400" rtl="0" eaLnBrk="1" latinLnBrk="0" hangingPunct="1">
-              <a:lnSpc>
-                <a:spcPct val="90000"/>
-              </a:lnSpc>
-              <a:spcBef>
-                <a:spcPts val="500"/>
-              </a:spcBef>
-              <a:buFont typeface="Arial" panose="020B0604020202020204" pitchFamily="34" charset="0"/>
-              <a:buChar char="•"/>
-              <a:defRPr sz="1800" kern="1200">
-                <a:solidFill>
-                  <a:schemeClr val="tx1"/>
-                </a:solidFill>
-                <a:latin typeface="+mn-lt"/>
-                <a:ea typeface="+mn-ea"/>
-                <a:cs typeface="+mn-cs"/>
-              </a:defRPr>
-            </a:lvl7pPr>
-            <a:lvl8pPr marL="3429000" indent="-228600" algn="l" defTabSz="914400" rtl="0" eaLnBrk="1" latinLnBrk="0" hangingPunct="1">
-              <a:lnSpc>
-                <a:spcPct val="90000"/>
-              </a:lnSpc>
-              <a:spcBef>
-                <a:spcPts val="500"/>
-              </a:spcBef>
-              <a:buFont typeface="Arial" panose="020B0604020202020204" pitchFamily="34" charset="0"/>
-              <a:buChar char="•"/>
-              <a:defRPr sz="1800" kern="1200">
-                <a:solidFill>
-                  <a:schemeClr val="tx1"/>
-                </a:solidFill>
-                <a:latin typeface="+mn-lt"/>
-                <a:ea typeface="+mn-ea"/>
-                <a:cs typeface="+mn-cs"/>
-              </a:defRPr>
-            </a:lvl8pPr>
-            <a:lvl9pPr marL="3886200" indent="-228600" algn="l" defTabSz="914400" rtl="0" eaLnBrk="1" latinLnBrk="0" hangingPunct="1">
-              <a:lnSpc>
-                <a:spcPct val="90000"/>
-              </a:lnSpc>
-              <a:spcBef>
-                <a:spcPts val="500"/>
-              </a:spcBef>
-              <a:buFont typeface="Arial" panose="020B0604020202020204" pitchFamily="34" charset="0"/>
-              <a:buChar char="•"/>
-              <a:defRPr sz="1800" kern="1200">
-                <a:solidFill>
-                  <a:schemeClr val="tx1"/>
-                </a:solidFill>
-                <a:latin typeface="+mn-lt"/>
-                <a:ea typeface="+mn-ea"/>
-                <a:cs typeface="+mn-cs"/>
-              </a:defRPr>
-            </a:lvl9pPr>
-          </a:lstStyle>
-          <a:p>
-            <a:pPr marL="0" indent="0" algn="ctr">
-              <a:buFont typeface="Arial" panose="020B0604020202020204" pitchFamily="34" charset="0"/>
-              <a:buNone/>
-            </a:pPr>
-            <a:r>
-              <a:rPr lang="en-US" dirty="0">
-                <a:latin typeface="Times New Roman" panose="02020603050405020304" pitchFamily="18" charset="0"/>
-                <a:cs typeface="Times New Roman" panose="02020603050405020304" pitchFamily="18" charset="0"/>
-              </a:rPr>
-              <a:t>14</a:t>
-            </a:r>
-            <a:endParaRPr lang="vi-VN" dirty="0">
-              <a:latin typeface="Times New Roman" panose="02020603050405020304" pitchFamily="18" charset="0"/>
-              <a:cs typeface="Times New Roman" panose="02020603050405020304" pitchFamily="18" charset="0"/>
-            </a:endParaRPr>
-          </a:p>
-        </p:txBody>
-      </p:sp>
-    </p:spTree>
-    <p:extLst>
-      <p:ext uri="{BB962C8B-B14F-4D97-AF65-F5344CB8AC3E}">
-        <p14:creationId xmlns:p14="http://schemas.microsoft.com/office/powerpoint/2010/main" val="2379372365"/>
-      </p:ext>
-    </p:extLst>
-  </p:cSld>
-  <p:clrMapOvr>
-    <a:masterClrMapping/>
-  </p:clrMapOvr>
-</p:sld>
-</file>
-
-<file path=ppt/slides/slide18.xml><?xml version="1.0" encoding="utf-8"?>
-<p:sld xmlns:a="http://schemas.openxmlformats.org/drawingml/2006/main" xmlns:r="http://schemas.openxmlformats.org/officeDocument/2006/relationships" xmlns:p="http://schemas.openxmlformats.org/presentationml/2006/main">
-  <p:cSld>
-    <p:spTree>
-      <p:nvGrpSpPr>
-        <p:cNvPr id="1" name=""/>
-        <p:cNvGrpSpPr/>
-        <p:nvPr/>
-      </p:nvGrpSpPr>
-      <p:grpSpPr>
-        <a:xfrm>
-          <a:off x="0" y="0"/>
-          <a:ext cx="0" cy="0"/>
-          <a:chOff x="0" y="0"/>
-          <a:chExt cx="0" cy="0"/>
-        </a:xfrm>
-      </p:grpSpPr>
-      <p:sp>
-        <p:nvSpPr>
-          <p:cNvPr id="5" name="Content Placeholder 4">
-            <a:extLst>
-              <a:ext uri="{FF2B5EF4-FFF2-40B4-BE49-F238E27FC236}">
-                <a16:creationId xmlns:a16="http://schemas.microsoft.com/office/drawing/2014/main" id="{82AD3B8F-023F-4D30-80AA-BE5F44F41593}"/>
-              </a:ext>
-            </a:extLst>
-          </p:cNvPr>
-          <p:cNvSpPr>
-            <a:spLocks noGrp="1"/>
-          </p:cNvSpPr>
-          <p:nvPr>
-            <p:ph sz="quarter" idx="10"/>
-          </p:nvPr>
-        </p:nvSpPr>
-        <p:spPr/>
-        <p:txBody>
-          <a:bodyPr/>
-          <a:lstStyle/>
-          <a:p>
-            <a:pPr marL="0" indent="0">
-              <a:buNone/>
-            </a:pPr>
-            <a:r>
-              <a:rPr lang="en-US" dirty="0">
-                <a:latin typeface="Times New Roman" panose="02020603050405020304" pitchFamily="18" charset="0"/>
-                <a:cs typeface="Times New Roman" panose="02020603050405020304" pitchFamily="18" charset="0"/>
-              </a:rPr>
-              <a:t>2.3. </a:t>
-            </a:r>
-            <a:r>
-              <a:rPr lang="en-US" dirty="0" err="1">
-                <a:latin typeface="Times New Roman" panose="02020603050405020304" pitchFamily="18" charset="0"/>
-                <a:cs typeface="Times New Roman" panose="02020603050405020304" pitchFamily="18" charset="0"/>
-              </a:rPr>
-              <a:t>Thiết</a:t>
-            </a:r>
-            <a:r>
-              <a:rPr lang="en-US" dirty="0">
-                <a:latin typeface="Times New Roman" panose="02020603050405020304" pitchFamily="18" charset="0"/>
-                <a:cs typeface="Times New Roman" panose="02020603050405020304" pitchFamily="18" charset="0"/>
-              </a:rPr>
-              <a:t> </a:t>
-            </a:r>
-            <a:r>
-              <a:rPr lang="en-US" dirty="0" err="1">
-                <a:latin typeface="Times New Roman" panose="02020603050405020304" pitchFamily="18" charset="0"/>
-                <a:cs typeface="Times New Roman" panose="02020603050405020304" pitchFamily="18" charset="0"/>
-              </a:rPr>
-              <a:t>kế</a:t>
-            </a:r>
-            <a:r>
-              <a:rPr lang="en-US" dirty="0">
-                <a:latin typeface="Times New Roman" panose="02020603050405020304" pitchFamily="18" charset="0"/>
-                <a:cs typeface="Times New Roman" panose="02020603050405020304" pitchFamily="18" charset="0"/>
-              </a:rPr>
-              <a:t> </a:t>
-            </a:r>
-            <a:r>
-              <a:rPr lang="en-US" dirty="0" err="1">
-                <a:latin typeface="Times New Roman" panose="02020603050405020304" pitchFamily="18" charset="0"/>
-                <a:cs typeface="Times New Roman" panose="02020603050405020304" pitchFamily="18" charset="0"/>
-              </a:rPr>
-              <a:t>chương</a:t>
-            </a:r>
-            <a:r>
-              <a:rPr lang="en-US" dirty="0">
-                <a:latin typeface="Times New Roman" panose="02020603050405020304" pitchFamily="18" charset="0"/>
-                <a:cs typeface="Times New Roman" panose="02020603050405020304" pitchFamily="18" charset="0"/>
-              </a:rPr>
-              <a:t> </a:t>
-            </a:r>
-            <a:r>
-              <a:rPr lang="en-US" dirty="0" err="1">
-                <a:latin typeface="Times New Roman" panose="02020603050405020304" pitchFamily="18" charset="0"/>
-                <a:cs typeface="Times New Roman" panose="02020603050405020304" pitchFamily="18" charset="0"/>
-              </a:rPr>
-              <a:t>trình</a:t>
-            </a:r>
-            <a:r>
-              <a:rPr lang="en-US" dirty="0">
-                <a:latin typeface="Times New Roman" panose="02020603050405020304" pitchFamily="18" charset="0"/>
-                <a:cs typeface="Times New Roman" panose="02020603050405020304" pitchFamily="18" charset="0"/>
-              </a:rPr>
-              <a:t> vi </a:t>
-            </a:r>
-            <a:r>
-              <a:rPr lang="en-US" dirty="0" err="1">
-                <a:latin typeface="Times New Roman" panose="02020603050405020304" pitchFamily="18" charset="0"/>
-                <a:cs typeface="Times New Roman" panose="02020603050405020304" pitchFamily="18" charset="0"/>
-              </a:rPr>
-              <a:t>điều</a:t>
-            </a:r>
-            <a:r>
-              <a:rPr lang="en-US" dirty="0">
-                <a:latin typeface="Times New Roman" panose="02020603050405020304" pitchFamily="18" charset="0"/>
-                <a:cs typeface="Times New Roman" panose="02020603050405020304" pitchFamily="18" charset="0"/>
-              </a:rPr>
-              <a:t> </a:t>
-            </a:r>
-            <a:r>
-              <a:rPr lang="en-US" dirty="0" err="1">
-                <a:latin typeface="Times New Roman" panose="02020603050405020304" pitchFamily="18" charset="0"/>
-                <a:cs typeface="Times New Roman" panose="02020603050405020304" pitchFamily="18" charset="0"/>
-              </a:rPr>
-              <a:t>khiển</a:t>
-            </a:r>
-            <a:endParaRPr lang="en-US" dirty="0">
-              <a:latin typeface="Times New Roman" panose="02020603050405020304" pitchFamily="18" charset="0"/>
-              <a:cs typeface="Times New Roman" panose="02020603050405020304" pitchFamily="18" charset="0"/>
-            </a:endParaRPr>
-          </a:p>
-          <a:p>
-            <a:pPr marL="0" indent="0">
-              <a:buNone/>
-            </a:pPr>
-            <a:endParaRPr lang="vi-VN" dirty="0">
-              <a:latin typeface="Times New Roman" panose="02020603050405020304" pitchFamily="18" charset="0"/>
-              <a:cs typeface="Times New Roman" panose="02020603050405020304" pitchFamily="18" charset="0"/>
-            </a:endParaRPr>
-          </a:p>
-        </p:txBody>
-      </p:sp>
-      <p:sp>
-        <p:nvSpPr>
-          <p:cNvPr id="4" name="Title 3">
-            <a:extLst>
-              <a:ext uri="{FF2B5EF4-FFF2-40B4-BE49-F238E27FC236}">
-                <a16:creationId xmlns:a16="http://schemas.microsoft.com/office/drawing/2014/main" id="{52E18D06-2298-4C20-BF3D-F4536777C955}"/>
-              </a:ext>
-            </a:extLst>
-          </p:cNvPr>
-          <p:cNvSpPr>
-            <a:spLocks noGrp="1"/>
-          </p:cNvSpPr>
-          <p:nvPr>
-            <p:ph type="title"/>
-          </p:nvPr>
-        </p:nvSpPr>
-        <p:spPr/>
-        <p:txBody>
-          <a:bodyPr/>
-          <a:lstStyle/>
-          <a:p>
-            <a:r>
-              <a:rPr lang="en-US">
-                <a:latin typeface="Times New Roman" panose="02020603050405020304" pitchFamily="18" charset="0"/>
+                <a:latin typeface="+mn-lt"/>
                 <a:cs typeface="Times New Roman" panose="02020603050405020304" pitchFamily="18" charset="0"/>
               </a:rPr>
               <a:t>2. Phân tích và thiết kế</a:t>
@@ -10939,6 +10510,429 @@
       </p:sp>
       <p:pic>
         <p:nvPicPr>
+          <p:cNvPr id="6" name="Picture 5">
+            <a:extLst>
+              <a:ext uri="{FF2B5EF4-FFF2-40B4-BE49-F238E27FC236}">
+                <a16:creationId xmlns:a16="http://schemas.microsoft.com/office/drawing/2014/main" id="{C9BF0E6B-FA4E-4D6A-AAAC-DF2906E2F7FB}"/>
+              </a:ext>
+            </a:extLst>
+          </p:cNvPr>
+          <p:cNvPicPr>
+            <a:picLocks noChangeAspect="1"/>
+          </p:cNvPicPr>
+          <p:nvPr/>
+        </p:nvPicPr>
+        <p:blipFill>
+          <a:blip r:embed="rId3"/>
+          <a:stretch>
+            <a:fillRect/>
+          </a:stretch>
+        </p:blipFill>
+        <p:spPr>
+          <a:xfrm>
+            <a:off x="5244955" y="1534509"/>
+            <a:ext cx="5470997" cy="4791075"/>
+          </a:xfrm>
+          <a:prstGeom prst="rect">
+            <a:avLst/>
+          </a:prstGeom>
+        </p:spPr>
+      </p:pic>
+    </p:spTree>
+    <p:extLst>
+      <p:ext uri="{BB962C8B-B14F-4D97-AF65-F5344CB8AC3E}">
+        <p14:creationId xmlns:p14="http://schemas.microsoft.com/office/powerpoint/2010/main" val="2379372365"/>
+      </p:ext>
+    </p:extLst>
+  </p:cSld>
+  <p:clrMapOvr>
+    <a:masterClrMapping/>
+  </p:clrMapOvr>
+</p:sld>
+</file>
+
+<file path=ppt/slides/slide18.xml><?xml version="1.0" encoding="utf-8"?>
+<p:sld xmlns:a="http://schemas.openxmlformats.org/drawingml/2006/main" xmlns:r="http://schemas.openxmlformats.org/officeDocument/2006/relationships" xmlns:p="http://schemas.openxmlformats.org/presentationml/2006/main">
+  <p:cSld>
+    <p:spTree>
+      <p:nvGrpSpPr>
+        <p:cNvPr id="1" name=""/>
+        <p:cNvGrpSpPr/>
+        <p:nvPr/>
+      </p:nvGrpSpPr>
+      <p:grpSpPr>
+        <a:xfrm>
+          <a:off x="0" y="0"/>
+          <a:ext cx="0" cy="0"/>
+          <a:chOff x="0" y="0"/>
+          <a:chExt cx="0" cy="0"/>
+        </a:xfrm>
+      </p:grpSpPr>
+      <p:sp>
+        <p:nvSpPr>
+          <p:cNvPr id="5" name="Content Placeholder 4">
+            <a:extLst>
+              <a:ext uri="{FF2B5EF4-FFF2-40B4-BE49-F238E27FC236}">
+                <a16:creationId xmlns:a16="http://schemas.microsoft.com/office/drawing/2014/main" id="{82AD3B8F-023F-4D30-80AA-BE5F44F41593}"/>
+              </a:ext>
+            </a:extLst>
+          </p:cNvPr>
+          <p:cNvSpPr>
+            <a:spLocks noGrp="1"/>
+          </p:cNvSpPr>
+          <p:nvPr>
+            <p:ph sz="quarter" idx="10"/>
+          </p:nvPr>
+        </p:nvSpPr>
+        <p:spPr/>
+        <p:txBody>
+          <a:bodyPr/>
+          <a:lstStyle/>
+          <a:p>
+            <a:pPr marL="0" indent="0">
+              <a:buNone/>
+            </a:pPr>
+            <a:r>
+              <a:rPr lang="en-US" dirty="0">
+                <a:latin typeface="Times New Roman" panose="02020603050405020304" pitchFamily="18" charset="0"/>
+                <a:cs typeface="Times New Roman" panose="02020603050405020304" pitchFamily="18" charset="0"/>
+              </a:rPr>
+              <a:t>2.3. </a:t>
+            </a:r>
+            <a:r>
+              <a:rPr lang="en-US" dirty="0" err="1">
+                <a:latin typeface="Times New Roman" panose="02020603050405020304" pitchFamily="18" charset="0"/>
+                <a:cs typeface="Times New Roman" panose="02020603050405020304" pitchFamily="18" charset="0"/>
+              </a:rPr>
+              <a:t>Thiết</a:t>
+            </a:r>
+            <a:r>
+              <a:rPr lang="en-US" dirty="0">
+                <a:latin typeface="Times New Roman" panose="02020603050405020304" pitchFamily="18" charset="0"/>
+                <a:cs typeface="Times New Roman" panose="02020603050405020304" pitchFamily="18" charset="0"/>
+              </a:rPr>
+              <a:t> </a:t>
+            </a:r>
+            <a:r>
+              <a:rPr lang="en-US" dirty="0" err="1">
+                <a:latin typeface="Times New Roman" panose="02020603050405020304" pitchFamily="18" charset="0"/>
+                <a:cs typeface="Times New Roman" panose="02020603050405020304" pitchFamily="18" charset="0"/>
+              </a:rPr>
+              <a:t>kế</a:t>
+            </a:r>
+            <a:r>
+              <a:rPr lang="en-US" dirty="0">
+                <a:latin typeface="Times New Roman" panose="02020603050405020304" pitchFamily="18" charset="0"/>
+                <a:cs typeface="Times New Roman" panose="02020603050405020304" pitchFamily="18" charset="0"/>
+              </a:rPr>
+              <a:t> </a:t>
+            </a:r>
+            <a:r>
+              <a:rPr lang="en-US" dirty="0" err="1">
+                <a:latin typeface="Times New Roman" panose="02020603050405020304" pitchFamily="18" charset="0"/>
+                <a:cs typeface="Times New Roman" panose="02020603050405020304" pitchFamily="18" charset="0"/>
+              </a:rPr>
+              <a:t>chương</a:t>
+            </a:r>
+            <a:r>
+              <a:rPr lang="en-US" dirty="0">
+                <a:latin typeface="Times New Roman" panose="02020603050405020304" pitchFamily="18" charset="0"/>
+                <a:cs typeface="Times New Roman" panose="02020603050405020304" pitchFamily="18" charset="0"/>
+              </a:rPr>
+              <a:t> </a:t>
+            </a:r>
+            <a:r>
+              <a:rPr lang="en-US" dirty="0" err="1">
+                <a:latin typeface="Times New Roman" panose="02020603050405020304" pitchFamily="18" charset="0"/>
+                <a:cs typeface="Times New Roman" panose="02020603050405020304" pitchFamily="18" charset="0"/>
+              </a:rPr>
+              <a:t>trình</a:t>
+            </a:r>
+            <a:r>
+              <a:rPr lang="en-US" dirty="0">
+                <a:latin typeface="Times New Roman" panose="02020603050405020304" pitchFamily="18" charset="0"/>
+                <a:cs typeface="Times New Roman" panose="02020603050405020304" pitchFamily="18" charset="0"/>
+              </a:rPr>
+              <a:t> vi </a:t>
+            </a:r>
+            <a:r>
+              <a:rPr lang="en-US" dirty="0" err="1">
+                <a:latin typeface="Times New Roman" panose="02020603050405020304" pitchFamily="18" charset="0"/>
+                <a:cs typeface="Times New Roman" panose="02020603050405020304" pitchFamily="18" charset="0"/>
+              </a:rPr>
+              <a:t>điều</a:t>
+            </a:r>
+            <a:r>
+              <a:rPr lang="en-US" dirty="0">
+                <a:latin typeface="Times New Roman" panose="02020603050405020304" pitchFamily="18" charset="0"/>
+                <a:cs typeface="Times New Roman" panose="02020603050405020304" pitchFamily="18" charset="0"/>
+              </a:rPr>
+              <a:t> </a:t>
+            </a:r>
+            <a:r>
+              <a:rPr lang="en-US" dirty="0" err="1">
+                <a:latin typeface="Times New Roman" panose="02020603050405020304" pitchFamily="18" charset="0"/>
+                <a:cs typeface="Times New Roman" panose="02020603050405020304" pitchFamily="18" charset="0"/>
+              </a:rPr>
+              <a:t>khiển</a:t>
+            </a:r>
+            <a:endParaRPr lang="en-US" dirty="0">
+              <a:latin typeface="Times New Roman" panose="02020603050405020304" pitchFamily="18" charset="0"/>
+              <a:cs typeface="Times New Roman" panose="02020603050405020304" pitchFamily="18" charset="0"/>
+            </a:endParaRPr>
+          </a:p>
+          <a:p>
+            <a:pPr marL="0" indent="0">
+              <a:buNone/>
+            </a:pPr>
+            <a:endParaRPr lang="vi-VN" dirty="0">
+              <a:latin typeface="Times New Roman" panose="02020603050405020304" pitchFamily="18" charset="0"/>
+              <a:cs typeface="Times New Roman" panose="02020603050405020304" pitchFamily="18" charset="0"/>
+            </a:endParaRPr>
+          </a:p>
+        </p:txBody>
+      </p:sp>
+      <p:sp>
+        <p:nvSpPr>
+          <p:cNvPr id="4" name="Title 3">
+            <a:extLst>
+              <a:ext uri="{FF2B5EF4-FFF2-40B4-BE49-F238E27FC236}">
+                <a16:creationId xmlns:a16="http://schemas.microsoft.com/office/drawing/2014/main" id="{52E18D06-2298-4C20-BF3D-F4536777C955}"/>
+              </a:ext>
+            </a:extLst>
+          </p:cNvPr>
+          <p:cNvSpPr>
+            <a:spLocks noGrp="1"/>
+          </p:cNvSpPr>
+          <p:nvPr>
+            <p:ph type="title"/>
+          </p:nvPr>
+        </p:nvSpPr>
+        <p:spPr/>
+        <p:txBody>
+          <a:bodyPr/>
+          <a:lstStyle/>
+          <a:p>
+            <a:r>
+              <a:rPr lang="en-US">
+                <a:latin typeface="+mn-lt"/>
+                <a:cs typeface="Times New Roman" panose="02020603050405020304" pitchFamily="18" charset="0"/>
+              </a:rPr>
+              <a:t>2. Phân tích và thiết kế</a:t>
+            </a:r>
+          </a:p>
+        </p:txBody>
+      </p:sp>
+      <p:sp>
+        <p:nvSpPr>
+          <p:cNvPr id="7" name="Text Placeholder 2">
+            <a:extLst>
+              <a:ext uri="{FF2B5EF4-FFF2-40B4-BE49-F238E27FC236}">
+                <a16:creationId xmlns:a16="http://schemas.microsoft.com/office/drawing/2014/main" id="{D2EB9B74-DDA5-4D5A-8A44-2B4389B0A96D}"/>
+              </a:ext>
+            </a:extLst>
+          </p:cNvPr>
+          <p:cNvSpPr txBox="1">
+            <a:spLocks/>
+          </p:cNvSpPr>
+          <p:nvPr/>
+        </p:nvSpPr>
+        <p:spPr>
+          <a:xfrm>
+            <a:off x="11240542" y="5967968"/>
+            <a:ext cx="612722" cy="518470"/>
+          </a:xfrm>
+          <a:prstGeom prst="rect">
+            <a:avLst/>
+          </a:prstGeom>
+        </p:spPr>
+        <p:txBody>
+          <a:bodyPr/>
+          <a:lstStyle>
+            <a:lvl1pPr marL="228600" indent="-228600" algn="l" defTabSz="914400" rtl="0" eaLnBrk="1" latinLnBrk="0" hangingPunct="1">
+              <a:lnSpc>
+                <a:spcPct val="90000"/>
+              </a:lnSpc>
+              <a:spcBef>
+                <a:spcPts val="1000"/>
+              </a:spcBef>
+              <a:buFont typeface="Arial" panose="020B0604020202020204" pitchFamily="34" charset="0"/>
+              <a:buChar char="•"/>
+              <a:defRPr sz="2800" kern="1200">
+                <a:solidFill>
+                  <a:schemeClr val="tx1"/>
+                </a:solidFill>
+                <a:latin typeface="Lato" panose="020F0502020204030203" pitchFamily="34" charset="0"/>
+                <a:ea typeface="Lato" panose="020F0502020204030203" pitchFamily="34" charset="0"/>
+                <a:cs typeface="Lato" panose="020F0502020204030203" pitchFamily="34" charset="0"/>
+              </a:defRPr>
+            </a:lvl1pPr>
+            <a:lvl2pPr marL="685800" indent="-228600" algn="l" defTabSz="914400" rtl="0" eaLnBrk="1" latinLnBrk="0" hangingPunct="1">
+              <a:lnSpc>
+                <a:spcPct val="90000"/>
+              </a:lnSpc>
+              <a:spcBef>
+                <a:spcPts val="500"/>
+              </a:spcBef>
+              <a:buFont typeface="Arial" panose="020B0604020202020204" pitchFamily="34" charset="0"/>
+              <a:buChar char="•"/>
+              <a:defRPr sz="2400" kern="1200">
+                <a:solidFill>
+                  <a:schemeClr val="tx1"/>
+                </a:solidFill>
+                <a:latin typeface="Lato" panose="020F0502020204030203" pitchFamily="34" charset="0"/>
+                <a:ea typeface="Lato" panose="020F0502020204030203" pitchFamily="34" charset="0"/>
+                <a:cs typeface="Lato" panose="020F0502020204030203" pitchFamily="34" charset="0"/>
+              </a:defRPr>
+            </a:lvl2pPr>
+            <a:lvl3pPr marL="1143000" indent="-228600" algn="l" defTabSz="914400" rtl="0" eaLnBrk="1" latinLnBrk="0" hangingPunct="1">
+              <a:lnSpc>
+                <a:spcPct val="90000"/>
+              </a:lnSpc>
+              <a:spcBef>
+                <a:spcPts val="500"/>
+              </a:spcBef>
+              <a:buFont typeface="Arial" panose="020B0604020202020204" pitchFamily="34" charset="0"/>
+              <a:buChar char="•"/>
+              <a:defRPr sz="2000" kern="1200">
+                <a:solidFill>
+                  <a:schemeClr val="tx1"/>
+                </a:solidFill>
+                <a:latin typeface="Lato" panose="020F0502020204030203" pitchFamily="34" charset="0"/>
+                <a:ea typeface="Lato" panose="020F0502020204030203" pitchFamily="34" charset="0"/>
+                <a:cs typeface="Lato" panose="020F0502020204030203" pitchFamily="34" charset="0"/>
+              </a:defRPr>
+            </a:lvl3pPr>
+            <a:lvl4pPr marL="1600200" indent="-228600" algn="l" defTabSz="914400" rtl="0" eaLnBrk="1" latinLnBrk="0" hangingPunct="1">
+              <a:lnSpc>
+                <a:spcPct val="90000"/>
+              </a:lnSpc>
+              <a:spcBef>
+                <a:spcPts val="500"/>
+              </a:spcBef>
+              <a:buFont typeface="Arial" panose="020B0604020202020204" pitchFamily="34" charset="0"/>
+              <a:buChar char="•"/>
+              <a:defRPr sz="1800" kern="1200">
+                <a:solidFill>
+                  <a:schemeClr val="tx1"/>
+                </a:solidFill>
+                <a:latin typeface="Lato" panose="020F0502020204030203" pitchFamily="34" charset="0"/>
+                <a:ea typeface="Lato" panose="020F0502020204030203" pitchFamily="34" charset="0"/>
+                <a:cs typeface="Lato" panose="020F0502020204030203" pitchFamily="34" charset="0"/>
+              </a:defRPr>
+            </a:lvl4pPr>
+            <a:lvl5pPr marL="2057400" indent="-228600" algn="l" defTabSz="914400" rtl="0" eaLnBrk="1" latinLnBrk="0" hangingPunct="1">
+              <a:lnSpc>
+                <a:spcPct val="90000"/>
+              </a:lnSpc>
+              <a:spcBef>
+                <a:spcPts val="500"/>
+              </a:spcBef>
+              <a:buFont typeface="Arial" panose="020B0604020202020204" pitchFamily="34" charset="0"/>
+              <a:buChar char="•"/>
+              <a:defRPr sz="1800" kern="1200">
+                <a:solidFill>
+                  <a:schemeClr val="tx1"/>
+                </a:solidFill>
+                <a:latin typeface="Lato" panose="020F0502020204030203" pitchFamily="34" charset="0"/>
+                <a:ea typeface="Lato" panose="020F0502020204030203" pitchFamily="34" charset="0"/>
+                <a:cs typeface="Lato" panose="020F0502020204030203" pitchFamily="34" charset="0"/>
+              </a:defRPr>
+            </a:lvl5pPr>
+            <a:lvl6pPr marL="2514600" indent="-228600" algn="l" defTabSz="914400" rtl="0" eaLnBrk="1" latinLnBrk="0" hangingPunct="1">
+              <a:lnSpc>
+                <a:spcPct val="90000"/>
+              </a:lnSpc>
+              <a:spcBef>
+                <a:spcPts val="500"/>
+              </a:spcBef>
+              <a:buFont typeface="Arial" panose="020B0604020202020204" pitchFamily="34" charset="0"/>
+              <a:buChar char="•"/>
+              <a:defRPr sz="1800" kern="1200">
+                <a:solidFill>
+                  <a:schemeClr val="tx1"/>
+                </a:solidFill>
+                <a:latin typeface="+mn-lt"/>
+                <a:ea typeface="+mn-ea"/>
+                <a:cs typeface="+mn-cs"/>
+              </a:defRPr>
+            </a:lvl6pPr>
+            <a:lvl7pPr marL="2971800" indent="-228600" algn="l" defTabSz="914400" rtl="0" eaLnBrk="1" latinLnBrk="0" hangingPunct="1">
+              <a:lnSpc>
+                <a:spcPct val="90000"/>
+              </a:lnSpc>
+              <a:spcBef>
+                <a:spcPts val="500"/>
+              </a:spcBef>
+              <a:buFont typeface="Arial" panose="020B0604020202020204" pitchFamily="34" charset="0"/>
+              <a:buChar char="•"/>
+              <a:defRPr sz="1800" kern="1200">
+                <a:solidFill>
+                  <a:schemeClr val="tx1"/>
+                </a:solidFill>
+                <a:latin typeface="+mn-lt"/>
+                <a:ea typeface="+mn-ea"/>
+                <a:cs typeface="+mn-cs"/>
+              </a:defRPr>
+            </a:lvl7pPr>
+            <a:lvl8pPr marL="3429000" indent="-228600" algn="l" defTabSz="914400" rtl="0" eaLnBrk="1" latinLnBrk="0" hangingPunct="1">
+              <a:lnSpc>
+                <a:spcPct val="90000"/>
+              </a:lnSpc>
+              <a:spcBef>
+                <a:spcPts val="500"/>
+              </a:spcBef>
+              <a:buFont typeface="Arial" panose="020B0604020202020204" pitchFamily="34" charset="0"/>
+              <a:buChar char="•"/>
+              <a:defRPr sz="1800" kern="1200">
+                <a:solidFill>
+                  <a:schemeClr val="tx1"/>
+                </a:solidFill>
+                <a:latin typeface="+mn-lt"/>
+                <a:ea typeface="+mn-ea"/>
+                <a:cs typeface="+mn-cs"/>
+              </a:defRPr>
+            </a:lvl8pPr>
+            <a:lvl9pPr marL="3886200" indent="-228600" algn="l" defTabSz="914400" rtl="0" eaLnBrk="1" latinLnBrk="0" hangingPunct="1">
+              <a:lnSpc>
+                <a:spcPct val="90000"/>
+              </a:lnSpc>
+              <a:spcBef>
+                <a:spcPts val="500"/>
+              </a:spcBef>
+              <a:buFont typeface="Arial" panose="020B0604020202020204" pitchFamily="34" charset="0"/>
+              <a:buChar char="•"/>
+              <a:defRPr sz="1800" kern="1200">
+                <a:solidFill>
+                  <a:schemeClr val="tx1"/>
+                </a:solidFill>
+                <a:latin typeface="+mn-lt"/>
+                <a:ea typeface="+mn-ea"/>
+                <a:cs typeface="+mn-cs"/>
+              </a:defRPr>
+            </a:lvl9pPr>
+          </a:lstStyle>
+          <a:p>
+            <a:pPr marL="0" indent="0" algn="ctr">
+              <a:buFont typeface="Arial" panose="020B0604020202020204" pitchFamily="34" charset="0"/>
+              <a:buNone/>
+            </a:pPr>
+            <a:r>
+              <a:rPr lang="en-US">
+                <a:latin typeface="Times New Roman" panose="02020603050405020304" pitchFamily="18" charset="0"/>
+                <a:cs typeface="Times New Roman" panose="02020603050405020304" pitchFamily="18" charset="0"/>
+              </a:rPr>
+              <a:t>15</a:t>
+            </a:r>
+            <a:endParaRPr lang="vi-VN" dirty="0">
+              <a:latin typeface="Times New Roman" panose="02020603050405020304" pitchFamily="18" charset="0"/>
+              <a:cs typeface="Times New Roman" panose="02020603050405020304" pitchFamily="18" charset="0"/>
+            </a:endParaRPr>
+          </a:p>
+        </p:txBody>
+      </p:sp>
+      <p:pic>
+        <p:nvPicPr>
           <p:cNvPr id="9" name="Picture 8">
             <a:extLst>
               <a:ext uri="{FF2B5EF4-FFF2-40B4-BE49-F238E27FC236}">
@@ -11927,11 +11921,11 @@
               <a:buNone/>
             </a:pPr>
             <a:r>
-              <a:rPr lang="en-US" dirty="0">
+              <a:rPr lang="en-US">
                 <a:latin typeface="Times New Roman" panose="02020603050405020304" pitchFamily="18" charset="0"/>
                 <a:cs typeface="Times New Roman" panose="02020603050405020304" pitchFamily="18" charset="0"/>
               </a:rPr>
-              <a:t>18</a:t>
+              <a:t>16</a:t>
             </a:r>
             <a:endParaRPr lang="vi-VN" dirty="0">
               <a:latin typeface="Times New Roman" panose="02020603050405020304" pitchFamily="18" charset="0"/>
@@ -14446,11 +14440,11 @@
               <a:buNone/>
             </a:pPr>
             <a:r>
-              <a:rPr lang="en-US" dirty="0">
+              <a:rPr lang="en-US">
                 <a:latin typeface="Times New Roman" panose="02020603050405020304" pitchFamily="18" charset="0"/>
                 <a:cs typeface="Times New Roman" panose="02020603050405020304" pitchFamily="18" charset="0"/>
               </a:rPr>
-              <a:t>23</a:t>
+              <a:t>17</a:t>
             </a:r>
             <a:endParaRPr lang="vi-VN" dirty="0">
               <a:latin typeface="Times New Roman" panose="02020603050405020304" pitchFamily="18" charset="0"/>
@@ -15269,11 +15263,11 @@
               <a:buNone/>
             </a:pPr>
             <a:r>
-              <a:rPr lang="en-US" dirty="0">
+              <a:rPr lang="en-US">
                 <a:latin typeface="Times New Roman" panose="02020603050405020304" pitchFamily="18" charset="0"/>
                 <a:cs typeface="Times New Roman" panose="02020603050405020304" pitchFamily="18" charset="0"/>
               </a:rPr>
-              <a:t>19</a:t>
+              <a:t>18</a:t>
             </a:r>
             <a:endParaRPr lang="vi-VN" dirty="0">
               <a:latin typeface="Times New Roman" panose="02020603050405020304" pitchFamily="18" charset="0"/>
@@ -15284,10 +15278,10 @@
       </p:sp>
       <p:pic>
         <p:nvPicPr>
-          <p:cNvPr id="6" name="Picture 5">
+          <p:cNvPr id="9" name="Picture 8">
             <a:extLst>
               <a:ext uri="{FF2B5EF4-FFF2-40B4-BE49-F238E27FC236}">
-                <a16:creationId xmlns:a16="http://schemas.microsoft.com/office/drawing/2014/main" id="{F68BD703-6FD0-48C8-831A-2EBA55D33B9B}"/>
+                <a16:creationId xmlns:a16="http://schemas.microsoft.com/office/drawing/2014/main" id="{2204D8AC-339E-481D-A103-439CE7E93C36}"/>
               </a:ext>
             </a:extLst>
           </p:cNvPr>
@@ -15304,8 +15298,8 @@
         </p:blipFill>
         <p:spPr>
           <a:xfrm>
-            <a:off x="6096000" y="1527990"/>
-            <a:ext cx="4717774" cy="4762282"/>
+            <a:off x="5550993" y="1494942"/>
+            <a:ext cx="5689549" cy="4909124"/>
           </a:xfrm>
           <a:prstGeom prst="rect">
             <a:avLst/>
@@ -15365,7 +15359,7 @@
           <a:p>
             <a:r>
               <a:rPr lang="en-US">
-                <a:latin typeface="Times New Roman" panose="02020603050405020304" pitchFamily="18" charset="0"/>
+                <a:latin typeface="+mn-lt"/>
                 <a:cs typeface="Times New Roman" panose="02020603050405020304" pitchFamily="18" charset="0"/>
               </a:rPr>
               <a:t>3. Mô hình và kết quả thu được</a:t>
@@ -16009,11 +16003,11 @@
               <a:buNone/>
             </a:pPr>
             <a:r>
-              <a:rPr lang="en-US" dirty="0">
+              <a:rPr lang="en-US">
                 <a:latin typeface="Times New Roman" panose="02020603050405020304" pitchFamily="18" charset="0"/>
                 <a:cs typeface="Times New Roman" panose="02020603050405020304" pitchFamily="18" charset="0"/>
               </a:rPr>
-              <a:t>24</a:t>
+              <a:t>19</a:t>
             </a:r>
             <a:endParaRPr lang="vi-VN" dirty="0">
               <a:latin typeface="Times New Roman" panose="02020603050405020304" pitchFamily="18" charset="0"/>
@@ -16075,7 +16069,7 @@
           <a:p>
             <a:r>
               <a:rPr lang="en-US">
-                <a:latin typeface="Times New Roman" panose="02020603050405020304" pitchFamily="18" charset="0"/>
+                <a:latin typeface="+mn-lt"/>
                 <a:cs typeface="Times New Roman" panose="02020603050405020304" pitchFamily="18" charset="0"/>
               </a:rPr>
               <a:t>3. Mô hình và kết quả thu được</a:t>
@@ -16109,7 +16103,7 @@
             </a:pPr>
             <a:r>
               <a:rPr lang="en-US">
-                <a:latin typeface="Times New Roman" panose="02020603050405020304" pitchFamily="18" charset="0"/>
+                <a:latin typeface="+mn-lt"/>
                 <a:cs typeface="Times New Roman" panose="02020603050405020304" pitchFamily="18" charset="0"/>
               </a:rPr>
               <a:t>Giao diện ứng dụng điều khiển</a:t>
@@ -16384,11 +16378,11 @@
               <a:buNone/>
             </a:pPr>
             <a:r>
-              <a:rPr lang="en-US" dirty="0">
+              <a:rPr lang="en-US">
                 <a:latin typeface="Times New Roman" panose="02020603050405020304" pitchFamily="18" charset="0"/>
                 <a:cs typeface="Times New Roman" panose="02020603050405020304" pitchFamily="18" charset="0"/>
               </a:rPr>
-              <a:t>25</a:t>
+              <a:t>20</a:t>
             </a:r>
             <a:endParaRPr lang="vi-VN" dirty="0">
               <a:latin typeface="Times New Roman" panose="02020603050405020304" pitchFamily="18" charset="0"/>
@@ -20834,11 +20828,11 @@
               <a:buNone/>
             </a:pPr>
             <a:r>
-              <a:rPr lang="en-US" dirty="0">
+              <a:rPr lang="en-US">
                 <a:latin typeface="Times New Roman" panose="02020603050405020304" pitchFamily="18" charset="0"/>
                 <a:cs typeface="Times New Roman" panose="02020603050405020304" pitchFamily="18" charset="0"/>
               </a:rPr>
-              <a:t>26</a:t>
+              <a:t>21</a:t>
             </a:r>
             <a:endParaRPr lang="vi-VN" dirty="0">
               <a:latin typeface="Times New Roman" panose="02020603050405020304" pitchFamily="18" charset="0"/>
@@ -22015,11 +22009,11 @@
               <a:buNone/>
             </a:pPr>
             <a:r>
-              <a:rPr lang="en-US" dirty="0">
+              <a:rPr lang="en-US">
                 <a:latin typeface="Times New Roman" panose="02020603050405020304" pitchFamily="18" charset="0"/>
                 <a:cs typeface="Times New Roman" panose="02020603050405020304" pitchFamily="18" charset="0"/>
               </a:rPr>
-              <a:t>27</a:t>
+              <a:t>22</a:t>
             </a:r>
             <a:endParaRPr lang="vi-VN" dirty="0">
               <a:latin typeface="Times New Roman" panose="02020603050405020304" pitchFamily="18" charset="0"/>
@@ -25835,11 +25829,11 @@
               <a:buNone/>
             </a:pPr>
             <a:r>
-              <a:rPr lang="en-US" dirty="0">
+              <a:rPr lang="en-US">
                 <a:latin typeface="Times New Roman" panose="02020603050405020304" pitchFamily="18" charset="0"/>
                 <a:cs typeface="Times New Roman" panose="02020603050405020304" pitchFamily="18" charset="0"/>
               </a:rPr>
-              <a:t>6</a:t>
+              <a:t>3</a:t>
             </a:r>
             <a:endParaRPr lang="vi-VN" dirty="0">
               <a:latin typeface="Times New Roman" panose="02020603050405020304" pitchFamily="18" charset="0"/>
@@ -26480,11 +26474,11 @@
               <a:buNone/>
             </a:pPr>
             <a:r>
-              <a:rPr lang="en-US" dirty="0">
+              <a:rPr lang="en-US">
                 <a:latin typeface="Times New Roman" panose="02020603050405020304" pitchFamily="18" charset="0"/>
                 <a:cs typeface="Times New Roman" panose="02020603050405020304" pitchFamily="18" charset="0"/>
               </a:rPr>
-              <a:t>3</a:t>
+              <a:t>4</a:t>
             </a:r>
             <a:endParaRPr lang="vi-VN" dirty="0">
               <a:latin typeface="Times New Roman" panose="02020603050405020304" pitchFamily="18" charset="0"/>
@@ -26969,11 +26963,11 @@
               <a:buNone/>
             </a:pPr>
             <a:r>
-              <a:rPr lang="en-US" dirty="0">
+              <a:rPr lang="en-US">
                 <a:latin typeface="Times New Roman" panose="02020603050405020304" pitchFamily="18" charset="0"/>
                 <a:cs typeface="Times New Roman" panose="02020603050405020304" pitchFamily="18" charset="0"/>
               </a:rPr>
-              <a:t>4</a:t>
+              <a:t>5</a:t>
             </a:r>
             <a:endParaRPr lang="vi-VN" dirty="0">
               <a:latin typeface="Times New Roman" panose="02020603050405020304" pitchFamily="18" charset="0"/>
@@ -28182,6 +28176,12 @@
 </file>
 
 <file path=customXml/item1.xml><?xml version="1.0" encoding="utf-8"?>
+<p:properties xmlns:p="http://schemas.microsoft.com/office/2006/metadata/properties" xmlns:xsi="http://www.w3.org/2001/XMLSchema-instance" xmlns:pc="http://schemas.microsoft.com/office/infopath/2007/PartnerControls">
+  <documentManagement/>
+</p:properties>
+</file>
+
+<file path=customXml/item2.xml><?xml version="1.0" encoding="utf-8"?>
 <ct:contentTypeSchema xmlns:ct="http://schemas.microsoft.com/office/2006/metadata/contentType" xmlns:ma="http://schemas.microsoft.com/office/2006/metadata/properties/metaAttributes" ct:_="" ma:_="" ma:contentTypeName="Document" ma:contentTypeID="0x01010029FB87B201BB164AA8F0D7E07FC18253" ma:contentTypeVersion="12" ma:contentTypeDescription="Create a new document." ma:contentTypeScope="" ma:versionID="ec75d641dd128f4ad30853614c3b4998">
   <xsd:schema xmlns:xsd="http://www.w3.org/2001/XMLSchema" xmlns:xs="http://www.w3.org/2001/XMLSchema" xmlns:p="http://schemas.microsoft.com/office/2006/metadata/properties" xmlns:ns2="c070d92c-e005-4177-a1a8-b2208be38bba" xmlns:ns3="c72df4cc-d2de-4b7e-8388-06b9b73bb217" targetNamespace="http://schemas.microsoft.com/office/2006/metadata/properties" ma:root="true" ma:fieldsID="0bd5079f3866d8fa0d2cfeac6b7a2082" ns2:_="" ns3:_="">
     <xsd:import namespace="c070d92c-e005-4177-a1a8-b2208be38bba"/>
@@ -28398,12 +28398,6 @@
 </ct:contentTypeSchema>
 </file>
 
-<file path=customXml/item2.xml><?xml version="1.0" encoding="utf-8"?>
-<p:properties xmlns:p="http://schemas.microsoft.com/office/2006/metadata/properties" xmlns:xsi="http://www.w3.org/2001/XMLSchema-instance" xmlns:pc="http://schemas.microsoft.com/office/infopath/2007/PartnerControls">
-  <documentManagement/>
-</p:properties>
-</file>
-
 <file path=customXml/item3.xml><?xml version="1.0" encoding="utf-8"?>
 <?mso-contentType ?>
 <FormTemplates xmlns="http://schemas.microsoft.com/sharepoint/v3/contenttype/forms">
@@ -28414,6 +28408,15 @@
 </file>
 
 <file path=customXml/itemProps1.xml><?xml version="1.0" encoding="utf-8"?>
+<ds:datastoreItem xmlns:ds="http://schemas.openxmlformats.org/officeDocument/2006/customXml" ds:itemID="{5666771F-238C-409E-B1DF-70481BFDE8AE}">
+  <ds:schemaRefs>
+    <ds:schemaRef ds:uri="http://schemas.microsoft.com/office/2006/metadata/properties"/>
+    <ds:schemaRef ds:uri="http://schemas.microsoft.com/office/infopath/2007/PartnerControls"/>
+  </ds:schemaRefs>
+</ds:datastoreItem>
+</file>
+
+<file path=customXml/itemProps2.xml><?xml version="1.0" encoding="utf-8"?>
 <ds:datastoreItem xmlns:ds="http://schemas.openxmlformats.org/officeDocument/2006/customXml" ds:itemID="{D2294227-C537-4C56-90F1-0A24B92707E6}">
   <ds:schemaRefs>
     <ds:schemaRef ds:uri="http://schemas.microsoft.com/office/2006/metadata/contentType"/>
@@ -28432,15 +28435,6 @@
 </ds:datastoreItem>
 </file>
 
-<file path=customXml/itemProps2.xml><?xml version="1.0" encoding="utf-8"?>
-<ds:datastoreItem xmlns:ds="http://schemas.openxmlformats.org/officeDocument/2006/customXml" ds:itemID="{5666771F-238C-409E-B1DF-70481BFDE8AE}">
-  <ds:schemaRefs>
-    <ds:schemaRef ds:uri="http://schemas.microsoft.com/office/2006/metadata/properties"/>
-    <ds:schemaRef ds:uri="http://schemas.microsoft.com/office/infopath/2007/PartnerControls"/>
-  </ds:schemaRefs>
-</ds:datastoreItem>
-</file>
-
 <file path=customXml/itemProps3.xml><?xml version="1.0" encoding="utf-8"?>
 <ds:datastoreItem xmlns:ds="http://schemas.openxmlformats.org/officeDocument/2006/customXml" ds:itemID="{69128D4C-6F8B-42B2-A3A4-DC1405FCC7A7}">
   <ds:schemaRefs>

--- a/documents/Slide Đồ án tốt nghiệp_Nguyễn Tuấn Anh_REV3.pptx
+++ b/documents/Slide Đồ án tốt nghiệp_Nguyễn Tuấn Anh_REV3.pptx
@@ -6051,18 +6051,25 @@
               <a:t> </a:t>
             </a:r>
             <a:r>
-              <a:rPr lang="en-US" err="1">
+              <a:rPr lang="en-US" dirty="0" err="1">
                 <a:latin typeface="+mn-lt"/>
                 <a:cs typeface="Times New Roman" panose="02020603050405020304" pitchFamily="18" charset="0"/>
               </a:rPr>
               <a:t>xuống</a:t>
             </a:r>
             <a:r>
-              <a:rPr lang="en-US">
-                <a:latin typeface="+mn-lt"/>
-                <a:cs typeface="Times New Roman" panose="02020603050405020304" pitchFamily="18" charset="0"/>
-              </a:rPr>
-              <a:t> đất</a:t>
+              <a:rPr lang="en-US" dirty="0">
+                <a:latin typeface="+mn-lt"/>
+                <a:cs typeface="Times New Roman" panose="02020603050405020304" pitchFamily="18" charset="0"/>
+              </a:rPr>
+              <a:t> </a:t>
+            </a:r>
+            <a:r>
+              <a:rPr lang="en-US" dirty="0" err="1">
+                <a:latin typeface="+mn-lt"/>
+                <a:cs typeface="Times New Roman" panose="02020603050405020304" pitchFamily="18" charset="0"/>
+              </a:rPr>
+              <a:t>đất</a:t>
             </a:r>
             <a:endParaRPr lang="en-US" dirty="0">
               <a:latin typeface="+mn-lt"/>
@@ -15278,10 +15285,10 @@
       </p:sp>
       <p:pic>
         <p:nvPicPr>
-          <p:cNvPr id="9" name="Picture 8">
+          <p:cNvPr id="13" name="Picture 12">
             <a:extLst>
               <a:ext uri="{FF2B5EF4-FFF2-40B4-BE49-F238E27FC236}">
-                <a16:creationId xmlns:a16="http://schemas.microsoft.com/office/drawing/2014/main" id="{2204D8AC-339E-481D-A103-439CE7E93C36}"/>
+                <a16:creationId xmlns:a16="http://schemas.microsoft.com/office/drawing/2014/main" id="{72E39B95-973F-43FF-A5FD-DA92F416138F}"/>
               </a:ext>
             </a:extLst>
           </p:cNvPr>
@@ -15298,8 +15305,8 @@
         </p:blipFill>
         <p:spPr>
           <a:xfrm>
-            <a:off x="5550993" y="1494942"/>
-            <a:ext cx="5689549" cy="4909124"/>
+            <a:off x="5450784" y="1472168"/>
+            <a:ext cx="5865987" cy="4909124"/>
           </a:xfrm>
           <a:prstGeom prst="rect">
             <a:avLst/>
@@ -21077,21 +21084,7 @@
                 <a:latin typeface="+mn-lt"/>
                 <a:cs typeface="Times New Roman" panose="02020603050405020304" pitchFamily="18" charset="0"/>
               </a:rPr>
-              <a:t>hoàn</a:t>
-            </a:r>
-            <a:r>
-              <a:rPr lang="en-US" sz="2800" dirty="0">
-                <a:latin typeface="+mn-lt"/>
-                <a:cs typeface="Times New Roman" panose="02020603050405020304" pitchFamily="18" charset="0"/>
-              </a:rPr>
-              <a:t> </a:t>
-            </a:r>
-            <a:r>
-              <a:rPr lang="en-US" sz="2800" dirty="0" err="1">
-                <a:latin typeface="+mn-lt"/>
-                <a:cs typeface="Times New Roman" panose="02020603050405020304" pitchFamily="18" charset="0"/>
-              </a:rPr>
-              <a:t>thiện</a:t>
+              <a:t>được</a:t>
             </a:r>
             <a:r>
               <a:rPr lang="en-US" sz="2800" dirty="0">
@@ -21143,7 +21136,7 @@
                 <a:latin typeface="+mn-lt"/>
                 <a:cs typeface="Times New Roman" panose="02020603050405020304" pitchFamily="18" charset="0"/>
               </a:rPr>
-              <a:t>Các</a:t>
+              <a:t>Điều</a:t>
             </a:r>
             <a:r>
               <a:rPr lang="en-US" sz="2800" dirty="0">
@@ -21157,7 +21150,7 @@
                 <a:latin typeface="+mn-lt"/>
                 <a:cs typeface="Times New Roman" panose="02020603050405020304" pitchFamily="18" charset="0"/>
               </a:rPr>
-              <a:t>kênh</a:t>
+              <a:t>khiển</a:t>
             </a:r>
             <a:r>
               <a:rPr lang="en-US" sz="2800" dirty="0">
@@ -21171,21 +21164,21 @@
                 <a:latin typeface="+mn-lt"/>
                 <a:cs typeface="Times New Roman" panose="02020603050405020304" pitchFamily="18" charset="0"/>
               </a:rPr>
-              <a:t>đầu</a:t>
+              <a:t>được</a:t>
             </a:r>
             <a:r>
               <a:rPr lang="en-US" sz="2800" dirty="0">
                 <a:latin typeface="+mn-lt"/>
                 <a:cs typeface="Times New Roman" panose="02020603050405020304" pitchFamily="18" charset="0"/>
               </a:rPr>
-              <a:t> ra </a:t>
+              <a:t> </a:t>
             </a:r>
             <a:r>
               <a:rPr lang="en-US" sz="2800" dirty="0" err="1">
                 <a:latin typeface="+mn-lt"/>
                 <a:cs typeface="Times New Roman" panose="02020603050405020304" pitchFamily="18" charset="0"/>
               </a:rPr>
-              <a:t>có</a:t>
+              <a:t>thiết</a:t>
             </a:r>
             <a:r>
               <a:rPr lang="en-US" sz="2800" dirty="0">
@@ -21199,49 +21192,21 @@
                 <a:latin typeface="+mn-lt"/>
                 <a:cs typeface="Times New Roman" panose="02020603050405020304" pitchFamily="18" charset="0"/>
               </a:rPr>
-              <a:t>thể</a:t>
+              <a:t>bị</a:t>
             </a:r>
             <a:r>
               <a:rPr lang="en-US" sz="2800" dirty="0">
                 <a:latin typeface="+mn-lt"/>
                 <a:cs typeface="Times New Roman" panose="02020603050405020304" pitchFamily="18" charset="0"/>
               </a:rPr>
-              <a:t> </a:t>
+              <a:t> qua </a:t>
             </a:r>
             <a:r>
               <a:rPr lang="en-US" sz="2800" dirty="0" err="1">
                 <a:latin typeface="+mn-lt"/>
                 <a:cs typeface="Times New Roman" panose="02020603050405020304" pitchFamily="18" charset="0"/>
               </a:rPr>
-              <a:t>đóng</a:t>
-            </a:r>
-            <a:r>
-              <a:rPr lang="en-US" sz="2800" dirty="0">
-                <a:latin typeface="+mn-lt"/>
-                <a:cs typeface="Times New Roman" panose="02020603050405020304" pitchFamily="18" charset="0"/>
-              </a:rPr>
-              <a:t> </a:t>
-            </a:r>
-            <a:r>
-              <a:rPr lang="en-US" sz="2800" dirty="0" err="1">
-                <a:latin typeface="+mn-lt"/>
-                <a:cs typeface="Times New Roman" panose="02020603050405020304" pitchFamily="18" charset="0"/>
-              </a:rPr>
-              <a:t>cắt</a:t>
-            </a:r>
-            <a:r>
-              <a:rPr lang="en-US" sz="2800" dirty="0">
-                <a:latin typeface="+mn-lt"/>
-                <a:cs typeface="Times New Roman" panose="02020603050405020304" pitchFamily="18" charset="0"/>
-              </a:rPr>
-              <a:t> </a:t>
-            </a:r>
-            <a:r>
-              <a:rPr lang="en-US" sz="2800" dirty="0" err="1">
-                <a:latin typeface="+mn-lt"/>
-                <a:cs typeface="Times New Roman" panose="02020603050405020304" pitchFamily="18" charset="0"/>
-              </a:rPr>
-              <a:t>tải</a:t>
+              <a:t>WiFi</a:t>
             </a:r>
             <a:endParaRPr lang="en-US" sz="2800" dirty="0">
               <a:latin typeface="+mn-lt"/>
@@ -21265,7 +21230,7 @@
                 <a:latin typeface="+mn-lt"/>
                 <a:cs typeface="Times New Roman" panose="02020603050405020304" pitchFamily="18" charset="0"/>
               </a:rPr>
-              <a:t>Điều</a:t>
+              <a:t>Ứng</a:t>
             </a:r>
             <a:r>
               <a:rPr lang="en-US" sz="2800" dirty="0">
@@ -21279,281 +21244,35 @@
                 <a:latin typeface="+mn-lt"/>
                 <a:cs typeface="Times New Roman" panose="02020603050405020304" pitchFamily="18" charset="0"/>
               </a:rPr>
+              <a:t>dụng</a:t>
+            </a:r>
+            <a:r>
+              <a:rPr lang="en-US" sz="2800" dirty="0">
+                <a:latin typeface="+mn-lt"/>
+                <a:cs typeface="Times New Roman" panose="02020603050405020304" pitchFamily="18" charset="0"/>
+              </a:rPr>
+              <a:t> </a:t>
+            </a:r>
+            <a:r>
+              <a:rPr lang="en-US" sz="2800" dirty="0" err="1">
+                <a:latin typeface="+mn-lt"/>
+                <a:cs typeface="Times New Roman" panose="02020603050405020304" pitchFamily="18" charset="0"/>
+              </a:rPr>
+              <a:t>điều</a:t>
+            </a:r>
+            <a:r>
+              <a:rPr lang="en-US" sz="2800" dirty="0">
+                <a:latin typeface="+mn-lt"/>
+                <a:cs typeface="Times New Roman" panose="02020603050405020304" pitchFamily="18" charset="0"/>
+              </a:rPr>
+              <a:t> </a:t>
+            </a:r>
+            <a:r>
+              <a:rPr lang="en-US" sz="2800" dirty="0" err="1">
+                <a:latin typeface="+mn-lt"/>
+                <a:cs typeface="Times New Roman" panose="02020603050405020304" pitchFamily="18" charset="0"/>
+              </a:rPr>
               <a:t>khiển</a:t>
-            </a:r>
-            <a:r>
-              <a:rPr lang="en-US" sz="2800" dirty="0">
-                <a:latin typeface="+mn-lt"/>
-                <a:cs typeface="Times New Roman" panose="02020603050405020304" pitchFamily="18" charset="0"/>
-              </a:rPr>
-              <a:t> </a:t>
-            </a:r>
-            <a:r>
-              <a:rPr lang="en-US" sz="2800" dirty="0" err="1">
-                <a:latin typeface="+mn-lt"/>
-                <a:cs typeface="Times New Roman" panose="02020603050405020304" pitchFamily="18" charset="0"/>
-              </a:rPr>
-              <a:t>được</a:t>
-            </a:r>
-            <a:r>
-              <a:rPr lang="en-US" sz="2800" dirty="0">
-                <a:latin typeface="+mn-lt"/>
-                <a:cs typeface="Times New Roman" panose="02020603050405020304" pitchFamily="18" charset="0"/>
-              </a:rPr>
-              <a:t> </a:t>
-            </a:r>
-            <a:r>
-              <a:rPr lang="en-US" sz="2800" dirty="0" err="1">
-                <a:latin typeface="+mn-lt"/>
-                <a:cs typeface="Times New Roman" panose="02020603050405020304" pitchFamily="18" charset="0"/>
-              </a:rPr>
-              <a:t>thiết</a:t>
-            </a:r>
-            <a:r>
-              <a:rPr lang="en-US" sz="2800" dirty="0">
-                <a:latin typeface="+mn-lt"/>
-                <a:cs typeface="Times New Roman" panose="02020603050405020304" pitchFamily="18" charset="0"/>
-              </a:rPr>
-              <a:t> </a:t>
-            </a:r>
-            <a:r>
-              <a:rPr lang="en-US" sz="2800" dirty="0" err="1">
-                <a:latin typeface="+mn-lt"/>
-                <a:cs typeface="Times New Roman" panose="02020603050405020304" pitchFamily="18" charset="0"/>
-              </a:rPr>
-              <a:t>bị</a:t>
-            </a:r>
-            <a:r>
-              <a:rPr lang="en-US" sz="2800" dirty="0">
-                <a:latin typeface="+mn-lt"/>
-                <a:cs typeface="Times New Roman" panose="02020603050405020304" pitchFamily="18" charset="0"/>
-              </a:rPr>
-              <a:t> qua </a:t>
-            </a:r>
-            <a:r>
-              <a:rPr lang="en-US" sz="2800" dirty="0" err="1">
-                <a:latin typeface="+mn-lt"/>
-                <a:cs typeface="Times New Roman" panose="02020603050405020304" pitchFamily="18" charset="0"/>
-              </a:rPr>
-              <a:t>WiFi</a:t>
-            </a:r>
-            <a:endParaRPr lang="en-US" sz="2800" dirty="0">
-              <a:latin typeface="+mn-lt"/>
-              <a:cs typeface="Times New Roman" panose="02020603050405020304" pitchFamily="18" charset="0"/>
-            </a:endParaRPr>
-          </a:p>
-          <a:p>
-            <a:pPr>
-              <a:buFont typeface="Courier New" panose="02070309020205020404" pitchFamily="49" charset="0"/>
-              <a:buChar char="o"/>
-            </a:pPr>
-            <a:r>
-              <a:rPr lang="en-US" sz="2800" dirty="0">
-                <a:latin typeface="+mn-lt"/>
-                <a:cs typeface="Times New Roman" panose="02020603050405020304" pitchFamily="18" charset="0"/>
-              </a:rPr>
-              <a:t> </a:t>
-            </a:r>
-            <a:r>
-              <a:rPr lang="en-US" sz="2800" dirty="0" err="1">
-                <a:latin typeface="+mn-lt"/>
-                <a:cs typeface="Times New Roman" panose="02020603050405020304" pitchFamily="18" charset="0"/>
-              </a:rPr>
-              <a:t>Ứng</a:t>
-            </a:r>
-            <a:r>
-              <a:rPr lang="en-US" sz="2800" dirty="0">
-                <a:latin typeface="+mn-lt"/>
-                <a:cs typeface="Times New Roman" panose="02020603050405020304" pitchFamily="18" charset="0"/>
-              </a:rPr>
-              <a:t> </a:t>
-            </a:r>
-            <a:r>
-              <a:rPr lang="en-US" sz="2800" dirty="0" err="1">
-                <a:latin typeface="+mn-lt"/>
-                <a:cs typeface="Times New Roman" panose="02020603050405020304" pitchFamily="18" charset="0"/>
-              </a:rPr>
-              <a:t>dụng</a:t>
-            </a:r>
-            <a:r>
-              <a:rPr lang="en-US" sz="2800" dirty="0">
-                <a:latin typeface="+mn-lt"/>
-                <a:cs typeface="Times New Roman" panose="02020603050405020304" pitchFamily="18" charset="0"/>
-              </a:rPr>
-              <a:t> </a:t>
-            </a:r>
-            <a:r>
-              <a:rPr lang="en-US" sz="2800" dirty="0" err="1">
-                <a:latin typeface="+mn-lt"/>
-                <a:cs typeface="Times New Roman" panose="02020603050405020304" pitchFamily="18" charset="0"/>
-              </a:rPr>
-              <a:t>điều</a:t>
-            </a:r>
-            <a:r>
-              <a:rPr lang="en-US" sz="2800" dirty="0">
-                <a:latin typeface="+mn-lt"/>
-                <a:cs typeface="Times New Roman" panose="02020603050405020304" pitchFamily="18" charset="0"/>
-              </a:rPr>
-              <a:t> </a:t>
-            </a:r>
-            <a:r>
-              <a:rPr lang="en-US" sz="2800" dirty="0" err="1">
-                <a:latin typeface="+mn-lt"/>
-                <a:cs typeface="Times New Roman" panose="02020603050405020304" pitchFamily="18" charset="0"/>
-              </a:rPr>
-              <a:t>khiển</a:t>
-            </a:r>
-            <a:r>
-              <a:rPr lang="en-US" sz="2800" dirty="0">
-                <a:latin typeface="+mn-lt"/>
-                <a:cs typeface="Times New Roman" panose="02020603050405020304" pitchFamily="18" charset="0"/>
-              </a:rPr>
-              <a:t> </a:t>
-            </a:r>
-            <a:r>
-              <a:rPr lang="en-US" sz="2800" dirty="0" err="1">
-                <a:latin typeface="+mn-lt"/>
-                <a:cs typeface="Times New Roman" panose="02020603050405020304" pitchFamily="18" charset="0"/>
-              </a:rPr>
-              <a:t>trên</a:t>
-            </a:r>
-            <a:r>
-              <a:rPr lang="en-US" sz="2800" dirty="0">
-                <a:latin typeface="+mn-lt"/>
-                <a:cs typeface="Times New Roman" panose="02020603050405020304" pitchFamily="18" charset="0"/>
-              </a:rPr>
-              <a:t> </a:t>
-            </a:r>
-            <a:r>
-              <a:rPr lang="en-US" sz="2800" dirty="0" err="1">
-                <a:latin typeface="+mn-lt"/>
-                <a:cs typeface="Times New Roman" panose="02020603050405020304" pitchFamily="18" charset="0"/>
-              </a:rPr>
-              <a:t>điện</a:t>
-            </a:r>
-            <a:r>
-              <a:rPr lang="en-US" sz="2800" dirty="0">
-                <a:latin typeface="+mn-lt"/>
-                <a:cs typeface="Times New Roman" panose="02020603050405020304" pitchFamily="18" charset="0"/>
-              </a:rPr>
-              <a:t> </a:t>
-            </a:r>
-            <a:r>
-              <a:rPr lang="en-US" sz="2800" dirty="0" err="1">
-                <a:latin typeface="+mn-lt"/>
-                <a:cs typeface="Times New Roman" panose="02020603050405020304" pitchFamily="18" charset="0"/>
-              </a:rPr>
-              <a:t>thoại</a:t>
-            </a:r>
-            <a:r>
-              <a:rPr lang="en-US" sz="2800" dirty="0">
-                <a:latin typeface="+mn-lt"/>
-                <a:cs typeface="Times New Roman" panose="02020603050405020304" pitchFamily="18" charset="0"/>
-              </a:rPr>
-              <a:t> </a:t>
-            </a:r>
-          </a:p>
-          <a:p>
-            <a:pPr marL="0" indent="0">
-              <a:buNone/>
-            </a:pPr>
-            <a:r>
-              <a:rPr lang="en-US" sz="2800" dirty="0">
-                <a:latin typeface="+mn-lt"/>
-                <a:cs typeface="Times New Roman" panose="02020603050405020304" pitchFamily="18" charset="0"/>
-              </a:rPr>
-              <a:t>     </a:t>
-            </a:r>
-            <a:r>
-              <a:rPr lang="en-US" sz="2800" dirty="0" err="1">
-                <a:latin typeface="+mn-lt"/>
-                <a:cs typeface="Times New Roman" panose="02020603050405020304" pitchFamily="18" charset="0"/>
-              </a:rPr>
-              <a:t>thông</a:t>
-            </a:r>
-            <a:r>
-              <a:rPr lang="en-US" sz="2800" dirty="0">
-                <a:latin typeface="+mn-lt"/>
-                <a:cs typeface="Times New Roman" panose="02020603050405020304" pitchFamily="18" charset="0"/>
-              </a:rPr>
-              <a:t> </a:t>
-            </a:r>
-            <a:r>
-              <a:rPr lang="en-US" sz="2800" dirty="0" err="1">
-                <a:latin typeface="+mn-lt"/>
-                <a:cs typeface="Times New Roman" panose="02020603050405020304" pitchFamily="18" charset="0"/>
-              </a:rPr>
-              <a:t>minh</a:t>
-            </a:r>
-            <a:r>
-              <a:rPr lang="en-US" sz="2800" dirty="0">
-                <a:latin typeface="+mn-lt"/>
-                <a:cs typeface="Times New Roman" panose="02020603050405020304" pitchFamily="18" charset="0"/>
-              </a:rPr>
-              <a:t> </a:t>
-            </a:r>
-            <a:r>
-              <a:rPr lang="en-US" sz="2800" dirty="0" err="1">
-                <a:latin typeface="+mn-lt"/>
-                <a:cs typeface="Times New Roman" panose="02020603050405020304" pitchFamily="18" charset="0"/>
-              </a:rPr>
-              <a:t>và</a:t>
-            </a:r>
-            <a:r>
-              <a:rPr lang="en-US" sz="2800" dirty="0">
-                <a:latin typeface="+mn-lt"/>
-                <a:cs typeface="Times New Roman" panose="02020603050405020304" pitchFamily="18" charset="0"/>
-              </a:rPr>
-              <a:t> </a:t>
-            </a:r>
-            <a:r>
-              <a:rPr lang="en-US" sz="2800" dirty="0" err="1">
-                <a:latin typeface="+mn-lt"/>
-                <a:cs typeface="Times New Roman" panose="02020603050405020304" pitchFamily="18" charset="0"/>
-              </a:rPr>
-              <a:t>máy</a:t>
-            </a:r>
-            <a:r>
-              <a:rPr lang="en-US" sz="2800" dirty="0">
-                <a:latin typeface="+mn-lt"/>
-                <a:cs typeface="Times New Roman" panose="02020603050405020304" pitchFamily="18" charset="0"/>
-              </a:rPr>
-              <a:t> </a:t>
-            </a:r>
-            <a:r>
-              <a:rPr lang="en-US" sz="2800" dirty="0" err="1">
-                <a:latin typeface="+mn-lt"/>
-                <a:cs typeface="Times New Roman" panose="02020603050405020304" pitchFamily="18" charset="0"/>
-              </a:rPr>
-              <a:t>tính</a:t>
-            </a:r>
-            <a:r>
-              <a:rPr lang="en-US" sz="2800" dirty="0">
-                <a:latin typeface="+mn-lt"/>
-                <a:cs typeface="Times New Roman" panose="02020603050405020304" pitchFamily="18" charset="0"/>
-              </a:rPr>
-              <a:t> </a:t>
-            </a:r>
-            <a:r>
-              <a:rPr lang="en-US" sz="2800" dirty="0" err="1">
-                <a:latin typeface="+mn-lt"/>
-                <a:cs typeface="Times New Roman" panose="02020603050405020304" pitchFamily="18" charset="0"/>
-              </a:rPr>
-              <a:t>xách</a:t>
-            </a:r>
-            <a:r>
-              <a:rPr lang="en-US" sz="2800" dirty="0">
-                <a:latin typeface="+mn-lt"/>
-                <a:cs typeface="Times New Roman" panose="02020603050405020304" pitchFamily="18" charset="0"/>
-              </a:rPr>
-              <a:t> </a:t>
-            </a:r>
-            <a:r>
-              <a:rPr lang="en-US" sz="2800" dirty="0" err="1">
-                <a:latin typeface="+mn-lt"/>
-                <a:cs typeface="Times New Roman" panose="02020603050405020304" pitchFamily="18" charset="0"/>
-              </a:rPr>
-              <a:t>tay</a:t>
             </a:r>
             <a:endParaRPr lang="en-US" sz="2800" dirty="0">
               <a:latin typeface="+mn-lt"/>
@@ -21668,6 +21387,18 @@
                 <a:cs typeface="Times New Roman" panose="02020603050405020304" pitchFamily="18" charset="0"/>
               </a:rPr>
               <a:t> </a:t>
+            </a:r>
+          </a:p>
+          <a:p>
+            <a:pPr marL="0" indent="0">
+              <a:buNone/>
+            </a:pPr>
+            <a:r>
+              <a:rPr lang="en-US" sz="2800" dirty="0">
+                <a:latin typeface="+mn-lt"/>
+                <a:cs typeface="Times New Roman" panose="02020603050405020304" pitchFamily="18" charset="0"/>
+              </a:rPr>
+              <a:t>   </a:t>
             </a:r>
             <a:r>
               <a:rPr lang="en-US" sz="2800" dirty="0" err="1">
@@ -22051,16 +21782,22 @@
           <a:lstStyle/>
           <a:p>
             <a:r>
-              <a:rPr lang="en-US" sz="2000">
+              <a:rPr lang="en-US" sz="2000" dirty="0">
                 <a:cs typeface="Times New Roman" panose="02020603050405020304" pitchFamily="18" charset="0"/>
               </a:rPr>
               <a:t>●  </a:t>
             </a:r>
             <a:r>
-              <a:rPr lang="en-US" sz="2800">
-                <a:cs typeface="Times New Roman" panose="02020603050405020304" pitchFamily="18" charset="0"/>
-              </a:rPr>
-              <a:t>Định </a:t>
+              <a:rPr lang="en-US" sz="2800" dirty="0" err="1">
+                <a:cs typeface="Times New Roman" panose="02020603050405020304" pitchFamily="18" charset="0"/>
+              </a:rPr>
+              <a:t>Định</a:t>
+            </a:r>
+            <a:r>
+              <a:rPr lang="en-US" sz="2800" dirty="0">
+                <a:cs typeface="Times New Roman" panose="02020603050405020304" pitchFamily="18" charset="0"/>
+              </a:rPr>
+              <a:t> </a:t>
             </a:r>
             <a:r>
               <a:rPr lang="en-US" sz="2800" dirty="0" err="1">
@@ -22836,14 +22573,54 @@
               <a:buAutoNum type="arabicPeriod"/>
             </a:pPr>
             <a:r>
-              <a:rPr lang="en-US" sz="2800" b="0">
+              <a:rPr lang="en-US" sz="2800" b="0" dirty="0" err="1">
                 <a:solidFill>
                   <a:schemeClr val="tx1"/>
                 </a:solidFill>
                 <a:latin typeface="+mn-lt"/>
                 <a:cs typeface="Times New Roman" panose="02020603050405020304" pitchFamily="18" charset="0"/>
               </a:rPr>
-              <a:t>Đặt vấn đề</a:t>
+              <a:t>Đặt</a:t>
+            </a:r>
+            <a:r>
+              <a:rPr lang="en-US" sz="2800" b="0" dirty="0">
+                <a:solidFill>
+                  <a:schemeClr val="tx1"/>
+                </a:solidFill>
+                <a:latin typeface="+mn-lt"/>
+                <a:cs typeface="Times New Roman" panose="02020603050405020304" pitchFamily="18" charset="0"/>
+              </a:rPr>
+              <a:t> </a:t>
+            </a:r>
+            <a:r>
+              <a:rPr lang="en-US" sz="2800" b="0" dirty="0" err="1">
+                <a:solidFill>
+                  <a:schemeClr val="tx1"/>
+                </a:solidFill>
+                <a:latin typeface="+mn-lt"/>
+                <a:cs typeface="Times New Roman" panose="02020603050405020304" pitchFamily="18" charset="0"/>
+              </a:rPr>
+              <a:t>vấn</a:t>
+            </a:r>
+            <a:r>
+              <a:rPr lang="en-US" sz="2800" b="0" dirty="0">
+                <a:solidFill>
+                  <a:schemeClr val="tx1"/>
+                </a:solidFill>
+                <a:latin typeface="+mn-lt"/>
+                <a:cs typeface="Times New Roman" panose="02020603050405020304" pitchFamily="18" charset="0"/>
+              </a:rPr>
+              <a:t> </a:t>
+            </a:r>
+            <a:r>
+              <a:rPr lang="en-US" sz="2800" b="0" dirty="0" err="1">
+                <a:solidFill>
+                  <a:schemeClr val="tx1"/>
+                </a:solidFill>
+                <a:latin typeface="+mn-lt"/>
+                <a:cs typeface="Times New Roman" panose="02020603050405020304" pitchFamily="18" charset="0"/>
+              </a:rPr>
+              <a:t>đề</a:t>
             </a:r>
             <a:endParaRPr lang="en-US" sz="2800" b="0" dirty="0">
               <a:solidFill>
@@ -22963,13 +22740,7 @@
               <a:rPr lang="en-US" sz="100" b="0" dirty="0">
                 <a:cs typeface="Times New Roman" panose="02020603050405020304" pitchFamily="18" charset="0"/>
               </a:rPr>
-              <a:t>1</a:t>
-            </a:r>
-            <a:r>
-              <a:rPr lang="en-US" sz="100" b="0">
-                <a:cs typeface="Times New Roman" panose="02020603050405020304" pitchFamily="18" charset="0"/>
-              </a:rPr>
-              <a:t>. </a:t>
+              <a:t>1. </a:t>
             </a:r>
             <a:endParaRPr lang="en-US" sz="2800" b="0" dirty="0">
               <a:solidFill>
@@ -22981,7 +22752,7 @@
           </a:p>
           <a:p>
             <a:r>
-              <a:rPr lang="en-US" sz="2800" b="0">
+              <a:rPr lang="en-US" sz="2800" b="0" dirty="0">
                 <a:solidFill>
                   <a:schemeClr val="tx1"/>
                 </a:solidFill>
@@ -23070,7 +22841,7 @@
           </a:p>
           <a:p>
             <a:r>
-              <a:rPr lang="en-US" sz="2800" b="0">
+              <a:rPr lang="en-US" sz="2800" b="0" dirty="0">
                 <a:solidFill>
                   <a:schemeClr val="tx1"/>
                 </a:solidFill>
@@ -23199,7 +22970,7 @@
           </a:p>
           <a:p>
             <a:r>
-              <a:rPr lang="en-US" sz="2800" b="0">
+              <a:rPr lang="en-US" sz="2800" b="0" dirty="0">
                 <a:solidFill>
                   <a:schemeClr val="tx1"/>
                 </a:solidFill>
@@ -26141,34 +25912,6 @@
                 <a:latin typeface="+mn-lt"/>
                 <a:cs typeface="Times New Roman" panose="02020603050405020304" pitchFamily="18" charset="0"/>
               </a:rPr>
-              <a:t>Có</a:t>
-            </a:r>
-            <a:r>
-              <a:rPr lang="en-US" dirty="0">
-                <a:latin typeface="+mn-lt"/>
-                <a:cs typeface="Times New Roman" panose="02020603050405020304" pitchFamily="18" charset="0"/>
-              </a:rPr>
-              <a:t> </a:t>
-            </a:r>
-            <a:r>
-              <a:rPr lang="en-US" dirty="0" err="1">
-                <a:latin typeface="+mn-lt"/>
-                <a:cs typeface="Times New Roman" panose="02020603050405020304" pitchFamily="18" charset="0"/>
-              </a:rPr>
-              <a:t>sẵn</a:t>
-            </a:r>
-            <a:r>
-              <a:rPr lang="en-US" dirty="0">
-                <a:latin typeface="+mn-lt"/>
-                <a:cs typeface="Times New Roman" panose="02020603050405020304" pitchFamily="18" charset="0"/>
-              </a:rPr>
-              <a:t> </a:t>
-            </a:r>
-            <a:r>
-              <a:rPr lang="en-US" dirty="0" err="1">
-                <a:latin typeface="+mn-lt"/>
-                <a:cs typeface="Times New Roman" panose="02020603050405020304" pitchFamily="18" charset="0"/>
-              </a:rPr>
               <a:t>Ăng</a:t>
             </a:r>
             <a:r>
@@ -26547,11 +26290,69 @@
               <a:buNone/>
             </a:pPr>
             <a:r>
-              <a:rPr lang="en-US" sz="3200">
-                <a:latin typeface="+mn-lt"/>
-                <a:cs typeface="Times New Roman" panose="02020603050405020304" pitchFamily="18" charset="0"/>
-              </a:rPr>
-              <a:t>Triac – BTA24:</a:t>
+              <a:rPr lang="en-US" sz="3200" dirty="0" err="1">
+                <a:latin typeface="+mn-lt"/>
+                <a:cs typeface="Times New Roman" panose="02020603050405020304" pitchFamily="18" charset="0"/>
+              </a:rPr>
+              <a:t>Triac</a:t>
+            </a:r>
+            <a:r>
+              <a:rPr lang="en-US" sz="3200" dirty="0">
+                <a:latin typeface="+mn-lt"/>
+                <a:cs typeface="Times New Roman" panose="02020603050405020304" pitchFamily="18" charset="0"/>
+              </a:rPr>
+              <a:t> – BTA24:</a:t>
+            </a:r>
+          </a:p>
+          <a:p>
+            <a:r>
+              <a:rPr lang="en-US" sz="3200" dirty="0" err="1">
+                <a:latin typeface="+mn-lt"/>
+                <a:cs typeface="Times New Roman" panose="02020603050405020304" pitchFamily="18" charset="0"/>
+              </a:rPr>
+              <a:t>Nguyên</a:t>
+            </a:r>
+            <a:r>
+              <a:rPr lang="en-US" sz="3200" dirty="0">
+                <a:latin typeface="+mn-lt"/>
+                <a:cs typeface="Times New Roman" panose="02020603050405020304" pitchFamily="18" charset="0"/>
+              </a:rPr>
+              <a:t> </a:t>
+            </a:r>
+            <a:r>
+              <a:rPr lang="en-US" sz="3200" dirty="0" err="1">
+                <a:latin typeface="+mn-lt"/>
+                <a:cs typeface="Times New Roman" panose="02020603050405020304" pitchFamily="18" charset="0"/>
+              </a:rPr>
+              <a:t>lý</a:t>
+            </a:r>
+            <a:r>
+              <a:rPr lang="en-US" sz="3200" dirty="0">
+                <a:latin typeface="+mn-lt"/>
+                <a:cs typeface="Times New Roman" panose="02020603050405020304" pitchFamily="18" charset="0"/>
+              </a:rPr>
+              <a:t> </a:t>
+            </a:r>
+            <a:r>
+              <a:rPr lang="en-US" sz="3200" dirty="0" err="1">
+                <a:latin typeface="+mn-lt"/>
+                <a:cs typeface="Times New Roman" panose="02020603050405020304" pitchFamily="18" charset="0"/>
+              </a:rPr>
+              <a:t>hoạt</a:t>
+            </a:r>
+            <a:r>
+              <a:rPr lang="en-US" sz="3200" dirty="0">
+                <a:latin typeface="+mn-lt"/>
+                <a:cs typeface="Times New Roman" panose="02020603050405020304" pitchFamily="18" charset="0"/>
+              </a:rPr>
+              <a:t> </a:t>
+            </a:r>
+            <a:r>
+              <a:rPr lang="en-US" sz="3200" dirty="0" err="1">
+                <a:latin typeface="+mn-lt"/>
+                <a:cs typeface="Times New Roman" panose="02020603050405020304" pitchFamily="18" charset="0"/>
+              </a:rPr>
+              <a:t>động</a:t>
             </a:r>
             <a:endParaRPr lang="en-US" sz="3200" dirty="0">
               <a:latin typeface="+mn-lt"/>
@@ -26564,7 +26365,7 @@
                 <a:latin typeface="+mn-lt"/>
                 <a:cs typeface="Times New Roman" panose="02020603050405020304" pitchFamily="18" charset="0"/>
               </a:rPr>
-              <a:t>Nguyên</a:t>
+              <a:t>Cách</a:t>
             </a:r>
             <a:r>
               <a:rPr lang="en-US" sz="3200" dirty="0">
@@ -26578,7 +26379,7 @@
                 <a:latin typeface="+mn-lt"/>
                 <a:cs typeface="Times New Roman" panose="02020603050405020304" pitchFamily="18" charset="0"/>
               </a:rPr>
-              <a:t>lý</a:t>
+              <a:t>điều</a:t>
             </a:r>
             <a:r>
               <a:rPr lang="en-US" sz="3200" dirty="0">
@@ -26592,55 +26393,9 @@
                 <a:latin typeface="+mn-lt"/>
                 <a:cs typeface="Times New Roman" panose="02020603050405020304" pitchFamily="18" charset="0"/>
               </a:rPr>
-              <a:t>hoạt</a:t>
-            </a:r>
-            <a:r>
-              <a:rPr lang="en-US" sz="3200" dirty="0">
-                <a:latin typeface="+mn-lt"/>
-                <a:cs typeface="Times New Roman" panose="02020603050405020304" pitchFamily="18" charset="0"/>
-              </a:rPr>
-              <a:t> </a:t>
-            </a:r>
-            <a:r>
-              <a:rPr lang="en-US" sz="3200" dirty="0" err="1">
-                <a:latin typeface="+mn-lt"/>
-                <a:cs typeface="Times New Roman" panose="02020603050405020304" pitchFamily="18" charset="0"/>
-              </a:rPr>
-              <a:t>động</a:t>
+              <a:t>khiển</a:t>
             </a:r>
             <a:endParaRPr lang="en-US" sz="3200" dirty="0">
-              <a:latin typeface="+mn-lt"/>
-              <a:cs typeface="Times New Roman" panose="02020603050405020304" pitchFamily="18" charset="0"/>
-            </a:endParaRPr>
-          </a:p>
-          <a:p>
-            <a:r>
-              <a:rPr lang="en-US" sz="3200">
-                <a:latin typeface="+mn-lt"/>
-                <a:cs typeface="Times New Roman" panose="02020603050405020304" pitchFamily="18" charset="0"/>
-              </a:rPr>
-              <a:t>Cách </a:t>
-            </a:r>
-            <a:r>
-              <a:rPr lang="en-US" sz="3200" err="1">
-                <a:latin typeface="+mn-lt"/>
-                <a:cs typeface="Times New Roman" panose="02020603050405020304" pitchFamily="18" charset="0"/>
-              </a:rPr>
-              <a:t>điều</a:t>
-            </a:r>
-            <a:r>
-              <a:rPr lang="en-US" sz="3200">
-                <a:latin typeface="+mn-lt"/>
-                <a:cs typeface="Times New Roman" panose="02020603050405020304" pitchFamily="18" charset="0"/>
-              </a:rPr>
-              <a:t> khiển</a:t>
-            </a:r>
-          </a:p>
-          <a:p>
-            <a:pPr marL="0" indent="0">
-              <a:buNone/>
-            </a:pPr>
-            <a:endParaRPr lang="en-US" sz="3200">
               <a:latin typeface="+mn-lt"/>
               <a:cs typeface="Times New Roman" panose="02020603050405020304" pitchFamily="18" charset="0"/>
             </a:endParaRPr>
@@ -26649,7 +26404,7 @@
             <a:pPr marL="0" indent="0">
               <a:buNone/>
             </a:pPr>
-            <a:endParaRPr lang="en-US" sz="3200">
+            <a:endParaRPr lang="en-US" sz="3200" dirty="0">
               <a:latin typeface="+mn-lt"/>
               <a:cs typeface="Times New Roman" panose="02020603050405020304" pitchFamily="18" charset="0"/>
             </a:endParaRPr>
@@ -26658,30 +26413,138 @@
             <a:pPr marL="0" indent="0">
               <a:buNone/>
             </a:pPr>
-            <a:r>
-              <a:rPr lang="en-US" sz="3200">
-                <a:latin typeface="+mn-lt"/>
-                <a:cs typeface="Times New Roman" panose="02020603050405020304" pitchFamily="18" charset="0"/>
-              </a:rPr>
-              <a:t>IC lái triac</a:t>
-            </a:r>
+            <a:endParaRPr lang="en-US" sz="3200" dirty="0">
+              <a:latin typeface="+mn-lt"/>
+              <a:cs typeface="Times New Roman" panose="02020603050405020304" pitchFamily="18" charset="0"/>
+            </a:endParaRPr>
           </a:p>
           <a:p>
-            <a:r>
-              <a:rPr lang="en-US" sz="3200">
-                <a:latin typeface="+mn-lt"/>
-                <a:cs typeface="Times New Roman" panose="02020603050405020304" pitchFamily="18" charset="0"/>
-              </a:rPr>
-              <a:t>Nguyên lý hoạt động</a:t>
-            </a:r>
+            <a:pPr marL="0" indent="0">
+              <a:buNone/>
+            </a:pPr>
+            <a:r>
+              <a:rPr lang="en-US" sz="3200" dirty="0">
+                <a:latin typeface="+mn-lt"/>
+                <a:cs typeface="Times New Roman" panose="02020603050405020304" pitchFamily="18" charset="0"/>
+              </a:rPr>
+              <a:t>IC </a:t>
+            </a:r>
+            <a:r>
+              <a:rPr lang="en-US" sz="3200" dirty="0" err="1">
+                <a:latin typeface="+mn-lt"/>
+                <a:cs typeface="Times New Roman" panose="02020603050405020304" pitchFamily="18" charset="0"/>
+              </a:rPr>
+              <a:t>lái</a:t>
+            </a:r>
+            <a:r>
+              <a:rPr lang="en-US" sz="3200" dirty="0">
+                <a:latin typeface="+mn-lt"/>
+                <a:cs typeface="Times New Roman" panose="02020603050405020304" pitchFamily="18" charset="0"/>
+              </a:rPr>
+              <a:t> </a:t>
+            </a:r>
+            <a:r>
+              <a:rPr lang="en-US" sz="3200" dirty="0" err="1">
+                <a:latin typeface="+mn-lt"/>
+                <a:cs typeface="Times New Roman" panose="02020603050405020304" pitchFamily="18" charset="0"/>
+              </a:rPr>
+              <a:t>triac</a:t>
+            </a:r>
+            <a:endParaRPr lang="en-US" sz="3200" dirty="0">
+              <a:latin typeface="+mn-lt"/>
+              <a:cs typeface="Times New Roman" panose="02020603050405020304" pitchFamily="18" charset="0"/>
+            </a:endParaRPr>
           </a:p>
           <a:p>
             <a:r>
-              <a:rPr lang="en-US" sz="3200">
-                <a:latin typeface="+mn-lt"/>
-                <a:cs typeface="Times New Roman" panose="02020603050405020304" pitchFamily="18" charset="0"/>
-              </a:rPr>
-              <a:t>Cách điều khiển</a:t>
+              <a:rPr lang="en-US" sz="3200" dirty="0" err="1">
+                <a:latin typeface="+mn-lt"/>
+                <a:cs typeface="Times New Roman" panose="02020603050405020304" pitchFamily="18" charset="0"/>
+              </a:rPr>
+              <a:t>Nguyên</a:t>
+            </a:r>
+            <a:r>
+              <a:rPr lang="en-US" sz="3200" dirty="0">
+                <a:latin typeface="+mn-lt"/>
+                <a:cs typeface="Times New Roman" panose="02020603050405020304" pitchFamily="18" charset="0"/>
+              </a:rPr>
+              <a:t> </a:t>
+            </a:r>
+            <a:r>
+              <a:rPr lang="en-US" sz="3200" dirty="0" err="1">
+                <a:latin typeface="+mn-lt"/>
+                <a:cs typeface="Times New Roman" panose="02020603050405020304" pitchFamily="18" charset="0"/>
+              </a:rPr>
+              <a:t>lý</a:t>
+            </a:r>
+            <a:r>
+              <a:rPr lang="en-US" sz="3200" dirty="0">
+                <a:latin typeface="+mn-lt"/>
+                <a:cs typeface="Times New Roman" panose="02020603050405020304" pitchFamily="18" charset="0"/>
+              </a:rPr>
+              <a:t> </a:t>
+            </a:r>
+            <a:r>
+              <a:rPr lang="en-US" sz="3200" dirty="0" err="1">
+                <a:latin typeface="+mn-lt"/>
+                <a:cs typeface="Times New Roman" panose="02020603050405020304" pitchFamily="18" charset="0"/>
+              </a:rPr>
+              <a:t>hoạt</a:t>
+            </a:r>
+            <a:r>
+              <a:rPr lang="en-US" sz="3200" dirty="0">
+                <a:latin typeface="+mn-lt"/>
+                <a:cs typeface="Times New Roman" panose="02020603050405020304" pitchFamily="18" charset="0"/>
+              </a:rPr>
+              <a:t> </a:t>
+            </a:r>
+            <a:r>
+              <a:rPr lang="en-US" sz="3200" dirty="0" err="1">
+                <a:latin typeface="+mn-lt"/>
+                <a:cs typeface="Times New Roman" panose="02020603050405020304" pitchFamily="18" charset="0"/>
+              </a:rPr>
+              <a:t>động</a:t>
+            </a:r>
+            <a:endParaRPr lang="en-US" sz="3200" dirty="0">
+              <a:latin typeface="+mn-lt"/>
+              <a:cs typeface="Times New Roman" panose="02020603050405020304" pitchFamily="18" charset="0"/>
+            </a:endParaRPr>
+          </a:p>
+          <a:p>
+            <a:r>
+              <a:rPr lang="en-US" sz="3200" dirty="0" err="1">
+                <a:latin typeface="+mn-lt"/>
+                <a:cs typeface="Times New Roman" panose="02020603050405020304" pitchFamily="18" charset="0"/>
+              </a:rPr>
+              <a:t>Cách</a:t>
+            </a:r>
+            <a:r>
+              <a:rPr lang="en-US" sz="3200" dirty="0">
+                <a:latin typeface="+mn-lt"/>
+                <a:cs typeface="Times New Roman" panose="02020603050405020304" pitchFamily="18" charset="0"/>
+              </a:rPr>
+              <a:t> </a:t>
+            </a:r>
+            <a:r>
+              <a:rPr lang="en-US" sz="3200" dirty="0" err="1">
+                <a:latin typeface="+mn-lt"/>
+                <a:cs typeface="Times New Roman" panose="02020603050405020304" pitchFamily="18" charset="0"/>
+              </a:rPr>
+              <a:t>điều</a:t>
+            </a:r>
+            <a:r>
+              <a:rPr lang="en-US" sz="3200" dirty="0">
+                <a:latin typeface="+mn-lt"/>
+                <a:cs typeface="Times New Roman" panose="02020603050405020304" pitchFamily="18" charset="0"/>
+              </a:rPr>
+              <a:t> </a:t>
+            </a:r>
+            <a:r>
+              <a:rPr lang="en-US" sz="3200" dirty="0" err="1">
+                <a:latin typeface="+mn-lt"/>
+                <a:cs typeface="Times New Roman" panose="02020603050405020304" pitchFamily="18" charset="0"/>
+              </a:rPr>
+              <a:t>khiển</a:t>
             </a:r>
             <a:endParaRPr lang="vi-VN" sz="3200" dirty="0">
               <a:latin typeface="+mn-lt"/>
@@ -28176,12 +28039,6 @@
 </file>
 
 <file path=customXml/item1.xml><?xml version="1.0" encoding="utf-8"?>
-<p:properties xmlns:p="http://schemas.microsoft.com/office/2006/metadata/properties" xmlns:xsi="http://www.w3.org/2001/XMLSchema-instance" xmlns:pc="http://schemas.microsoft.com/office/infopath/2007/PartnerControls">
-  <documentManagement/>
-</p:properties>
-</file>
-
-<file path=customXml/item2.xml><?xml version="1.0" encoding="utf-8"?>
 <ct:contentTypeSchema xmlns:ct="http://schemas.microsoft.com/office/2006/metadata/contentType" xmlns:ma="http://schemas.microsoft.com/office/2006/metadata/properties/metaAttributes" ct:_="" ma:_="" ma:contentTypeName="Document" ma:contentTypeID="0x01010029FB87B201BB164AA8F0D7E07FC18253" ma:contentTypeVersion="12" ma:contentTypeDescription="Create a new document." ma:contentTypeScope="" ma:versionID="ec75d641dd128f4ad30853614c3b4998">
   <xsd:schema xmlns:xsd="http://www.w3.org/2001/XMLSchema" xmlns:xs="http://www.w3.org/2001/XMLSchema" xmlns:p="http://schemas.microsoft.com/office/2006/metadata/properties" xmlns:ns2="c070d92c-e005-4177-a1a8-b2208be38bba" xmlns:ns3="c72df4cc-d2de-4b7e-8388-06b9b73bb217" targetNamespace="http://schemas.microsoft.com/office/2006/metadata/properties" ma:root="true" ma:fieldsID="0bd5079f3866d8fa0d2cfeac6b7a2082" ns2:_="" ns3:_="">
     <xsd:import namespace="c070d92c-e005-4177-a1a8-b2208be38bba"/>
@@ -28398,6 +28255,12 @@
 </ct:contentTypeSchema>
 </file>
 
+<file path=customXml/item2.xml><?xml version="1.0" encoding="utf-8"?>
+<p:properties xmlns:p="http://schemas.microsoft.com/office/2006/metadata/properties" xmlns:xsi="http://www.w3.org/2001/XMLSchema-instance" xmlns:pc="http://schemas.microsoft.com/office/infopath/2007/PartnerControls">
+  <documentManagement/>
+</p:properties>
+</file>
+
 <file path=customXml/item3.xml><?xml version="1.0" encoding="utf-8"?>
 <?mso-contentType ?>
 <FormTemplates xmlns="http://schemas.microsoft.com/sharepoint/v3/contenttype/forms">
@@ -28408,15 +28271,6 @@
 </file>
 
 <file path=customXml/itemProps1.xml><?xml version="1.0" encoding="utf-8"?>
-<ds:datastoreItem xmlns:ds="http://schemas.openxmlformats.org/officeDocument/2006/customXml" ds:itemID="{5666771F-238C-409E-B1DF-70481BFDE8AE}">
-  <ds:schemaRefs>
-    <ds:schemaRef ds:uri="http://schemas.microsoft.com/office/2006/metadata/properties"/>
-    <ds:schemaRef ds:uri="http://schemas.microsoft.com/office/infopath/2007/PartnerControls"/>
-  </ds:schemaRefs>
-</ds:datastoreItem>
-</file>
-
-<file path=customXml/itemProps2.xml><?xml version="1.0" encoding="utf-8"?>
 <ds:datastoreItem xmlns:ds="http://schemas.openxmlformats.org/officeDocument/2006/customXml" ds:itemID="{D2294227-C537-4C56-90F1-0A24B92707E6}">
   <ds:schemaRefs>
     <ds:schemaRef ds:uri="http://schemas.microsoft.com/office/2006/metadata/contentType"/>
@@ -28435,6 +28289,15 @@
 </ds:datastoreItem>
 </file>
 
+<file path=customXml/itemProps2.xml><?xml version="1.0" encoding="utf-8"?>
+<ds:datastoreItem xmlns:ds="http://schemas.openxmlformats.org/officeDocument/2006/customXml" ds:itemID="{5666771F-238C-409E-B1DF-70481BFDE8AE}">
+  <ds:schemaRefs>
+    <ds:schemaRef ds:uri="http://schemas.microsoft.com/office/2006/metadata/properties"/>
+    <ds:schemaRef ds:uri="http://schemas.microsoft.com/office/infopath/2007/PartnerControls"/>
+  </ds:schemaRefs>
+</ds:datastoreItem>
+</file>
+
 <file path=customXml/itemProps3.xml><?xml version="1.0" encoding="utf-8"?>
 <ds:datastoreItem xmlns:ds="http://schemas.openxmlformats.org/officeDocument/2006/customXml" ds:itemID="{69128D4C-6F8B-42B2-A3A4-DC1405FCC7A7}">
   <ds:schemaRefs>
